--- a/xx_Figures/Transmetteurs.pptx
+++ b/xx_Figures/Transmetteurs.pptx
@@ -11,6 +11,9 @@
     <p:sldId id="327" r:id="rId5"/>
     <p:sldId id="328" r:id="rId6"/>
     <p:sldId id="329" r:id="rId7"/>
+    <p:sldId id="332" r:id="rId8"/>
+    <p:sldId id="333" r:id="rId9"/>
+    <p:sldId id="331" r:id="rId10"/>
   </p:sldIdLst>
   <p:sldSz cx="12192000" cy="6858000"/>
   <p:notesSz cx="6858000" cy="9144000"/>
@@ -275,7 +278,7 @@
           <a:p>
             <a:fld id="{8F642941-D65F-406C-8D61-F3F019FA3B18}" type="datetimeFigureOut">
               <a:rPr lang="fr-FR" smtClean="0"/>
-              <a:t>07/12/2023</a:t>
+              <a:t>08/12/2023</a:t>
             </a:fld>
             <a:endParaRPr lang="fr-FR"/>
           </a:p>
@@ -473,7 +476,7 @@
           <a:p>
             <a:fld id="{8F642941-D65F-406C-8D61-F3F019FA3B18}" type="datetimeFigureOut">
               <a:rPr lang="fr-FR" smtClean="0"/>
-              <a:t>07/12/2023</a:t>
+              <a:t>08/12/2023</a:t>
             </a:fld>
             <a:endParaRPr lang="fr-FR"/>
           </a:p>
@@ -681,7 +684,7 @@
           <a:p>
             <a:fld id="{8F642941-D65F-406C-8D61-F3F019FA3B18}" type="datetimeFigureOut">
               <a:rPr lang="fr-FR" smtClean="0"/>
-              <a:t>07/12/2023</a:t>
+              <a:t>08/12/2023</a:t>
             </a:fld>
             <a:endParaRPr lang="fr-FR"/>
           </a:p>
@@ -879,7 +882,7 @@
           <a:p>
             <a:fld id="{8F642941-D65F-406C-8D61-F3F019FA3B18}" type="datetimeFigureOut">
               <a:rPr lang="fr-FR" smtClean="0"/>
-              <a:t>07/12/2023</a:t>
+              <a:t>08/12/2023</a:t>
             </a:fld>
             <a:endParaRPr lang="fr-FR"/>
           </a:p>
@@ -1154,7 +1157,7 @@
           <a:p>
             <a:fld id="{8F642941-D65F-406C-8D61-F3F019FA3B18}" type="datetimeFigureOut">
               <a:rPr lang="fr-FR" smtClean="0"/>
-              <a:t>07/12/2023</a:t>
+              <a:t>08/12/2023</a:t>
             </a:fld>
             <a:endParaRPr lang="fr-FR"/>
           </a:p>
@@ -1419,7 +1422,7 @@
           <a:p>
             <a:fld id="{8F642941-D65F-406C-8D61-F3F019FA3B18}" type="datetimeFigureOut">
               <a:rPr lang="fr-FR" smtClean="0"/>
-              <a:t>07/12/2023</a:t>
+              <a:t>08/12/2023</a:t>
             </a:fld>
             <a:endParaRPr lang="fr-FR"/>
           </a:p>
@@ -1831,7 +1834,7 @@
           <a:p>
             <a:fld id="{8F642941-D65F-406C-8D61-F3F019FA3B18}" type="datetimeFigureOut">
               <a:rPr lang="fr-FR" smtClean="0"/>
-              <a:t>07/12/2023</a:t>
+              <a:t>08/12/2023</a:t>
             </a:fld>
             <a:endParaRPr lang="fr-FR"/>
           </a:p>
@@ -1972,7 +1975,7 @@
           <a:p>
             <a:fld id="{8F642941-D65F-406C-8D61-F3F019FA3B18}" type="datetimeFigureOut">
               <a:rPr lang="fr-FR" smtClean="0"/>
-              <a:t>07/12/2023</a:t>
+              <a:t>08/12/2023</a:t>
             </a:fld>
             <a:endParaRPr lang="fr-FR"/>
           </a:p>
@@ -2085,7 +2088,7 @@
           <a:p>
             <a:fld id="{8F642941-D65F-406C-8D61-F3F019FA3B18}" type="datetimeFigureOut">
               <a:rPr lang="fr-FR" smtClean="0"/>
-              <a:t>07/12/2023</a:t>
+              <a:t>08/12/2023</a:t>
             </a:fld>
             <a:endParaRPr lang="fr-FR"/>
           </a:p>
@@ -2396,7 +2399,7 @@
           <a:p>
             <a:fld id="{8F642941-D65F-406C-8D61-F3F019FA3B18}" type="datetimeFigureOut">
               <a:rPr lang="fr-FR" smtClean="0"/>
-              <a:t>07/12/2023</a:t>
+              <a:t>08/12/2023</a:t>
             </a:fld>
             <a:endParaRPr lang="fr-FR"/>
           </a:p>
@@ -2684,7 +2687,7 @@
           <a:p>
             <a:fld id="{8F642941-D65F-406C-8D61-F3F019FA3B18}" type="datetimeFigureOut">
               <a:rPr lang="fr-FR" smtClean="0"/>
-              <a:t>07/12/2023</a:t>
+              <a:t>08/12/2023</a:t>
             </a:fld>
             <a:endParaRPr lang="fr-FR"/>
           </a:p>
@@ -2925,7 +2928,7 @@
           <a:p>
             <a:fld id="{8F642941-D65F-406C-8D61-F3F019FA3B18}" type="datetimeFigureOut">
               <a:rPr lang="fr-FR" smtClean="0"/>
-              <a:t>07/12/2023</a:t>
+              <a:t>08/12/2023</a:t>
             </a:fld>
             <a:endParaRPr lang="fr-FR"/>
           </a:p>
@@ -4884,8 +4887,8 @@
           </p:txBody>
         </p:sp>
       </p:grpSp>
-      <mc:AlternateContent xmlns:mc="http://schemas.openxmlformats.org/markup-compatibility/2006">
-        <mc:Choice xmlns:a14="http://schemas.microsoft.com/office/drawing/2010/main" Requires="a14">
+      <mc:AlternateContent xmlns:mc="http://schemas.openxmlformats.org/markup-compatibility/2006" xmlns:a14="http://schemas.microsoft.com/office/drawing/2010/main">
+        <mc:Choice Requires="a14">
           <p:sp>
             <p:nvSpPr>
               <p:cNvPr id="2" name="ZoneTexte 1">
@@ -4914,6 +4917,7 @@
               </a:bodyPr>
               <a:lstStyle/>
               <a:p>
+                <a:pPr/>
                 <a14:m>
                   <m:oMathPara xmlns:m="http://schemas.openxmlformats.org/officeDocument/2006/math">
                     <m:oMathParaPr>
@@ -4953,7 +4957,7 @@
             </p:txBody>
           </p:sp>
         </mc:Choice>
-        <mc:Fallback>
+        <mc:Fallback xmlns="">
           <p:sp>
             <p:nvSpPr>
               <p:cNvPr id="2" name="ZoneTexte 1">
@@ -4998,8 +5002,8 @@
           </p:sp>
         </mc:Fallback>
       </mc:AlternateContent>
-      <mc:AlternateContent xmlns:mc="http://schemas.openxmlformats.org/markup-compatibility/2006">
-        <mc:Choice xmlns:a14="http://schemas.microsoft.com/office/drawing/2010/main" Requires="a14">
+      <mc:AlternateContent xmlns:mc="http://schemas.openxmlformats.org/markup-compatibility/2006" xmlns:a14="http://schemas.microsoft.com/office/drawing/2010/main">
+        <mc:Choice Requires="a14">
           <p:sp>
             <p:nvSpPr>
               <p:cNvPr id="3" name="ZoneTexte 2">
@@ -5028,6 +5032,7 @@
               </a:bodyPr>
               <a:lstStyle/>
               <a:p>
+                <a:pPr/>
                 <a14:m>
                   <m:oMathPara xmlns:m="http://schemas.openxmlformats.org/officeDocument/2006/math">
                     <m:oMathParaPr>
@@ -5067,7 +5072,7 @@
             </p:txBody>
           </p:sp>
         </mc:Choice>
-        <mc:Fallback>
+        <mc:Fallback xmlns="">
           <p:sp>
             <p:nvSpPr>
               <p:cNvPr id="3" name="ZoneTexte 2">
@@ -6404,8 +6409,8 @@
           </a:p>
         </p:txBody>
       </p:sp>
-      <mc:AlternateContent xmlns:mc="http://schemas.openxmlformats.org/markup-compatibility/2006">
-        <mc:Choice xmlns:a14="http://schemas.microsoft.com/office/drawing/2010/main" Requires="a14">
+      <mc:AlternateContent xmlns:mc="http://schemas.openxmlformats.org/markup-compatibility/2006" xmlns:a14="http://schemas.microsoft.com/office/drawing/2010/main">
+        <mc:Choice Requires="a14">
           <p:sp>
             <p:nvSpPr>
               <p:cNvPr id="2" name="ZoneTexte 1">
@@ -6434,6 +6439,7 @@
               </a:bodyPr>
               <a:lstStyle/>
               <a:p>
+                <a:pPr/>
                 <a14:m>
                   <m:oMathPara xmlns:m="http://schemas.openxmlformats.org/officeDocument/2006/math">
                     <m:oMathParaPr>
@@ -6473,7 +6479,7 @@
             </p:txBody>
           </p:sp>
         </mc:Choice>
-        <mc:Fallback>
+        <mc:Fallback xmlns="">
           <p:sp>
             <p:nvSpPr>
               <p:cNvPr id="2" name="ZoneTexte 1">
@@ -6518,8 +6524,8 @@
           </p:sp>
         </mc:Fallback>
       </mc:AlternateContent>
-      <mc:AlternateContent xmlns:mc="http://schemas.openxmlformats.org/markup-compatibility/2006">
-        <mc:Choice xmlns:a14="http://schemas.microsoft.com/office/drawing/2010/main" Requires="a14">
+      <mc:AlternateContent xmlns:mc="http://schemas.openxmlformats.org/markup-compatibility/2006" xmlns:a14="http://schemas.microsoft.com/office/drawing/2010/main">
+        <mc:Choice Requires="a14">
           <p:sp>
             <p:nvSpPr>
               <p:cNvPr id="3" name="ZoneTexte 2">
@@ -6548,6 +6554,7 @@
               </a:bodyPr>
               <a:lstStyle/>
               <a:p>
+                <a:pPr/>
                 <a14:m>
                   <m:oMathPara xmlns:m="http://schemas.openxmlformats.org/officeDocument/2006/math">
                     <m:oMathParaPr>
@@ -6587,7 +6594,7 @@
             </p:txBody>
           </p:sp>
         </mc:Choice>
-        <mc:Fallback>
+        <mc:Fallback xmlns="">
           <p:sp>
             <p:nvSpPr>
               <p:cNvPr id="3" name="ZoneTexte 2">
@@ -8391,8 +8398,8 @@
           </a:p>
         </p:txBody>
       </p:sp>
-      <mc:AlternateContent xmlns:mc="http://schemas.openxmlformats.org/markup-compatibility/2006">
-        <mc:Choice xmlns:a14="http://schemas.microsoft.com/office/drawing/2010/main" Requires="a14">
+      <mc:AlternateContent xmlns:mc="http://schemas.openxmlformats.org/markup-compatibility/2006" xmlns:a14="http://schemas.microsoft.com/office/drawing/2010/main">
+        <mc:Choice Requires="a14">
           <p:sp>
             <p:nvSpPr>
               <p:cNvPr id="2" name="ZoneTexte 1">
@@ -8421,6 +8428,7 @@
               </a:bodyPr>
               <a:lstStyle/>
               <a:p>
+                <a:pPr/>
                 <a14:m>
                   <m:oMathPara xmlns:m="http://schemas.openxmlformats.org/officeDocument/2006/math">
                     <m:oMathParaPr>
@@ -8460,7 +8468,7 @@
             </p:txBody>
           </p:sp>
         </mc:Choice>
-        <mc:Fallback>
+        <mc:Fallback xmlns="">
           <p:sp>
             <p:nvSpPr>
               <p:cNvPr id="2" name="ZoneTexte 1">
@@ -8505,8 +8513,8 @@
           </p:sp>
         </mc:Fallback>
       </mc:AlternateContent>
-      <mc:AlternateContent xmlns:mc="http://schemas.openxmlformats.org/markup-compatibility/2006">
-        <mc:Choice xmlns:a14="http://schemas.microsoft.com/office/drawing/2010/main" Requires="a14">
+      <mc:AlternateContent xmlns:mc="http://schemas.openxmlformats.org/markup-compatibility/2006" xmlns:a14="http://schemas.microsoft.com/office/drawing/2010/main">
+        <mc:Choice Requires="a14">
           <p:sp>
             <p:nvSpPr>
               <p:cNvPr id="3" name="ZoneTexte 2">
@@ -8535,6 +8543,7 @@
               </a:bodyPr>
               <a:lstStyle/>
               <a:p>
+                <a:pPr/>
                 <a14:m>
                   <m:oMathPara xmlns:m="http://schemas.openxmlformats.org/officeDocument/2006/math">
                     <m:oMathParaPr>
@@ -8574,7 +8583,7 @@
             </p:txBody>
           </p:sp>
         </mc:Choice>
-        <mc:Fallback>
+        <mc:Fallback xmlns="">
           <p:sp>
             <p:nvSpPr>
               <p:cNvPr id="3" name="ZoneTexte 2">
@@ -10203,8 +10212,8 @@
           </a:p>
         </p:txBody>
       </p:sp>
-      <mc:AlternateContent xmlns:mc="http://schemas.openxmlformats.org/markup-compatibility/2006">
-        <mc:Choice xmlns:a14="http://schemas.microsoft.com/office/drawing/2010/main" Requires="a14">
+      <mc:AlternateContent xmlns:mc="http://schemas.openxmlformats.org/markup-compatibility/2006" xmlns:a14="http://schemas.microsoft.com/office/drawing/2010/main">
+        <mc:Choice Requires="a14">
           <p:sp>
             <p:nvSpPr>
               <p:cNvPr id="2" name="ZoneTexte 1">
@@ -10233,6 +10242,7 @@
               </a:bodyPr>
               <a:lstStyle/>
               <a:p>
+                <a:pPr/>
                 <a14:m>
                   <m:oMathPara xmlns:m="http://schemas.openxmlformats.org/officeDocument/2006/math">
                     <m:oMathParaPr>
@@ -10272,7 +10282,7 @@
             </p:txBody>
           </p:sp>
         </mc:Choice>
-        <mc:Fallback>
+        <mc:Fallback xmlns="">
           <p:sp>
             <p:nvSpPr>
               <p:cNvPr id="2" name="ZoneTexte 1">
@@ -10317,8 +10327,8 @@
           </p:sp>
         </mc:Fallback>
       </mc:AlternateContent>
-      <mc:AlternateContent xmlns:mc="http://schemas.openxmlformats.org/markup-compatibility/2006">
-        <mc:Choice xmlns:a14="http://schemas.microsoft.com/office/drawing/2010/main" Requires="a14">
+      <mc:AlternateContent xmlns:mc="http://schemas.openxmlformats.org/markup-compatibility/2006" xmlns:a14="http://schemas.microsoft.com/office/drawing/2010/main">
+        <mc:Choice Requires="a14">
           <p:sp>
             <p:nvSpPr>
               <p:cNvPr id="3" name="ZoneTexte 2">
@@ -10347,6 +10357,7 @@
               </a:bodyPr>
               <a:lstStyle/>
               <a:p>
+                <a:pPr/>
                 <a14:m>
                   <m:oMathPara xmlns:m="http://schemas.openxmlformats.org/officeDocument/2006/math">
                     <m:oMathParaPr>
@@ -10386,7 +10397,7 @@
             </p:txBody>
           </p:sp>
         </mc:Choice>
-        <mc:Fallback>
+        <mc:Fallback xmlns="">
           <p:sp>
             <p:nvSpPr>
               <p:cNvPr id="3" name="ZoneTexte 2">
@@ -11454,8 +11465,8 @@
           </p:txBody>
         </p:sp>
       </p:grpSp>
-      <mc:AlternateContent xmlns:mc="http://schemas.openxmlformats.org/markup-compatibility/2006">
-        <mc:Choice xmlns:a14="http://schemas.microsoft.com/office/drawing/2010/main" Requires="a14">
+      <mc:AlternateContent xmlns:mc="http://schemas.openxmlformats.org/markup-compatibility/2006" xmlns:a14="http://schemas.microsoft.com/office/drawing/2010/main">
+        <mc:Choice Requires="a14">
           <p:sp>
             <p:nvSpPr>
               <p:cNvPr id="46" name="ZoneTexte 45">
@@ -11484,6 +11495,7 @@
               </a:bodyPr>
               <a:lstStyle/>
               <a:p>
+                <a:pPr/>
                 <a14:m>
                   <m:oMathPara xmlns:m="http://schemas.openxmlformats.org/officeDocument/2006/math">
                     <m:oMathParaPr>
@@ -11523,7 +11535,7 @@
             </p:txBody>
           </p:sp>
         </mc:Choice>
-        <mc:Fallback>
+        <mc:Fallback xmlns="">
           <p:sp>
             <p:nvSpPr>
               <p:cNvPr id="46" name="ZoneTexte 45">
@@ -12273,8 +12285,8 @@
           </a:p>
         </p:txBody>
       </p:sp>
-      <mc:AlternateContent xmlns:mc="http://schemas.openxmlformats.org/markup-compatibility/2006">
-        <mc:Choice xmlns:a14="http://schemas.microsoft.com/office/drawing/2010/main" Requires="a14">
+      <mc:AlternateContent xmlns:mc="http://schemas.openxmlformats.org/markup-compatibility/2006" xmlns:a14="http://schemas.microsoft.com/office/drawing/2010/main">
+        <mc:Choice Requires="a14">
           <p:sp>
             <p:nvSpPr>
               <p:cNvPr id="2" name="ZoneTexte 1">
@@ -12303,6 +12315,7 @@
               </a:bodyPr>
               <a:lstStyle/>
               <a:p>
+                <a:pPr/>
                 <a14:m>
                   <m:oMathPara xmlns:m="http://schemas.openxmlformats.org/officeDocument/2006/math">
                     <m:oMathParaPr>
@@ -12342,7 +12355,7 @@
             </p:txBody>
           </p:sp>
         </mc:Choice>
-        <mc:Fallback>
+        <mc:Fallback xmlns="">
           <p:sp>
             <p:nvSpPr>
               <p:cNvPr id="2" name="ZoneTexte 1">
@@ -12387,8 +12400,8 @@
           </p:sp>
         </mc:Fallback>
       </mc:AlternateContent>
-      <mc:AlternateContent xmlns:mc="http://schemas.openxmlformats.org/markup-compatibility/2006">
-        <mc:Choice xmlns:a14="http://schemas.microsoft.com/office/drawing/2010/main" Requires="a14">
+      <mc:AlternateContent xmlns:mc="http://schemas.openxmlformats.org/markup-compatibility/2006" xmlns:a14="http://schemas.microsoft.com/office/drawing/2010/main">
+        <mc:Choice Requires="a14">
           <p:sp>
             <p:nvSpPr>
               <p:cNvPr id="3" name="ZoneTexte 2">
@@ -12417,6 +12430,7 @@
               </a:bodyPr>
               <a:lstStyle/>
               <a:p>
+                <a:pPr/>
                 <a14:m>
                   <m:oMathPara xmlns:m="http://schemas.openxmlformats.org/officeDocument/2006/math">
                     <m:oMathParaPr>
@@ -12456,7 +12470,7 @@
             </p:txBody>
           </p:sp>
         </mc:Choice>
-        <mc:Fallback>
+        <mc:Fallback xmlns="">
           <p:sp>
             <p:nvSpPr>
               <p:cNvPr id="3" name="ZoneTexte 2">
@@ -14013,6 +14027,4050 @@
 </p:sld>
 </file>
 
+<file path=ppt/slides/slide7.xml><?xml version="1.0" encoding="utf-8"?>
+<p:sld xmlns:a="http://schemas.openxmlformats.org/drawingml/2006/main" xmlns:r="http://schemas.openxmlformats.org/officeDocument/2006/relationships" xmlns:p="http://schemas.openxmlformats.org/presentationml/2006/main">
+  <p:cSld>
+    <p:spTree>
+      <p:nvGrpSpPr>
+        <p:cNvPr id="1" name=""/>
+        <p:cNvGrpSpPr/>
+        <p:nvPr/>
+      </p:nvGrpSpPr>
+      <p:grpSpPr>
+        <a:xfrm>
+          <a:off x="0" y="0"/>
+          <a:ext cx="0" cy="0"/>
+          <a:chOff x="0" y="0"/>
+          <a:chExt cx="0" cy="0"/>
+        </a:xfrm>
+      </p:grpSpPr>
+      <p:cxnSp>
+        <p:nvCxnSpPr>
+          <p:cNvPr id="93" name="Connecteur droit 92">
+            <a:extLst>
+              <a:ext uri="{FF2B5EF4-FFF2-40B4-BE49-F238E27FC236}">
+                <a16:creationId xmlns:a16="http://schemas.microsoft.com/office/drawing/2014/main" id="{A897F902-3D0A-9A96-1A00-B0279E0F30B5}"/>
+              </a:ext>
+            </a:extLst>
+          </p:cNvPr>
+          <p:cNvCxnSpPr>
+            <a:cxnSpLocks/>
+            <a:endCxn id="60" idx="1"/>
+          </p:cNvCxnSpPr>
+          <p:nvPr/>
+        </p:nvCxnSpPr>
+        <p:spPr>
+          <a:xfrm>
+            <a:off x="3949497" y="1774564"/>
+            <a:ext cx="840948" cy="2066"/>
+          </a:xfrm>
+          <a:prstGeom prst="line">
+            <a:avLst/>
+          </a:prstGeom>
+          <a:noFill/>
+          <a:ln w="28575">
+            <a:solidFill>
+              <a:schemeClr val="tx1"/>
+            </a:solidFill>
+          </a:ln>
+        </p:spPr>
+        <p:style>
+          <a:lnRef idx="2">
+            <a:schemeClr val="accent1">
+              <a:shade val="50000"/>
+            </a:schemeClr>
+          </a:lnRef>
+          <a:fillRef idx="1">
+            <a:schemeClr val="accent1"/>
+          </a:fillRef>
+          <a:effectRef idx="0">
+            <a:schemeClr val="accent1"/>
+          </a:effectRef>
+          <a:fontRef idx="minor">
+            <a:schemeClr val="lt1"/>
+          </a:fontRef>
+        </p:style>
+      </p:cxnSp>
+      <p:cxnSp>
+        <p:nvCxnSpPr>
+          <p:cNvPr id="94" name="Connecteur droit 93">
+            <a:extLst>
+              <a:ext uri="{FF2B5EF4-FFF2-40B4-BE49-F238E27FC236}">
+                <a16:creationId xmlns:a16="http://schemas.microsoft.com/office/drawing/2014/main" id="{A897F902-3D0A-9A96-1A00-B0279E0F30B5}"/>
+              </a:ext>
+            </a:extLst>
+          </p:cNvPr>
+          <p:cNvCxnSpPr>
+            <a:cxnSpLocks/>
+          </p:cNvCxnSpPr>
+          <p:nvPr/>
+        </p:nvCxnSpPr>
+        <p:spPr>
+          <a:xfrm flipV="1">
+            <a:off x="4974228" y="1774564"/>
+            <a:ext cx="366122" cy="1"/>
+          </a:xfrm>
+          <a:prstGeom prst="line">
+            <a:avLst/>
+          </a:prstGeom>
+          <a:noFill/>
+          <a:ln w="28575">
+            <a:solidFill>
+              <a:schemeClr val="tx1"/>
+            </a:solidFill>
+          </a:ln>
+        </p:spPr>
+        <p:style>
+          <a:lnRef idx="2">
+            <a:schemeClr val="accent1">
+              <a:shade val="50000"/>
+            </a:schemeClr>
+          </a:lnRef>
+          <a:fillRef idx="1">
+            <a:schemeClr val="accent1"/>
+          </a:fillRef>
+          <a:effectRef idx="0">
+            <a:schemeClr val="accent1"/>
+          </a:effectRef>
+          <a:fontRef idx="minor">
+            <a:schemeClr val="lt1"/>
+          </a:fontRef>
+        </p:style>
+      </p:cxnSp>
+      <p:sp>
+        <p:nvSpPr>
+          <p:cNvPr id="49" name="Forme libre : forme 48">
+            <a:extLst>
+              <a:ext uri="{FF2B5EF4-FFF2-40B4-BE49-F238E27FC236}">
+                <a16:creationId xmlns:a16="http://schemas.microsoft.com/office/drawing/2014/main" id="{C90DDB29-ABD7-6BC0-79DE-81B180730FBF}"/>
+              </a:ext>
+            </a:extLst>
+          </p:cNvPr>
+          <p:cNvSpPr/>
+          <p:nvPr/>
+        </p:nvSpPr>
+        <p:spPr>
+          <a:xfrm>
+            <a:off x="3741926" y="2480662"/>
+            <a:ext cx="415449" cy="145926"/>
+          </a:xfrm>
+          <a:custGeom>
+            <a:avLst/>
+            <a:gdLst>
+              <a:gd name="connsiteX0" fmla="*/ 0 w 400050"/>
+              <a:gd name="connsiteY0" fmla="*/ 6350 h 134622"/>
+              <a:gd name="connsiteX1" fmla="*/ 63500 w 400050"/>
+              <a:gd name="connsiteY1" fmla="*/ 114300 h 134622"/>
+              <a:gd name="connsiteX2" fmla="*/ 203200 w 400050"/>
+              <a:gd name="connsiteY2" fmla="*/ 69850 h 134622"/>
+              <a:gd name="connsiteX3" fmla="*/ 304800 w 400050"/>
+              <a:gd name="connsiteY3" fmla="*/ 133350 h 134622"/>
+              <a:gd name="connsiteX4" fmla="*/ 400050 w 400050"/>
+              <a:gd name="connsiteY4" fmla="*/ 0 h 134622"/>
+            </a:gdLst>
+            <a:ahLst/>
+            <a:cxnLst>
+              <a:cxn ang="0">
+                <a:pos x="connsiteX0" y="connsiteY0"/>
+              </a:cxn>
+              <a:cxn ang="0">
+                <a:pos x="connsiteX1" y="connsiteY1"/>
+              </a:cxn>
+              <a:cxn ang="0">
+                <a:pos x="connsiteX2" y="connsiteY2"/>
+              </a:cxn>
+              <a:cxn ang="0">
+                <a:pos x="connsiteX3" y="connsiteY3"/>
+              </a:cxn>
+              <a:cxn ang="0">
+                <a:pos x="connsiteX4" y="connsiteY4"/>
+              </a:cxn>
+            </a:cxnLst>
+            <a:rect l="l" t="t" r="r" b="b"/>
+            <a:pathLst>
+              <a:path w="400050" h="134622">
+                <a:moveTo>
+                  <a:pt x="0" y="6350"/>
+                </a:moveTo>
+                <a:cubicBezTo>
+                  <a:pt x="14816" y="55033"/>
+                  <a:pt x="29633" y="103717"/>
+                  <a:pt x="63500" y="114300"/>
+                </a:cubicBezTo>
+                <a:cubicBezTo>
+                  <a:pt x="97367" y="124883"/>
+                  <a:pt x="162983" y="66675"/>
+                  <a:pt x="203200" y="69850"/>
+                </a:cubicBezTo>
+                <a:cubicBezTo>
+                  <a:pt x="243417" y="73025"/>
+                  <a:pt x="271992" y="144992"/>
+                  <a:pt x="304800" y="133350"/>
+                </a:cubicBezTo>
+                <a:cubicBezTo>
+                  <a:pt x="337608" y="121708"/>
+                  <a:pt x="368829" y="60854"/>
+                  <a:pt x="400050" y="0"/>
+                </a:cubicBezTo>
+              </a:path>
+            </a:pathLst>
+          </a:custGeom>
+          <a:solidFill>
+            <a:schemeClr val="bg1">
+              <a:lumMod val="85000"/>
+            </a:schemeClr>
+          </a:solidFill>
+          <a:ln w="19050">
+            <a:solidFill>
+              <a:schemeClr val="tx1"/>
+            </a:solidFill>
+          </a:ln>
+        </p:spPr>
+        <p:style>
+          <a:lnRef idx="2">
+            <a:schemeClr val="accent1">
+              <a:shade val="50000"/>
+            </a:schemeClr>
+          </a:lnRef>
+          <a:fillRef idx="1">
+            <a:schemeClr val="accent1"/>
+          </a:fillRef>
+          <a:effectRef idx="0">
+            <a:schemeClr val="accent1"/>
+          </a:effectRef>
+          <a:fontRef idx="minor">
+            <a:schemeClr val="lt1"/>
+          </a:fontRef>
+        </p:style>
+        <p:txBody>
+          <a:bodyPr rtlCol="0" anchor="ctr"/>
+          <a:lstStyle/>
+          <a:p>
+            <a:pPr algn="ctr"/>
+            <a:endParaRPr lang="fr-FR" b="1"/>
+          </a:p>
+        </p:txBody>
+      </p:sp>
+      <p:cxnSp>
+        <p:nvCxnSpPr>
+          <p:cNvPr id="50" name="Connecteur droit 49">
+            <a:extLst>
+              <a:ext uri="{FF2B5EF4-FFF2-40B4-BE49-F238E27FC236}">
+                <a16:creationId xmlns:a16="http://schemas.microsoft.com/office/drawing/2014/main" id="{AF1FE62E-43DC-F193-AE07-9202FDC05C8A}"/>
+              </a:ext>
+            </a:extLst>
+          </p:cNvPr>
+          <p:cNvCxnSpPr>
+            <a:cxnSpLocks/>
+          </p:cNvCxnSpPr>
+          <p:nvPr/>
+        </p:nvCxnSpPr>
+        <p:spPr>
+          <a:xfrm>
+            <a:off x="3941357" y="2338557"/>
+            <a:ext cx="0" cy="142105"/>
+          </a:xfrm>
+          <a:prstGeom prst="line">
+            <a:avLst/>
+          </a:prstGeom>
+          <a:noFill/>
+          <a:ln w="28575">
+            <a:solidFill>
+              <a:schemeClr val="tx1"/>
+            </a:solidFill>
+          </a:ln>
+        </p:spPr>
+        <p:style>
+          <a:lnRef idx="2">
+            <a:schemeClr val="accent1">
+              <a:shade val="50000"/>
+            </a:schemeClr>
+          </a:lnRef>
+          <a:fillRef idx="1">
+            <a:schemeClr val="accent1"/>
+          </a:fillRef>
+          <a:effectRef idx="0">
+            <a:schemeClr val="accent1"/>
+          </a:effectRef>
+          <a:fontRef idx="minor">
+            <a:schemeClr val="lt1"/>
+          </a:fontRef>
+        </p:style>
+      </p:cxnSp>
+      <p:cxnSp>
+        <p:nvCxnSpPr>
+          <p:cNvPr id="51" name="Connecteur droit 50">
+            <a:extLst>
+              <a:ext uri="{FF2B5EF4-FFF2-40B4-BE49-F238E27FC236}">
+                <a16:creationId xmlns:a16="http://schemas.microsoft.com/office/drawing/2014/main" id="{A7536D6D-71EC-E5C2-78B8-B02EAC5E2DDE}"/>
+              </a:ext>
+            </a:extLst>
+          </p:cNvPr>
+          <p:cNvCxnSpPr>
+            <a:cxnSpLocks/>
+          </p:cNvCxnSpPr>
+          <p:nvPr/>
+        </p:nvCxnSpPr>
+        <p:spPr>
+          <a:xfrm flipH="1">
+            <a:off x="3725333" y="2484482"/>
+            <a:ext cx="432048" cy="0"/>
+          </a:xfrm>
+          <a:prstGeom prst="line">
+            <a:avLst/>
+          </a:prstGeom>
+          <a:noFill/>
+          <a:ln w="28575">
+            <a:solidFill>
+              <a:schemeClr val="tx1"/>
+            </a:solidFill>
+          </a:ln>
+        </p:spPr>
+        <p:style>
+          <a:lnRef idx="2">
+            <a:schemeClr val="accent1">
+              <a:shade val="50000"/>
+            </a:schemeClr>
+          </a:lnRef>
+          <a:fillRef idx="1">
+            <a:schemeClr val="accent1"/>
+          </a:fillRef>
+          <a:effectRef idx="0">
+            <a:schemeClr val="accent1"/>
+          </a:effectRef>
+          <a:fontRef idx="minor">
+            <a:schemeClr val="lt1"/>
+          </a:fontRef>
+        </p:style>
+      </p:cxnSp>
+      <p:sp>
+        <p:nvSpPr>
+          <p:cNvPr id="53" name="Rectangle 52">
+            <a:extLst>
+              <a:ext uri="{FF2B5EF4-FFF2-40B4-BE49-F238E27FC236}">
+                <a16:creationId xmlns:a16="http://schemas.microsoft.com/office/drawing/2014/main" id="{6CEDC295-BBBA-C2BA-89CB-C234C506922C}"/>
+              </a:ext>
+            </a:extLst>
+          </p:cNvPr>
+          <p:cNvSpPr>
+            <a:spLocks/>
+          </p:cNvSpPr>
+          <p:nvPr/>
+        </p:nvSpPr>
+        <p:spPr>
+          <a:xfrm>
+            <a:off x="3766444" y="2162235"/>
+            <a:ext cx="360000" cy="180000"/>
+          </a:xfrm>
+          <a:prstGeom prst="rect">
+            <a:avLst/>
+          </a:prstGeom>
+          <a:solidFill>
+            <a:schemeClr val="bg1"/>
+          </a:solidFill>
+          <a:ln w="28575">
+            <a:solidFill>
+              <a:schemeClr val="tx1"/>
+            </a:solidFill>
+          </a:ln>
+        </p:spPr>
+        <p:style>
+          <a:lnRef idx="2">
+            <a:schemeClr val="accent1">
+              <a:shade val="50000"/>
+            </a:schemeClr>
+          </a:lnRef>
+          <a:fillRef idx="1">
+            <a:schemeClr val="accent1"/>
+          </a:fillRef>
+          <a:effectRef idx="0">
+            <a:schemeClr val="accent1"/>
+          </a:effectRef>
+          <a:fontRef idx="minor">
+            <a:schemeClr val="lt1"/>
+          </a:fontRef>
+        </p:style>
+        <p:txBody>
+          <a:bodyPr rtlCol="0" anchor="ctr"/>
+          <a:lstStyle/>
+          <a:p>
+            <a:pPr algn="ctr"/>
+            <a:endParaRPr lang="fr-FR" b="1"/>
+          </a:p>
+        </p:txBody>
+      </p:sp>
+      <p:cxnSp>
+        <p:nvCxnSpPr>
+          <p:cNvPr id="54" name="Connecteur droit 53">
+            <a:extLst>
+              <a:ext uri="{FF2B5EF4-FFF2-40B4-BE49-F238E27FC236}">
+                <a16:creationId xmlns:a16="http://schemas.microsoft.com/office/drawing/2014/main" id="{EF87D33F-265B-B618-7FAE-2DD2DC75777A}"/>
+              </a:ext>
+            </a:extLst>
+          </p:cNvPr>
+          <p:cNvCxnSpPr>
+            <a:cxnSpLocks/>
+          </p:cNvCxnSpPr>
+          <p:nvPr/>
+        </p:nvCxnSpPr>
+        <p:spPr>
+          <a:xfrm>
+            <a:off x="3724152" y="2162235"/>
+            <a:ext cx="0" cy="180000"/>
+          </a:xfrm>
+          <a:prstGeom prst="line">
+            <a:avLst/>
+          </a:prstGeom>
+          <a:noFill/>
+          <a:ln w="28575">
+            <a:solidFill>
+              <a:srgbClr val="0070C0"/>
+            </a:solidFill>
+          </a:ln>
+        </p:spPr>
+        <p:style>
+          <a:lnRef idx="2">
+            <a:schemeClr val="accent1">
+              <a:shade val="50000"/>
+            </a:schemeClr>
+          </a:lnRef>
+          <a:fillRef idx="1">
+            <a:schemeClr val="accent1"/>
+          </a:fillRef>
+          <a:effectRef idx="0">
+            <a:schemeClr val="accent1"/>
+          </a:effectRef>
+          <a:fontRef idx="minor">
+            <a:schemeClr val="lt1"/>
+          </a:fontRef>
+        </p:style>
+      </p:cxnSp>
+      <p:cxnSp>
+        <p:nvCxnSpPr>
+          <p:cNvPr id="55" name="Connecteur droit 54">
+            <a:extLst>
+              <a:ext uri="{FF2B5EF4-FFF2-40B4-BE49-F238E27FC236}">
+                <a16:creationId xmlns:a16="http://schemas.microsoft.com/office/drawing/2014/main" id="{DC5ED50B-CF49-5245-D392-9D6EE2719200}"/>
+              </a:ext>
+            </a:extLst>
+          </p:cNvPr>
+          <p:cNvCxnSpPr>
+            <a:cxnSpLocks/>
+          </p:cNvCxnSpPr>
+          <p:nvPr/>
+        </p:nvCxnSpPr>
+        <p:spPr>
+          <a:xfrm>
+            <a:off x="4167714" y="2162235"/>
+            <a:ext cx="0" cy="180000"/>
+          </a:xfrm>
+          <a:prstGeom prst="line">
+            <a:avLst/>
+          </a:prstGeom>
+          <a:noFill/>
+          <a:ln w="28575">
+            <a:solidFill>
+              <a:srgbClr val="0070C0"/>
+            </a:solidFill>
+          </a:ln>
+        </p:spPr>
+        <p:style>
+          <a:lnRef idx="2">
+            <a:schemeClr val="accent1">
+              <a:shade val="50000"/>
+            </a:schemeClr>
+          </a:lnRef>
+          <a:fillRef idx="1">
+            <a:schemeClr val="accent1"/>
+          </a:fillRef>
+          <a:effectRef idx="0">
+            <a:schemeClr val="accent1"/>
+          </a:effectRef>
+          <a:fontRef idx="minor">
+            <a:schemeClr val="lt1"/>
+          </a:fontRef>
+        </p:style>
+      </p:cxnSp>
+      <p:cxnSp>
+        <p:nvCxnSpPr>
+          <p:cNvPr id="6" name="Connecteur droit 5">
+            <a:extLst>
+              <a:ext uri="{FF2B5EF4-FFF2-40B4-BE49-F238E27FC236}">
+                <a16:creationId xmlns:a16="http://schemas.microsoft.com/office/drawing/2014/main" id="{A897F902-3D0A-9A96-1A00-B0279E0F30B5}"/>
+              </a:ext>
+            </a:extLst>
+          </p:cNvPr>
+          <p:cNvCxnSpPr>
+            <a:cxnSpLocks/>
+            <a:endCxn id="53" idx="0"/>
+          </p:cNvCxnSpPr>
+          <p:nvPr/>
+        </p:nvCxnSpPr>
+        <p:spPr>
+          <a:xfrm>
+            <a:off x="3944410" y="1367409"/>
+            <a:ext cx="2034" cy="794826"/>
+          </a:xfrm>
+          <a:prstGeom prst="line">
+            <a:avLst/>
+          </a:prstGeom>
+          <a:noFill/>
+          <a:ln w="28575">
+            <a:solidFill>
+              <a:schemeClr val="tx1"/>
+            </a:solidFill>
+          </a:ln>
+        </p:spPr>
+        <p:style>
+          <a:lnRef idx="2">
+            <a:schemeClr val="accent1">
+              <a:shade val="50000"/>
+            </a:schemeClr>
+          </a:lnRef>
+          <a:fillRef idx="1">
+            <a:schemeClr val="accent1"/>
+          </a:fillRef>
+          <a:effectRef idx="0">
+            <a:schemeClr val="accent1"/>
+          </a:effectRef>
+          <a:fontRef idx="minor">
+            <a:schemeClr val="lt1"/>
+          </a:fontRef>
+        </p:style>
+      </p:cxnSp>
+      <p:sp>
+        <p:nvSpPr>
+          <p:cNvPr id="9" name="ZoneTexte 8">
+            <a:extLst>
+              <a:ext uri="{FF2B5EF4-FFF2-40B4-BE49-F238E27FC236}">
+                <a16:creationId xmlns:a16="http://schemas.microsoft.com/office/drawing/2014/main" id="{069D0BF8-DDC2-F229-7C4A-FA03EC066359}"/>
+              </a:ext>
+            </a:extLst>
+          </p:cNvPr>
+          <p:cNvSpPr txBox="1"/>
+          <p:nvPr/>
+        </p:nvSpPr>
+        <p:spPr>
+          <a:xfrm>
+            <a:off x="6371359" y="3176630"/>
+            <a:ext cx="65" cy="184666"/>
+          </a:xfrm>
+          <a:prstGeom prst="rect">
+            <a:avLst/>
+          </a:prstGeom>
+          <a:noFill/>
+        </p:spPr>
+        <p:txBody>
+          <a:bodyPr wrap="none" lIns="0" tIns="0" rIns="0" bIns="0" rtlCol="0">
+            <a:spAutoFit/>
+          </a:bodyPr>
+          <a:lstStyle/>
+          <a:p>
+            <a:endParaRPr lang="fr-FR" sz="1200" b="1" dirty="0"/>
+          </a:p>
+        </p:txBody>
+      </p:sp>
+      <p:sp>
+        <p:nvSpPr>
+          <p:cNvPr id="10" name="Ellipse 9">
+            <a:extLst>
+              <a:ext uri="{FF2B5EF4-FFF2-40B4-BE49-F238E27FC236}">
+                <a16:creationId xmlns:a16="http://schemas.microsoft.com/office/drawing/2014/main" id="{3B4C3FB9-D713-E464-2165-7123B8C6B7E6}"/>
+              </a:ext>
+            </a:extLst>
+          </p:cNvPr>
+          <p:cNvSpPr/>
+          <p:nvPr/>
+        </p:nvSpPr>
+        <p:spPr>
+          <a:xfrm>
+            <a:off x="3859497" y="2632419"/>
+            <a:ext cx="180000" cy="180000"/>
+          </a:xfrm>
+          <a:prstGeom prst="ellipse">
+            <a:avLst/>
+          </a:prstGeom>
+          <a:noFill/>
+          <a:ln w="19050">
+            <a:solidFill>
+              <a:schemeClr val="tx1"/>
+            </a:solidFill>
+          </a:ln>
+        </p:spPr>
+        <p:style>
+          <a:lnRef idx="2">
+            <a:schemeClr val="accent1">
+              <a:shade val="50000"/>
+            </a:schemeClr>
+          </a:lnRef>
+          <a:fillRef idx="1">
+            <a:schemeClr val="accent1"/>
+          </a:fillRef>
+          <a:effectRef idx="0">
+            <a:schemeClr val="accent1"/>
+          </a:effectRef>
+          <a:fontRef idx="minor">
+            <a:schemeClr val="lt1"/>
+          </a:fontRef>
+        </p:style>
+        <p:txBody>
+          <a:bodyPr rtlCol="0" anchor="ctr"/>
+          <a:lstStyle/>
+          <a:p>
+            <a:pPr algn="ctr"/>
+            <a:r>
+              <a:rPr lang="fr-FR" sz="1050" b="1" dirty="0">
+                <a:solidFill>
+                  <a:schemeClr val="tx1"/>
+                </a:solidFill>
+              </a:rPr>
+              <a:t>0</a:t>
+            </a:r>
+            <a:endParaRPr lang="fr-FR" sz="1400" b="1" dirty="0">
+              <a:solidFill>
+                <a:schemeClr val="tx1"/>
+              </a:solidFill>
+            </a:endParaRPr>
+          </a:p>
+        </p:txBody>
+      </p:sp>
+      <p:sp>
+        <p:nvSpPr>
+          <p:cNvPr id="21" name="Ellipse 20">
+            <a:extLst>
+              <a:ext uri="{FF2B5EF4-FFF2-40B4-BE49-F238E27FC236}">
+                <a16:creationId xmlns:a16="http://schemas.microsoft.com/office/drawing/2014/main" id="{CCB02424-1AE3-276B-5608-2EB86F0BCE6D}"/>
+              </a:ext>
+            </a:extLst>
+          </p:cNvPr>
+          <p:cNvSpPr/>
+          <p:nvPr/>
+        </p:nvSpPr>
+        <p:spPr>
+          <a:xfrm>
+            <a:off x="2338374" y="1123599"/>
+            <a:ext cx="320054" cy="320054"/>
+          </a:xfrm>
+          <a:prstGeom prst="ellipse">
+            <a:avLst/>
+          </a:prstGeom>
+          <a:noFill/>
+          <a:ln w="28575">
+            <a:solidFill>
+              <a:srgbClr val="00B050"/>
+            </a:solidFill>
+          </a:ln>
+        </p:spPr>
+        <p:style>
+          <a:lnRef idx="2">
+            <a:schemeClr val="accent1">
+              <a:shade val="50000"/>
+            </a:schemeClr>
+          </a:lnRef>
+          <a:fillRef idx="1">
+            <a:schemeClr val="accent1"/>
+          </a:fillRef>
+          <a:effectRef idx="0">
+            <a:schemeClr val="accent1"/>
+          </a:effectRef>
+          <a:fontRef idx="minor">
+            <a:schemeClr val="lt1"/>
+          </a:fontRef>
+        </p:style>
+        <p:txBody>
+          <a:bodyPr rtlCol="0" anchor="ctr"/>
+          <a:lstStyle/>
+          <a:p>
+            <a:pPr algn="ctr"/>
+            <a:r>
+              <a:rPr lang="fr-FR" sz="1050" b="1" dirty="0">
+                <a:solidFill>
+                  <a:schemeClr val="tx1"/>
+                </a:solidFill>
+              </a:rPr>
+              <a:t>M</a:t>
+            </a:r>
+            <a:endParaRPr lang="fr-FR" sz="1400" b="1" dirty="0">
+              <a:solidFill>
+                <a:schemeClr val="tx1"/>
+              </a:solidFill>
+            </a:endParaRPr>
+          </a:p>
+        </p:txBody>
+      </p:sp>
+      <p:grpSp>
+        <p:nvGrpSpPr>
+          <p:cNvPr id="27" name="Groupe 26">
+            <a:extLst>
+              <a:ext uri="{FF2B5EF4-FFF2-40B4-BE49-F238E27FC236}">
+                <a16:creationId xmlns:a16="http://schemas.microsoft.com/office/drawing/2014/main" id="{3BCC0C16-AFEE-A16A-194B-8482625AEBF6}"/>
+              </a:ext>
+            </a:extLst>
+          </p:cNvPr>
+          <p:cNvGrpSpPr/>
+          <p:nvPr/>
+        </p:nvGrpSpPr>
+        <p:grpSpPr>
+          <a:xfrm>
+            <a:off x="3731438" y="1191087"/>
+            <a:ext cx="435096" cy="180000"/>
+            <a:chOff x="3731438" y="1191087"/>
+            <a:chExt cx="435096" cy="180000"/>
+          </a:xfrm>
+        </p:grpSpPr>
+        <p:sp>
+          <p:nvSpPr>
+            <p:cNvPr id="18" name="Rectangle 17">
+              <a:extLst>
+                <a:ext uri="{FF2B5EF4-FFF2-40B4-BE49-F238E27FC236}">
+                  <a16:creationId xmlns:a16="http://schemas.microsoft.com/office/drawing/2014/main" id="{76D81406-9DF1-3CF2-B6EE-90211A4CC3D7}"/>
+                </a:ext>
+              </a:extLst>
+            </p:cNvPr>
+            <p:cNvSpPr>
+              <a:spLocks/>
+            </p:cNvSpPr>
+            <p:nvPr/>
+          </p:nvSpPr>
+          <p:spPr>
+            <a:xfrm>
+              <a:off x="3769497" y="1191087"/>
+              <a:ext cx="360000" cy="180000"/>
+            </a:xfrm>
+            <a:prstGeom prst="rect">
+              <a:avLst/>
+            </a:prstGeom>
+            <a:solidFill>
+              <a:schemeClr val="bg1"/>
+            </a:solidFill>
+            <a:ln w="28575">
+              <a:solidFill>
+                <a:schemeClr val="tx1"/>
+              </a:solidFill>
+            </a:ln>
+          </p:spPr>
+          <p:style>
+            <a:lnRef idx="2">
+              <a:schemeClr val="accent1">
+                <a:shade val="50000"/>
+              </a:schemeClr>
+            </a:lnRef>
+            <a:fillRef idx="1">
+              <a:schemeClr val="accent1"/>
+            </a:fillRef>
+            <a:effectRef idx="0">
+              <a:schemeClr val="accent1"/>
+            </a:effectRef>
+            <a:fontRef idx="minor">
+              <a:schemeClr val="lt1"/>
+            </a:fontRef>
+          </p:style>
+          <p:txBody>
+            <a:bodyPr rtlCol="0" anchor="ctr"/>
+            <a:lstStyle/>
+            <a:p>
+              <a:pPr algn="ctr"/>
+              <a:endParaRPr lang="fr-FR" b="1"/>
+            </a:p>
+          </p:txBody>
+        </p:sp>
+        <p:cxnSp>
+          <p:nvCxnSpPr>
+            <p:cNvPr id="24" name="Connecteur droit 23">
+              <a:extLst>
+                <a:ext uri="{FF2B5EF4-FFF2-40B4-BE49-F238E27FC236}">
+                  <a16:creationId xmlns:a16="http://schemas.microsoft.com/office/drawing/2014/main" id="{C6B36B43-3C86-A2B0-BB03-3D2ED365B82A}"/>
+                </a:ext>
+              </a:extLst>
+            </p:cNvPr>
+            <p:cNvCxnSpPr>
+              <a:cxnSpLocks/>
+            </p:cNvCxnSpPr>
+            <p:nvPr/>
+          </p:nvCxnSpPr>
+          <p:spPr>
+            <a:xfrm>
+              <a:off x="3731438" y="1191087"/>
+              <a:ext cx="0" cy="180000"/>
+            </a:xfrm>
+            <a:prstGeom prst="line">
+              <a:avLst/>
+            </a:prstGeom>
+            <a:noFill/>
+            <a:ln w="28575">
+              <a:solidFill>
+                <a:srgbClr val="00B050"/>
+              </a:solidFill>
+            </a:ln>
+          </p:spPr>
+          <p:style>
+            <a:lnRef idx="2">
+              <a:schemeClr val="accent1">
+                <a:shade val="50000"/>
+              </a:schemeClr>
+            </a:lnRef>
+            <a:fillRef idx="1">
+              <a:schemeClr val="accent1"/>
+            </a:fillRef>
+            <a:effectRef idx="0">
+              <a:schemeClr val="accent1"/>
+            </a:effectRef>
+            <a:fontRef idx="minor">
+              <a:schemeClr val="lt1"/>
+            </a:fontRef>
+          </p:style>
+        </p:cxnSp>
+        <p:cxnSp>
+          <p:nvCxnSpPr>
+            <p:cNvPr id="26" name="Connecteur droit 25">
+              <a:extLst>
+                <a:ext uri="{FF2B5EF4-FFF2-40B4-BE49-F238E27FC236}">
+                  <a16:creationId xmlns:a16="http://schemas.microsoft.com/office/drawing/2014/main" id="{C1A59AB2-2785-99F4-8DD2-47C76AD432FC}"/>
+                </a:ext>
+              </a:extLst>
+            </p:cNvPr>
+            <p:cNvCxnSpPr>
+              <a:cxnSpLocks/>
+            </p:cNvCxnSpPr>
+            <p:nvPr/>
+          </p:nvCxnSpPr>
+          <p:spPr>
+            <a:xfrm>
+              <a:off x="4166534" y="1191087"/>
+              <a:ext cx="0" cy="180000"/>
+            </a:xfrm>
+            <a:prstGeom prst="line">
+              <a:avLst/>
+            </a:prstGeom>
+            <a:noFill/>
+            <a:ln w="28575">
+              <a:solidFill>
+                <a:srgbClr val="00B050"/>
+              </a:solidFill>
+            </a:ln>
+          </p:spPr>
+          <p:style>
+            <a:lnRef idx="2">
+              <a:schemeClr val="accent1">
+                <a:shade val="50000"/>
+              </a:schemeClr>
+            </a:lnRef>
+            <a:fillRef idx="1">
+              <a:schemeClr val="accent1"/>
+            </a:fillRef>
+            <a:effectRef idx="0">
+              <a:schemeClr val="accent1"/>
+            </a:effectRef>
+            <a:fontRef idx="minor">
+              <a:schemeClr val="lt1"/>
+            </a:fontRef>
+          </p:style>
+        </p:cxnSp>
+      </p:grpSp>
+      <p:cxnSp>
+        <p:nvCxnSpPr>
+          <p:cNvPr id="22" name="Connecteur droit 21">
+            <a:extLst>
+              <a:ext uri="{FF2B5EF4-FFF2-40B4-BE49-F238E27FC236}">
+                <a16:creationId xmlns:a16="http://schemas.microsoft.com/office/drawing/2014/main" id="{6BD5836D-3E07-CAE1-9B30-04C9ED9B26BD}"/>
+              </a:ext>
+            </a:extLst>
+          </p:cNvPr>
+          <p:cNvCxnSpPr>
+            <a:cxnSpLocks/>
+            <a:endCxn id="21" idx="6"/>
+          </p:cNvCxnSpPr>
+          <p:nvPr/>
+        </p:nvCxnSpPr>
+        <p:spPr>
+          <a:xfrm flipH="1">
+            <a:off x="2658428" y="1283197"/>
+            <a:ext cx="1641472" cy="429"/>
+          </a:xfrm>
+          <a:prstGeom prst="line">
+            <a:avLst/>
+          </a:prstGeom>
+          <a:solidFill>
+            <a:srgbClr val="00B050"/>
+          </a:solidFill>
+          <a:ln w="28575">
+            <a:solidFill>
+              <a:srgbClr val="00B050"/>
+            </a:solidFill>
+          </a:ln>
+        </p:spPr>
+        <p:style>
+          <a:lnRef idx="2">
+            <a:schemeClr val="accent1">
+              <a:shade val="50000"/>
+            </a:schemeClr>
+          </a:lnRef>
+          <a:fillRef idx="1">
+            <a:schemeClr val="accent1"/>
+          </a:fillRef>
+          <a:effectRef idx="0">
+            <a:schemeClr val="accent1"/>
+          </a:effectRef>
+          <a:fontRef idx="minor">
+            <a:schemeClr val="lt1"/>
+          </a:fontRef>
+        </p:style>
+      </p:cxnSp>
+      <p:sp>
+        <p:nvSpPr>
+          <p:cNvPr id="28" name="Ellipse 27">
+            <a:extLst>
+              <a:ext uri="{FF2B5EF4-FFF2-40B4-BE49-F238E27FC236}">
+                <a16:creationId xmlns:a16="http://schemas.microsoft.com/office/drawing/2014/main" id="{FD159754-8E15-DF17-5077-63C2B06D4FD9}"/>
+              </a:ext>
+            </a:extLst>
+          </p:cNvPr>
+          <p:cNvSpPr/>
+          <p:nvPr/>
+        </p:nvSpPr>
+        <p:spPr>
+          <a:xfrm>
+            <a:off x="4299900" y="1118407"/>
+            <a:ext cx="320054" cy="320054"/>
+          </a:xfrm>
+          <a:prstGeom prst="ellipse">
+            <a:avLst/>
+          </a:prstGeom>
+          <a:noFill/>
+          <a:ln w="28575">
+            <a:solidFill>
+              <a:srgbClr val="00B050"/>
+            </a:solidFill>
+          </a:ln>
+        </p:spPr>
+        <p:style>
+          <a:lnRef idx="2">
+            <a:schemeClr val="accent1">
+              <a:shade val="50000"/>
+            </a:schemeClr>
+          </a:lnRef>
+          <a:fillRef idx="1">
+            <a:schemeClr val="accent1"/>
+          </a:fillRef>
+          <a:effectRef idx="0">
+            <a:schemeClr val="accent1"/>
+          </a:effectRef>
+          <a:fontRef idx="minor">
+            <a:schemeClr val="lt1"/>
+          </a:fontRef>
+        </p:style>
+        <p:txBody>
+          <a:bodyPr lIns="0" tIns="0" rIns="0" bIns="0" rtlCol="0" anchor="ctr"/>
+          <a:lstStyle/>
+          <a:p>
+            <a:pPr algn="ctr"/>
+            <a:r>
+              <a:rPr lang="fr-FR" sz="1050" b="1" dirty="0">
+                <a:solidFill>
+                  <a:schemeClr val="tx1"/>
+                </a:solidFill>
+              </a:rPr>
+              <a:t>J</a:t>
+            </a:r>
+            <a:r>
+              <a:rPr lang="fr-FR" sz="1050" b="1" baseline="-25000" dirty="0">
+                <a:solidFill>
+                  <a:schemeClr val="tx1"/>
+                </a:solidFill>
+              </a:rPr>
+              <a:t>1</a:t>
+            </a:r>
+            <a:endParaRPr lang="fr-FR" sz="1400" b="1" baseline="-25000" dirty="0">
+              <a:solidFill>
+                <a:schemeClr val="tx1"/>
+              </a:solidFill>
+            </a:endParaRPr>
+          </a:p>
+        </p:txBody>
+      </p:sp>
+      <p:grpSp>
+        <p:nvGrpSpPr>
+          <p:cNvPr id="35" name="Groupe 34">
+            <a:extLst>
+              <a:ext uri="{FF2B5EF4-FFF2-40B4-BE49-F238E27FC236}">
+                <a16:creationId xmlns:a16="http://schemas.microsoft.com/office/drawing/2014/main" id="{72719E16-F2E6-8997-BA92-5D10DC322ED8}"/>
+              </a:ext>
+            </a:extLst>
+          </p:cNvPr>
+          <p:cNvGrpSpPr/>
+          <p:nvPr/>
+        </p:nvGrpSpPr>
+        <p:grpSpPr>
+          <a:xfrm>
+            <a:off x="3129205" y="929927"/>
+            <a:ext cx="180000" cy="721280"/>
+            <a:chOff x="3129205" y="934160"/>
+            <a:chExt cx="180000" cy="721280"/>
+          </a:xfrm>
+        </p:grpSpPr>
+        <p:cxnSp>
+          <p:nvCxnSpPr>
+            <p:cNvPr id="29" name="Connecteur droit 28">
+              <a:extLst>
+                <a:ext uri="{FF2B5EF4-FFF2-40B4-BE49-F238E27FC236}">
+                  <a16:creationId xmlns:a16="http://schemas.microsoft.com/office/drawing/2014/main" id="{1965A74C-5D00-248C-F756-C1E51D0F5B63}"/>
+                </a:ext>
+              </a:extLst>
+            </p:cNvPr>
+            <p:cNvCxnSpPr>
+              <a:cxnSpLocks/>
+            </p:cNvCxnSpPr>
+            <p:nvPr/>
+          </p:nvCxnSpPr>
+          <p:spPr>
+            <a:xfrm flipV="1">
+              <a:off x="3219205" y="941316"/>
+              <a:ext cx="0" cy="706967"/>
+            </a:xfrm>
+            <a:prstGeom prst="line">
+              <a:avLst/>
+            </a:prstGeom>
+            <a:solidFill>
+              <a:srgbClr val="00B050"/>
+            </a:solidFill>
+            <a:ln w="28575">
+              <a:solidFill>
+                <a:srgbClr val="00B050"/>
+              </a:solidFill>
+            </a:ln>
+          </p:spPr>
+          <p:style>
+            <a:lnRef idx="2">
+              <a:schemeClr val="accent1">
+                <a:shade val="50000"/>
+              </a:schemeClr>
+            </a:lnRef>
+            <a:fillRef idx="1">
+              <a:schemeClr val="accent1"/>
+            </a:fillRef>
+            <a:effectRef idx="0">
+              <a:schemeClr val="accent1"/>
+            </a:effectRef>
+            <a:fontRef idx="minor">
+              <a:schemeClr val="lt1"/>
+            </a:fontRef>
+          </p:style>
+        </p:cxnSp>
+        <p:cxnSp>
+          <p:nvCxnSpPr>
+            <p:cNvPr id="33" name="Connecteur droit 32">
+              <a:extLst>
+                <a:ext uri="{FF2B5EF4-FFF2-40B4-BE49-F238E27FC236}">
+                  <a16:creationId xmlns:a16="http://schemas.microsoft.com/office/drawing/2014/main" id="{00AFBA41-1952-7154-1C52-11010B39315C}"/>
+                </a:ext>
+              </a:extLst>
+            </p:cNvPr>
+            <p:cNvCxnSpPr>
+              <a:cxnSpLocks/>
+            </p:cNvCxnSpPr>
+            <p:nvPr/>
+          </p:nvCxnSpPr>
+          <p:spPr>
+            <a:xfrm rot="5400000">
+              <a:off x="3219205" y="844160"/>
+              <a:ext cx="0" cy="180000"/>
+            </a:xfrm>
+            <a:prstGeom prst="line">
+              <a:avLst/>
+            </a:prstGeom>
+            <a:noFill/>
+            <a:ln w="28575">
+              <a:solidFill>
+                <a:srgbClr val="00B050"/>
+              </a:solidFill>
+            </a:ln>
+          </p:spPr>
+          <p:style>
+            <a:lnRef idx="2">
+              <a:schemeClr val="accent1">
+                <a:shade val="50000"/>
+              </a:schemeClr>
+            </a:lnRef>
+            <a:fillRef idx="1">
+              <a:schemeClr val="accent1"/>
+            </a:fillRef>
+            <a:effectRef idx="0">
+              <a:schemeClr val="accent1"/>
+            </a:effectRef>
+            <a:fontRef idx="minor">
+              <a:schemeClr val="lt1"/>
+            </a:fontRef>
+          </p:style>
+        </p:cxnSp>
+        <p:cxnSp>
+          <p:nvCxnSpPr>
+            <p:cNvPr id="34" name="Connecteur droit 33">
+              <a:extLst>
+                <a:ext uri="{FF2B5EF4-FFF2-40B4-BE49-F238E27FC236}">
+                  <a16:creationId xmlns:a16="http://schemas.microsoft.com/office/drawing/2014/main" id="{897D5AC3-7091-F6A3-ECE4-B3334D41C8AE}"/>
+                </a:ext>
+              </a:extLst>
+            </p:cNvPr>
+            <p:cNvCxnSpPr>
+              <a:cxnSpLocks/>
+            </p:cNvCxnSpPr>
+            <p:nvPr/>
+          </p:nvCxnSpPr>
+          <p:spPr>
+            <a:xfrm rot="5400000">
+              <a:off x="3219205" y="1565440"/>
+              <a:ext cx="0" cy="180000"/>
+            </a:xfrm>
+            <a:prstGeom prst="line">
+              <a:avLst/>
+            </a:prstGeom>
+            <a:noFill/>
+            <a:ln w="28575">
+              <a:solidFill>
+                <a:srgbClr val="00B050"/>
+              </a:solidFill>
+            </a:ln>
+          </p:spPr>
+          <p:style>
+            <a:lnRef idx="2">
+              <a:schemeClr val="accent1">
+                <a:shade val="50000"/>
+              </a:schemeClr>
+            </a:lnRef>
+            <a:fillRef idx="1">
+              <a:schemeClr val="accent1"/>
+            </a:fillRef>
+            <a:effectRef idx="0">
+              <a:schemeClr val="accent1"/>
+            </a:effectRef>
+            <a:fontRef idx="minor">
+              <a:schemeClr val="lt1"/>
+            </a:fontRef>
+          </p:style>
+        </p:cxnSp>
+      </p:grpSp>
+      <p:grpSp>
+        <p:nvGrpSpPr>
+          <p:cNvPr id="36" name="Groupe 35">
+            <a:extLst>
+              <a:ext uri="{FF2B5EF4-FFF2-40B4-BE49-F238E27FC236}">
+                <a16:creationId xmlns:a16="http://schemas.microsoft.com/office/drawing/2014/main" id="{8F3365E6-69F9-FD26-1654-F1CE6523E654}"/>
+              </a:ext>
+            </a:extLst>
+          </p:cNvPr>
+          <p:cNvGrpSpPr/>
+          <p:nvPr/>
+        </p:nvGrpSpPr>
+        <p:grpSpPr>
+          <a:xfrm>
+            <a:off x="3129205" y="1651205"/>
+            <a:ext cx="180000" cy="1202062"/>
+            <a:chOff x="3129205" y="934160"/>
+            <a:chExt cx="180000" cy="721280"/>
+          </a:xfrm>
+        </p:grpSpPr>
+        <p:cxnSp>
+          <p:nvCxnSpPr>
+            <p:cNvPr id="37" name="Connecteur droit 36">
+              <a:extLst>
+                <a:ext uri="{FF2B5EF4-FFF2-40B4-BE49-F238E27FC236}">
+                  <a16:creationId xmlns:a16="http://schemas.microsoft.com/office/drawing/2014/main" id="{F329CE23-BF68-BB9D-65A6-AFAC7231F239}"/>
+                </a:ext>
+              </a:extLst>
+            </p:cNvPr>
+            <p:cNvCxnSpPr>
+              <a:cxnSpLocks/>
+            </p:cNvCxnSpPr>
+            <p:nvPr/>
+          </p:nvCxnSpPr>
+          <p:spPr>
+            <a:xfrm flipV="1">
+              <a:off x="3219205" y="941316"/>
+              <a:ext cx="0" cy="706967"/>
+            </a:xfrm>
+            <a:prstGeom prst="line">
+              <a:avLst/>
+            </a:prstGeom>
+            <a:solidFill>
+              <a:srgbClr val="00B050"/>
+            </a:solidFill>
+            <a:ln w="28575">
+              <a:solidFill>
+                <a:srgbClr val="0070C0"/>
+              </a:solidFill>
+            </a:ln>
+          </p:spPr>
+          <p:style>
+            <a:lnRef idx="2">
+              <a:schemeClr val="accent1">
+                <a:shade val="50000"/>
+              </a:schemeClr>
+            </a:lnRef>
+            <a:fillRef idx="1">
+              <a:schemeClr val="accent1"/>
+            </a:fillRef>
+            <a:effectRef idx="0">
+              <a:schemeClr val="accent1"/>
+            </a:effectRef>
+            <a:fontRef idx="minor">
+              <a:schemeClr val="lt1"/>
+            </a:fontRef>
+          </p:style>
+        </p:cxnSp>
+        <p:cxnSp>
+          <p:nvCxnSpPr>
+            <p:cNvPr id="38" name="Connecteur droit 37">
+              <a:extLst>
+                <a:ext uri="{FF2B5EF4-FFF2-40B4-BE49-F238E27FC236}">
+                  <a16:creationId xmlns:a16="http://schemas.microsoft.com/office/drawing/2014/main" id="{D7FBB9D3-B797-F715-8862-31C6705B6072}"/>
+                </a:ext>
+              </a:extLst>
+            </p:cNvPr>
+            <p:cNvCxnSpPr>
+              <a:cxnSpLocks/>
+            </p:cNvCxnSpPr>
+            <p:nvPr/>
+          </p:nvCxnSpPr>
+          <p:spPr>
+            <a:xfrm rot="5400000">
+              <a:off x="3219205" y="844160"/>
+              <a:ext cx="0" cy="180000"/>
+            </a:xfrm>
+            <a:prstGeom prst="line">
+              <a:avLst/>
+            </a:prstGeom>
+            <a:noFill/>
+            <a:ln w="28575">
+              <a:solidFill>
+                <a:srgbClr val="0070C0"/>
+              </a:solidFill>
+            </a:ln>
+          </p:spPr>
+          <p:style>
+            <a:lnRef idx="2">
+              <a:schemeClr val="accent1">
+                <a:shade val="50000"/>
+              </a:schemeClr>
+            </a:lnRef>
+            <a:fillRef idx="1">
+              <a:schemeClr val="accent1"/>
+            </a:fillRef>
+            <a:effectRef idx="0">
+              <a:schemeClr val="accent1"/>
+            </a:effectRef>
+            <a:fontRef idx="minor">
+              <a:schemeClr val="lt1"/>
+            </a:fontRef>
+          </p:style>
+        </p:cxnSp>
+        <p:cxnSp>
+          <p:nvCxnSpPr>
+            <p:cNvPr id="39" name="Connecteur droit 38">
+              <a:extLst>
+                <a:ext uri="{FF2B5EF4-FFF2-40B4-BE49-F238E27FC236}">
+                  <a16:creationId xmlns:a16="http://schemas.microsoft.com/office/drawing/2014/main" id="{39411405-9C62-875C-D68B-9BBB8DD481A8}"/>
+                </a:ext>
+              </a:extLst>
+            </p:cNvPr>
+            <p:cNvCxnSpPr>
+              <a:cxnSpLocks/>
+            </p:cNvCxnSpPr>
+            <p:nvPr/>
+          </p:nvCxnSpPr>
+          <p:spPr>
+            <a:xfrm rot="5400000">
+              <a:off x="3219205" y="1565440"/>
+              <a:ext cx="0" cy="180000"/>
+            </a:xfrm>
+            <a:prstGeom prst="line">
+              <a:avLst/>
+            </a:prstGeom>
+            <a:noFill/>
+            <a:ln w="28575">
+              <a:solidFill>
+                <a:srgbClr val="0070C0"/>
+              </a:solidFill>
+            </a:ln>
+          </p:spPr>
+          <p:style>
+            <a:lnRef idx="2">
+              <a:schemeClr val="accent1">
+                <a:shade val="50000"/>
+              </a:schemeClr>
+            </a:lnRef>
+            <a:fillRef idx="1">
+              <a:schemeClr val="accent1"/>
+            </a:fillRef>
+            <a:effectRef idx="0">
+              <a:schemeClr val="accent1"/>
+            </a:effectRef>
+            <a:fontRef idx="minor">
+              <a:schemeClr val="lt1"/>
+            </a:fontRef>
+          </p:style>
+        </p:cxnSp>
+      </p:grpSp>
+      <p:cxnSp>
+        <p:nvCxnSpPr>
+          <p:cNvPr id="44" name="Connecteur droit 43">
+            <a:extLst>
+              <a:ext uri="{FF2B5EF4-FFF2-40B4-BE49-F238E27FC236}">
+                <a16:creationId xmlns:a16="http://schemas.microsoft.com/office/drawing/2014/main" id="{55AD1F1B-C636-1704-C495-CBBC0760C76F}"/>
+              </a:ext>
+            </a:extLst>
+          </p:cNvPr>
+          <p:cNvCxnSpPr>
+            <a:cxnSpLocks/>
+            <a:stCxn id="40" idx="2"/>
+          </p:cNvCxnSpPr>
+          <p:nvPr/>
+        </p:nvCxnSpPr>
+        <p:spPr>
+          <a:xfrm flipH="1">
+            <a:off x="3219206" y="2249582"/>
+            <a:ext cx="2120226" cy="0"/>
+          </a:xfrm>
+          <a:prstGeom prst="line">
+            <a:avLst/>
+          </a:prstGeom>
+          <a:solidFill>
+            <a:srgbClr val="00B050"/>
+          </a:solidFill>
+          <a:ln w="28575">
+            <a:solidFill>
+              <a:srgbClr val="0070C0"/>
+            </a:solidFill>
+          </a:ln>
+        </p:spPr>
+        <p:style>
+          <a:lnRef idx="2">
+            <a:schemeClr val="accent1">
+              <a:shade val="50000"/>
+            </a:schemeClr>
+          </a:lnRef>
+          <a:fillRef idx="1">
+            <a:schemeClr val="accent1"/>
+          </a:fillRef>
+          <a:effectRef idx="0">
+            <a:schemeClr val="accent1"/>
+          </a:effectRef>
+          <a:fontRef idx="minor">
+            <a:schemeClr val="lt1"/>
+          </a:fontRef>
+        </p:style>
+      </p:cxnSp>
+      <p:sp>
+        <p:nvSpPr>
+          <p:cNvPr id="57" name="Ellipse 56">
+            <a:extLst>
+              <a:ext uri="{FF2B5EF4-FFF2-40B4-BE49-F238E27FC236}">
+                <a16:creationId xmlns:a16="http://schemas.microsoft.com/office/drawing/2014/main" id="{2D0C82A5-DF18-0B1D-27C7-667EDFA36B21}"/>
+              </a:ext>
+            </a:extLst>
+          </p:cNvPr>
+          <p:cNvSpPr/>
+          <p:nvPr/>
+        </p:nvSpPr>
+        <p:spPr>
+          <a:xfrm>
+            <a:off x="2939490" y="2158557"/>
+            <a:ext cx="180000" cy="180000"/>
+          </a:xfrm>
+          <a:prstGeom prst="ellipse">
+            <a:avLst/>
+          </a:prstGeom>
+          <a:noFill/>
+          <a:ln w="19050">
+            <a:solidFill>
+              <a:srgbClr val="0070C0"/>
+            </a:solidFill>
+          </a:ln>
+        </p:spPr>
+        <p:style>
+          <a:lnRef idx="2">
+            <a:schemeClr val="accent1">
+              <a:shade val="50000"/>
+            </a:schemeClr>
+          </a:lnRef>
+          <a:fillRef idx="1">
+            <a:schemeClr val="accent1"/>
+          </a:fillRef>
+          <a:effectRef idx="0">
+            <a:schemeClr val="accent1"/>
+          </a:effectRef>
+          <a:fontRef idx="minor">
+            <a:schemeClr val="lt1"/>
+          </a:fontRef>
+        </p:style>
+        <p:txBody>
+          <a:bodyPr rtlCol="0" anchor="ctr"/>
+          <a:lstStyle/>
+          <a:p>
+            <a:pPr algn="ctr"/>
+            <a:r>
+              <a:rPr lang="fr-FR" sz="1050" b="1" dirty="0">
+                <a:solidFill>
+                  <a:schemeClr val="accent1"/>
+                </a:solidFill>
+              </a:rPr>
+              <a:t>2</a:t>
+            </a:r>
+            <a:endParaRPr lang="fr-FR" sz="1400" b="1" dirty="0">
+              <a:solidFill>
+                <a:schemeClr val="accent1"/>
+              </a:solidFill>
+            </a:endParaRPr>
+          </a:p>
+        </p:txBody>
+      </p:sp>
+      <p:sp>
+        <p:nvSpPr>
+          <p:cNvPr id="58" name="Ellipse 57">
+            <a:extLst>
+              <a:ext uri="{FF2B5EF4-FFF2-40B4-BE49-F238E27FC236}">
+                <a16:creationId xmlns:a16="http://schemas.microsoft.com/office/drawing/2014/main" id="{02126A1B-0750-8867-5E61-38C554EB73FB}"/>
+              </a:ext>
+            </a:extLst>
+          </p:cNvPr>
+          <p:cNvSpPr/>
+          <p:nvPr/>
+        </p:nvSpPr>
+        <p:spPr>
+          <a:xfrm>
+            <a:off x="2939490" y="1057357"/>
+            <a:ext cx="180000" cy="180000"/>
+          </a:xfrm>
+          <a:prstGeom prst="ellipse">
+            <a:avLst/>
+          </a:prstGeom>
+          <a:noFill/>
+          <a:ln w="19050">
+            <a:solidFill>
+              <a:srgbClr val="00B050"/>
+            </a:solidFill>
+          </a:ln>
+        </p:spPr>
+        <p:style>
+          <a:lnRef idx="2">
+            <a:schemeClr val="accent1">
+              <a:shade val="50000"/>
+            </a:schemeClr>
+          </a:lnRef>
+          <a:fillRef idx="1">
+            <a:schemeClr val="accent1"/>
+          </a:fillRef>
+          <a:effectRef idx="0">
+            <a:schemeClr val="accent1"/>
+          </a:effectRef>
+          <a:fontRef idx="minor">
+            <a:schemeClr val="lt1"/>
+          </a:fontRef>
+        </p:style>
+        <p:txBody>
+          <a:bodyPr rtlCol="0" anchor="ctr"/>
+          <a:lstStyle/>
+          <a:p>
+            <a:pPr algn="ctr"/>
+            <a:r>
+              <a:rPr lang="fr-FR" sz="1050" b="1" dirty="0">
+                <a:solidFill>
+                  <a:srgbClr val="00B050"/>
+                </a:solidFill>
+              </a:rPr>
+              <a:t>1</a:t>
+            </a:r>
+            <a:endParaRPr lang="fr-FR" sz="1400" b="1" dirty="0">
+              <a:solidFill>
+                <a:srgbClr val="00B050"/>
+              </a:solidFill>
+            </a:endParaRPr>
+          </a:p>
+        </p:txBody>
+      </p:sp>
+      <mc:AlternateContent xmlns:mc="http://schemas.openxmlformats.org/markup-compatibility/2006" xmlns:a14="http://schemas.microsoft.com/office/drawing/2010/main">
+        <mc:Choice Requires="a14">
+          <p:sp>
+            <p:nvSpPr>
+              <p:cNvPr id="2" name="ZoneTexte 1">
+                <a:extLst>
+                  <a:ext uri="{FF2B5EF4-FFF2-40B4-BE49-F238E27FC236}">
+                    <a16:creationId xmlns:a16="http://schemas.microsoft.com/office/drawing/2014/main" id="{1A987993-18AF-E90D-43E3-EC45C480C4C7}"/>
+                  </a:ext>
+                </a:extLst>
+              </p:cNvPr>
+              <p:cNvSpPr txBox="1"/>
+              <p:nvPr/>
+            </p:nvSpPr>
+            <p:spPr>
+              <a:xfrm>
+                <a:off x="3089412" y="614579"/>
+                <a:ext cx="284437" cy="276999"/>
+              </a:xfrm>
+              <a:prstGeom prst="rect">
+                <a:avLst/>
+              </a:prstGeom>
+              <a:noFill/>
+            </p:spPr>
+            <p:txBody>
+              <a:bodyPr wrap="none" lIns="0" tIns="0" rIns="0" bIns="0" rtlCol="0">
+                <a:spAutoFit/>
+              </a:bodyPr>
+              <a:lstStyle/>
+              <a:p>
+                <a:pPr/>
+                <a14:m>
+                  <m:oMathPara xmlns:m="http://schemas.openxmlformats.org/officeDocument/2006/math">
+                    <m:oMathParaPr>
+                      <m:jc m:val="centerGroup"/>
+                    </m:oMathParaPr>
+                    <m:oMath xmlns:m="http://schemas.openxmlformats.org/officeDocument/2006/math">
+                      <m:sSub>
+                        <m:sSubPr>
+                          <m:ctrlPr>
+                            <a:rPr lang="fr-FR" b="0" i="1" smtClean="0">
+                              <a:latin typeface="Cambria Math" panose="02040503050406030204" pitchFamily="18" charset="0"/>
+                            </a:rPr>
+                          </m:ctrlPr>
+                        </m:sSubPr>
+                        <m:e>
+                          <m:r>
+                            <a:rPr lang="fr-FR" b="0" i="1" smtClean="0">
+                              <a:latin typeface="Cambria Math" panose="02040503050406030204" pitchFamily="18" charset="0"/>
+                            </a:rPr>
+                            <m:t>𝑍</m:t>
+                          </m:r>
+                        </m:e>
+                        <m:sub>
+                          <m:r>
+                            <a:rPr lang="fr-FR" b="0" i="1" smtClean="0">
+                              <a:latin typeface="Cambria Math" panose="02040503050406030204" pitchFamily="18" charset="0"/>
+                            </a:rPr>
+                            <m:t>1</m:t>
+                          </m:r>
+                        </m:sub>
+                      </m:sSub>
+                    </m:oMath>
+                  </m:oMathPara>
+                </a14:m>
+                <a:endParaRPr lang="fr-FR" dirty="0"/>
+              </a:p>
+            </p:txBody>
+          </p:sp>
+        </mc:Choice>
+        <mc:Fallback xmlns="">
+          <p:sp>
+            <p:nvSpPr>
+              <p:cNvPr id="2" name="ZoneTexte 1">
+                <a:extLst>
+                  <a:ext uri="{FF2B5EF4-FFF2-40B4-BE49-F238E27FC236}">
+                    <a16:creationId xmlns:a16="http://schemas.microsoft.com/office/drawing/2014/main" id="{1A987993-18AF-E90D-43E3-EC45C480C4C7}"/>
+                  </a:ext>
+                </a:extLst>
+              </p:cNvPr>
+              <p:cNvSpPr txBox="1">
+                <a:spLocks noRot="1" noChangeAspect="1" noMove="1" noResize="1" noEditPoints="1" noAdjustHandles="1" noChangeArrowheads="1" noChangeShapeType="1" noTextEdit="1"/>
+              </p:cNvSpPr>
+              <p:nvPr/>
+            </p:nvSpPr>
+            <p:spPr>
+              <a:xfrm>
+                <a:off x="3089412" y="614579"/>
+                <a:ext cx="284437" cy="276999"/>
+              </a:xfrm>
+              <a:prstGeom prst="rect">
+                <a:avLst/>
+              </a:prstGeom>
+              <a:blipFill>
+                <a:blip r:embed="rId2"/>
+                <a:stretch>
+                  <a:fillRect l="-19565" r="-10870" b="-15556"/>
+                </a:stretch>
+              </a:blipFill>
+            </p:spPr>
+            <p:txBody>
+              <a:bodyPr/>
+              <a:lstStyle/>
+              <a:p>
+                <a:r>
+                  <a:rPr lang="fr-FR">
+                    <a:noFill/>
+                  </a:rPr>
+                  <a:t> </a:t>
+                </a:r>
+              </a:p>
+            </p:txBody>
+          </p:sp>
+        </mc:Fallback>
+      </mc:AlternateContent>
+      <mc:AlternateContent xmlns:mc="http://schemas.openxmlformats.org/markup-compatibility/2006" xmlns:a14="http://schemas.microsoft.com/office/drawing/2010/main">
+        <mc:Choice Requires="a14">
+          <p:sp>
+            <p:nvSpPr>
+              <p:cNvPr id="3" name="ZoneTexte 2">
+                <a:extLst>
+                  <a:ext uri="{FF2B5EF4-FFF2-40B4-BE49-F238E27FC236}">
+                    <a16:creationId xmlns:a16="http://schemas.microsoft.com/office/drawing/2014/main" id="{A698A0B4-1C99-202C-7064-3E41D6369D9A}"/>
+                  </a:ext>
+                </a:extLst>
+              </p:cNvPr>
+              <p:cNvSpPr txBox="1"/>
+              <p:nvPr/>
+            </p:nvSpPr>
+            <p:spPr>
+              <a:xfrm>
+                <a:off x="3089412" y="2940117"/>
+                <a:ext cx="289759" cy="276999"/>
+              </a:xfrm>
+              <a:prstGeom prst="rect">
+                <a:avLst/>
+              </a:prstGeom>
+              <a:noFill/>
+            </p:spPr>
+            <p:txBody>
+              <a:bodyPr wrap="none" lIns="0" tIns="0" rIns="0" bIns="0" rtlCol="0">
+                <a:spAutoFit/>
+              </a:bodyPr>
+              <a:lstStyle/>
+              <a:p>
+                <a:pPr/>
+                <a14:m>
+                  <m:oMathPara xmlns:m="http://schemas.openxmlformats.org/officeDocument/2006/math">
+                    <m:oMathParaPr>
+                      <m:jc m:val="centerGroup"/>
+                    </m:oMathParaPr>
+                    <m:oMath xmlns:m="http://schemas.openxmlformats.org/officeDocument/2006/math">
+                      <m:sSub>
+                        <m:sSubPr>
+                          <m:ctrlPr>
+                            <a:rPr lang="fr-FR" b="0" i="1" smtClean="0">
+                              <a:latin typeface="Cambria Math" panose="02040503050406030204" pitchFamily="18" charset="0"/>
+                            </a:rPr>
+                          </m:ctrlPr>
+                        </m:sSubPr>
+                        <m:e>
+                          <m:r>
+                            <a:rPr lang="fr-FR" b="0" i="1" smtClean="0">
+                              <a:latin typeface="Cambria Math" panose="02040503050406030204" pitchFamily="18" charset="0"/>
+                            </a:rPr>
+                            <m:t>𝑍</m:t>
+                          </m:r>
+                        </m:e>
+                        <m:sub>
+                          <m:r>
+                            <a:rPr lang="fr-FR" b="0" i="1" smtClean="0">
+                              <a:latin typeface="Cambria Math" panose="02040503050406030204" pitchFamily="18" charset="0"/>
+                            </a:rPr>
+                            <m:t>2</m:t>
+                          </m:r>
+                        </m:sub>
+                      </m:sSub>
+                    </m:oMath>
+                  </m:oMathPara>
+                </a14:m>
+                <a:endParaRPr lang="fr-FR" dirty="0"/>
+              </a:p>
+            </p:txBody>
+          </p:sp>
+        </mc:Choice>
+        <mc:Fallback xmlns="">
+          <p:sp>
+            <p:nvSpPr>
+              <p:cNvPr id="3" name="ZoneTexte 2">
+                <a:extLst>
+                  <a:ext uri="{FF2B5EF4-FFF2-40B4-BE49-F238E27FC236}">
+                    <a16:creationId xmlns:a16="http://schemas.microsoft.com/office/drawing/2014/main" id="{A698A0B4-1C99-202C-7064-3E41D6369D9A}"/>
+                  </a:ext>
+                </a:extLst>
+              </p:cNvPr>
+              <p:cNvSpPr txBox="1">
+                <a:spLocks noRot="1" noChangeAspect="1" noMove="1" noResize="1" noEditPoints="1" noAdjustHandles="1" noChangeArrowheads="1" noChangeShapeType="1" noTextEdit="1"/>
+              </p:cNvSpPr>
+              <p:nvPr/>
+            </p:nvSpPr>
+            <p:spPr>
+              <a:xfrm>
+                <a:off x="3089412" y="2940117"/>
+                <a:ext cx="289759" cy="276999"/>
+              </a:xfrm>
+              <a:prstGeom prst="rect">
+                <a:avLst/>
+              </a:prstGeom>
+              <a:blipFill>
+                <a:blip r:embed="rId3"/>
+                <a:stretch>
+                  <a:fillRect l="-21277" r="-8511" b="-15217"/>
+                </a:stretch>
+              </a:blipFill>
+            </p:spPr>
+            <p:txBody>
+              <a:bodyPr/>
+              <a:lstStyle/>
+              <a:p>
+                <a:r>
+                  <a:rPr lang="fr-FR">
+                    <a:noFill/>
+                  </a:rPr>
+                  <a:t> </a:t>
+                </a:r>
+              </a:p>
+            </p:txBody>
+          </p:sp>
+        </mc:Fallback>
+      </mc:AlternateContent>
+      <p:sp>
+        <p:nvSpPr>
+          <p:cNvPr id="40" name="Ellipse 39">
+            <a:extLst>
+              <a:ext uri="{FF2B5EF4-FFF2-40B4-BE49-F238E27FC236}">
+                <a16:creationId xmlns:a16="http://schemas.microsoft.com/office/drawing/2014/main" id="{04E4310C-530F-40F8-A5E8-A7FF9E98DE89}"/>
+              </a:ext>
+            </a:extLst>
+          </p:cNvPr>
+          <p:cNvSpPr/>
+          <p:nvPr/>
+        </p:nvSpPr>
+        <p:spPr>
+          <a:xfrm>
+            <a:off x="5339432" y="2089555"/>
+            <a:ext cx="320054" cy="320054"/>
+          </a:xfrm>
+          <a:prstGeom prst="ellipse">
+            <a:avLst/>
+          </a:prstGeom>
+          <a:noFill/>
+          <a:ln w="28575">
+            <a:solidFill>
+              <a:srgbClr val="0070C0"/>
+            </a:solidFill>
+          </a:ln>
+        </p:spPr>
+        <p:style>
+          <a:lnRef idx="2">
+            <a:schemeClr val="accent1">
+              <a:shade val="50000"/>
+            </a:schemeClr>
+          </a:lnRef>
+          <a:fillRef idx="1">
+            <a:schemeClr val="accent1"/>
+          </a:fillRef>
+          <a:effectRef idx="0">
+            <a:schemeClr val="accent1"/>
+          </a:effectRef>
+          <a:fontRef idx="minor">
+            <a:schemeClr val="lt1"/>
+          </a:fontRef>
+        </p:style>
+        <p:txBody>
+          <a:bodyPr lIns="0" tIns="0" rIns="0" bIns="0" rtlCol="0" anchor="ctr"/>
+          <a:lstStyle/>
+          <a:p>
+            <a:pPr algn="ctr"/>
+            <a:r>
+              <a:rPr lang="fr-FR" sz="1050" b="1" dirty="0">
+                <a:solidFill>
+                  <a:schemeClr val="tx1"/>
+                </a:solidFill>
+              </a:rPr>
+              <a:t>J</a:t>
+            </a:r>
+            <a:r>
+              <a:rPr lang="fr-FR" sz="1050" b="1" baseline="-25000" dirty="0">
+                <a:solidFill>
+                  <a:schemeClr val="tx1"/>
+                </a:solidFill>
+              </a:rPr>
+              <a:t>2</a:t>
+            </a:r>
+            <a:endParaRPr lang="fr-FR" sz="1400" b="1" baseline="-25000" dirty="0">
+              <a:solidFill>
+                <a:schemeClr val="tx1"/>
+              </a:solidFill>
+            </a:endParaRPr>
+          </a:p>
+        </p:txBody>
+      </p:sp>
+      <p:cxnSp>
+        <p:nvCxnSpPr>
+          <p:cNvPr id="92" name="Connecteur droit 91">
+            <a:extLst>
+              <a:ext uri="{FF2B5EF4-FFF2-40B4-BE49-F238E27FC236}">
+                <a16:creationId xmlns:a16="http://schemas.microsoft.com/office/drawing/2014/main" id="{55AD1F1B-C636-1704-C495-CBBC0760C76F}"/>
+              </a:ext>
+            </a:extLst>
+          </p:cNvPr>
+          <p:cNvCxnSpPr>
+            <a:cxnSpLocks/>
+            <a:stCxn id="41" idx="0"/>
+            <a:endCxn id="95" idx="2"/>
+          </p:cNvCxnSpPr>
+          <p:nvPr/>
+        </p:nvCxnSpPr>
+        <p:spPr>
+          <a:xfrm flipH="1" flipV="1">
+            <a:off x="4971851" y="1644873"/>
+            <a:ext cx="1196" cy="516309"/>
+          </a:xfrm>
+          <a:prstGeom prst="line">
+            <a:avLst/>
+          </a:prstGeom>
+          <a:solidFill>
+            <a:srgbClr val="00B050"/>
+          </a:solidFill>
+          <a:ln w="28575">
+            <a:solidFill>
+              <a:schemeClr val="accent2">
+                <a:lumMod val="75000"/>
+              </a:schemeClr>
+            </a:solidFill>
+          </a:ln>
+        </p:spPr>
+        <p:style>
+          <a:lnRef idx="2">
+            <a:schemeClr val="accent1">
+              <a:shade val="50000"/>
+            </a:schemeClr>
+          </a:lnRef>
+          <a:fillRef idx="1">
+            <a:schemeClr val="accent1"/>
+          </a:fillRef>
+          <a:effectRef idx="0">
+            <a:schemeClr val="accent1"/>
+          </a:effectRef>
+          <a:fontRef idx="minor">
+            <a:schemeClr val="lt1"/>
+          </a:fontRef>
+        </p:style>
+      </p:cxnSp>
+      <p:sp>
+        <p:nvSpPr>
+          <p:cNvPr id="95" name="Rectangle 94">
+            <a:extLst>
+              <a:ext uri="{FF2B5EF4-FFF2-40B4-BE49-F238E27FC236}">
+                <a16:creationId xmlns:a16="http://schemas.microsoft.com/office/drawing/2014/main" id="{6CEDC295-BBBA-C2BA-89CB-C234C506922C}"/>
+              </a:ext>
+            </a:extLst>
+          </p:cNvPr>
+          <p:cNvSpPr>
+            <a:spLocks/>
+          </p:cNvSpPr>
+          <p:nvPr/>
+        </p:nvSpPr>
+        <p:spPr>
+          <a:xfrm>
+            <a:off x="4794075" y="1349284"/>
+            <a:ext cx="355552" cy="295589"/>
+          </a:xfrm>
+          <a:prstGeom prst="rect">
+            <a:avLst/>
+          </a:prstGeom>
+          <a:solidFill>
+            <a:schemeClr val="bg1"/>
+          </a:solidFill>
+          <a:ln w="28575">
+            <a:solidFill>
+              <a:schemeClr val="accent2">
+                <a:lumMod val="75000"/>
+              </a:schemeClr>
+            </a:solidFill>
+          </a:ln>
+        </p:spPr>
+        <p:style>
+          <a:lnRef idx="2">
+            <a:schemeClr val="accent1">
+              <a:shade val="50000"/>
+            </a:schemeClr>
+          </a:lnRef>
+          <a:fillRef idx="1">
+            <a:schemeClr val="accent1"/>
+          </a:fillRef>
+          <a:effectRef idx="0">
+            <a:schemeClr val="accent1"/>
+          </a:effectRef>
+          <a:fontRef idx="minor">
+            <a:schemeClr val="lt1"/>
+          </a:fontRef>
+        </p:style>
+        <p:txBody>
+          <a:bodyPr rtlCol="0" anchor="ctr"/>
+          <a:lstStyle/>
+          <a:p>
+            <a:pPr algn="ctr"/>
+            <a:r>
+              <a:rPr lang="fr-FR" sz="1400" b="1" dirty="0" smtClean="0">
+                <a:solidFill>
+                  <a:schemeClr val="tx1"/>
+                </a:solidFill>
+              </a:rPr>
+              <a:t>M</a:t>
+            </a:r>
+            <a:endParaRPr lang="fr-FR" sz="1400" b="1" dirty="0">
+              <a:solidFill>
+                <a:schemeClr val="tx1"/>
+              </a:solidFill>
+            </a:endParaRPr>
+          </a:p>
+        </p:txBody>
+      </p:sp>
+      <p:sp>
+        <p:nvSpPr>
+          <p:cNvPr id="41" name="Rectangle 40">
+            <a:extLst>
+              <a:ext uri="{FF2B5EF4-FFF2-40B4-BE49-F238E27FC236}">
+                <a16:creationId xmlns:a16="http://schemas.microsoft.com/office/drawing/2014/main" id="{6CEDC295-BBBA-C2BA-89CB-C234C506922C}"/>
+              </a:ext>
+            </a:extLst>
+          </p:cNvPr>
+          <p:cNvSpPr>
+            <a:spLocks/>
+          </p:cNvSpPr>
+          <p:nvPr/>
+        </p:nvSpPr>
+        <p:spPr>
+          <a:xfrm>
+            <a:off x="4793047" y="2161182"/>
+            <a:ext cx="360000" cy="180000"/>
+          </a:xfrm>
+          <a:prstGeom prst="rect">
+            <a:avLst/>
+          </a:prstGeom>
+          <a:solidFill>
+            <a:schemeClr val="bg1"/>
+          </a:solidFill>
+          <a:ln w="28575">
+            <a:solidFill>
+              <a:schemeClr val="accent2">
+                <a:lumMod val="75000"/>
+              </a:schemeClr>
+            </a:solidFill>
+          </a:ln>
+        </p:spPr>
+        <p:style>
+          <a:lnRef idx="2">
+            <a:schemeClr val="accent1">
+              <a:shade val="50000"/>
+            </a:schemeClr>
+          </a:lnRef>
+          <a:fillRef idx="1">
+            <a:schemeClr val="accent1"/>
+          </a:fillRef>
+          <a:effectRef idx="0">
+            <a:schemeClr val="accent1"/>
+          </a:effectRef>
+          <a:fontRef idx="minor">
+            <a:schemeClr val="lt1"/>
+          </a:fontRef>
+        </p:style>
+        <p:txBody>
+          <a:bodyPr rtlCol="0" anchor="ctr"/>
+          <a:lstStyle/>
+          <a:p>
+            <a:pPr algn="ctr"/>
+            <a:endParaRPr lang="fr-FR" b="1"/>
+          </a:p>
+        </p:txBody>
+      </p:sp>
+      <p:grpSp>
+        <p:nvGrpSpPr>
+          <p:cNvPr id="32" name="Groupe 31"/>
+          <p:cNvGrpSpPr/>
+          <p:nvPr/>
+        </p:nvGrpSpPr>
+        <p:grpSpPr>
+          <a:xfrm>
+            <a:off x="4791710" y="2187919"/>
+            <a:ext cx="361337" cy="106406"/>
+            <a:chOff x="4791710" y="2187919"/>
+            <a:chExt cx="361337" cy="106406"/>
+          </a:xfrm>
+        </p:grpSpPr>
+        <p:sp>
+          <p:nvSpPr>
+            <p:cNvPr id="4" name="Arc 3"/>
+            <p:cNvSpPr/>
+            <p:nvPr/>
+          </p:nvSpPr>
+          <p:spPr>
+            <a:xfrm>
+              <a:off x="4791710" y="2204325"/>
+              <a:ext cx="90000" cy="90000"/>
+            </a:xfrm>
+            <a:prstGeom prst="arc">
+              <a:avLst>
+                <a:gd name="adj1" fmla="val 10778402"/>
+                <a:gd name="adj2" fmla="val 21533667"/>
+              </a:avLst>
+            </a:prstGeom>
+            <a:noFill/>
+            <a:ln w="28575">
+              <a:solidFill>
+                <a:srgbClr val="0070C0"/>
+              </a:solidFill>
+            </a:ln>
+          </p:spPr>
+          <p:style>
+            <a:lnRef idx="2">
+              <a:schemeClr val="accent1">
+                <a:shade val="50000"/>
+              </a:schemeClr>
+            </a:lnRef>
+            <a:fillRef idx="1">
+              <a:schemeClr val="accent1"/>
+            </a:fillRef>
+            <a:effectRef idx="0">
+              <a:schemeClr val="accent1"/>
+            </a:effectRef>
+            <a:fontRef idx="minor">
+              <a:schemeClr val="lt1"/>
+            </a:fontRef>
+          </p:style>
+          <p:txBody>
+            <a:bodyPr rtlCol="0" anchor="ctr"/>
+            <a:lstStyle/>
+            <a:p>
+              <a:pPr algn="ctr"/>
+              <a:endParaRPr lang="fr-FR"/>
+            </a:p>
+          </p:txBody>
+        </p:sp>
+        <p:sp>
+          <p:nvSpPr>
+            <p:cNvPr id="42" name="Arc 41"/>
+            <p:cNvSpPr/>
+            <p:nvPr/>
+          </p:nvSpPr>
+          <p:spPr>
+            <a:xfrm rot="10800000">
+              <a:off x="4881113" y="2192269"/>
+              <a:ext cx="90000" cy="90000"/>
+            </a:xfrm>
+            <a:prstGeom prst="arc">
+              <a:avLst>
+                <a:gd name="adj1" fmla="val 10778402"/>
+                <a:gd name="adj2" fmla="val 21533667"/>
+              </a:avLst>
+            </a:prstGeom>
+            <a:noFill/>
+            <a:ln w="28575">
+              <a:solidFill>
+                <a:srgbClr val="0070C0"/>
+              </a:solidFill>
+            </a:ln>
+          </p:spPr>
+          <p:style>
+            <a:lnRef idx="2">
+              <a:schemeClr val="accent1">
+                <a:shade val="50000"/>
+              </a:schemeClr>
+            </a:lnRef>
+            <a:fillRef idx="1">
+              <a:schemeClr val="accent1"/>
+            </a:fillRef>
+            <a:effectRef idx="0">
+              <a:schemeClr val="accent1"/>
+            </a:effectRef>
+            <a:fontRef idx="minor">
+              <a:schemeClr val="lt1"/>
+            </a:fontRef>
+          </p:style>
+          <p:txBody>
+            <a:bodyPr rtlCol="0" anchor="ctr"/>
+            <a:lstStyle/>
+            <a:p>
+              <a:pPr algn="ctr"/>
+              <a:endParaRPr lang="fr-FR"/>
+            </a:p>
+          </p:txBody>
+        </p:sp>
+        <p:sp>
+          <p:nvSpPr>
+            <p:cNvPr id="46" name="Arc 45"/>
+            <p:cNvSpPr/>
+            <p:nvPr/>
+          </p:nvSpPr>
+          <p:spPr>
+            <a:xfrm>
+              <a:off x="4973644" y="2199975"/>
+              <a:ext cx="90000" cy="90000"/>
+            </a:xfrm>
+            <a:prstGeom prst="arc">
+              <a:avLst>
+                <a:gd name="adj1" fmla="val 10778402"/>
+                <a:gd name="adj2" fmla="val 21533667"/>
+              </a:avLst>
+            </a:prstGeom>
+            <a:noFill/>
+            <a:ln w="28575">
+              <a:solidFill>
+                <a:srgbClr val="0070C0"/>
+              </a:solidFill>
+            </a:ln>
+          </p:spPr>
+          <p:style>
+            <a:lnRef idx="2">
+              <a:schemeClr val="accent1">
+                <a:shade val="50000"/>
+              </a:schemeClr>
+            </a:lnRef>
+            <a:fillRef idx="1">
+              <a:schemeClr val="accent1"/>
+            </a:fillRef>
+            <a:effectRef idx="0">
+              <a:schemeClr val="accent1"/>
+            </a:effectRef>
+            <a:fontRef idx="minor">
+              <a:schemeClr val="lt1"/>
+            </a:fontRef>
+          </p:style>
+          <p:txBody>
+            <a:bodyPr rtlCol="0" anchor="ctr"/>
+            <a:lstStyle/>
+            <a:p>
+              <a:pPr algn="ctr"/>
+              <a:endParaRPr lang="fr-FR"/>
+            </a:p>
+          </p:txBody>
+        </p:sp>
+        <p:sp>
+          <p:nvSpPr>
+            <p:cNvPr id="47" name="Arc 46"/>
+            <p:cNvSpPr/>
+            <p:nvPr/>
+          </p:nvSpPr>
+          <p:spPr>
+            <a:xfrm rot="10800000">
+              <a:off x="5063047" y="2187919"/>
+              <a:ext cx="90000" cy="90000"/>
+            </a:xfrm>
+            <a:prstGeom prst="arc">
+              <a:avLst>
+                <a:gd name="adj1" fmla="val 10778402"/>
+                <a:gd name="adj2" fmla="val 21533667"/>
+              </a:avLst>
+            </a:prstGeom>
+            <a:noFill/>
+            <a:ln w="28575">
+              <a:solidFill>
+                <a:srgbClr val="0070C0"/>
+              </a:solidFill>
+            </a:ln>
+          </p:spPr>
+          <p:style>
+            <a:lnRef idx="2">
+              <a:schemeClr val="accent1">
+                <a:shade val="50000"/>
+              </a:schemeClr>
+            </a:lnRef>
+            <a:fillRef idx="1">
+              <a:schemeClr val="accent1"/>
+            </a:fillRef>
+            <a:effectRef idx="0">
+              <a:schemeClr val="accent1"/>
+            </a:effectRef>
+            <a:fontRef idx="minor">
+              <a:schemeClr val="lt1"/>
+            </a:fontRef>
+          </p:style>
+          <p:txBody>
+            <a:bodyPr rtlCol="0" anchor="ctr"/>
+            <a:lstStyle/>
+            <a:p>
+              <a:pPr algn="ctr"/>
+              <a:endParaRPr lang="fr-FR"/>
+            </a:p>
+          </p:txBody>
+        </p:sp>
+      </p:grpSp>
+      <p:sp>
+        <p:nvSpPr>
+          <p:cNvPr id="60" name="Rectangle 59">
+            <a:extLst>
+              <a:ext uri="{FF2B5EF4-FFF2-40B4-BE49-F238E27FC236}">
+                <a16:creationId xmlns:a16="http://schemas.microsoft.com/office/drawing/2014/main" id="{6CEDC295-BBBA-C2BA-89CB-C234C506922C}"/>
+              </a:ext>
+            </a:extLst>
+          </p:cNvPr>
+          <p:cNvSpPr>
+            <a:spLocks/>
+          </p:cNvSpPr>
+          <p:nvPr/>
+        </p:nvSpPr>
+        <p:spPr>
+          <a:xfrm>
+            <a:off x="4790445" y="1686630"/>
+            <a:ext cx="360000" cy="180000"/>
+          </a:xfrm>
+          <a:prstGeom prst="rect">
+            <a:avLst/>
+          </a:prstGeom>
+          <a:solidFill>
+            <a:schemeClr val="bg1"/>
+          </a:solidFill>
+          <a:ln w="28575">
+            <a:solidFill>
+              <a:schemeClr val="accent2">
+                <a:lumMod val="75000"/>
+              </a:schemeClr>
+            </a:solidFill>
+          </a:ln>
+        </p:spPr>
+        <p:style>
+          <a:lnRef idx="2">
+            <a:schemeClr val="accent1">
+              <a:shade val="50000"/>
+            </a:schemeClr>
+          </a:lnRef>
+          <a:fillRef idx="1">
+            <a:schemeClr val="accent1"/>
+          </a:fillRef>
+          <a:effectRef idx="0">
+            <a:schemeClr val="accent1"/>
+          </a:effectRef>
+          <a:fontRef idx="minor">
+            <a:schemeClr val="lt1"/>
+          </a:fontRef>
+        </p:style>
+        <p:txBody>
+          <a:bodyPr rtlCol="0" anchor="ctr"/>
+          <a:lstStyle/>
+          <a:p>
+            <a:pPr algn="ctr"/>
+            <a:endParaRPr lang="fr-FR" b="1"/>
+          </a:p>
+        </p:txBody>
+      </p:sp>
+    </p:spTree>
+    <p:extLst>
+      <p:ext uri="{BB962C8B-B14F-4D97-AF65-F5344CB8AC3E}">
+        <p14:creationId xmlns:p14="http://schemas.microsoft.com/office/powerpoint/2010/main" val="2146759876"/>
+      </p:ext>
+    </p:extLst>
+  </p:cSld>
+  <p:clrMapOvr>
+    <a:masterClrMapping/>
+  </p:clrMapOvr>
+</p:sld>
+</file>
+
+<file path=ppt/slides/slide8.xml><?xml version="1.0" encoding="utf-8"?>
+<p:sld xmlns:a="http://schemas.openxmlformats.org/drawingml/2006/main" xmlns:r="http://schemas.openxmlformats.org/officeDocument/2006/relationships" xmlns:p="http://schemas.openxmlformats.org/presentationml/2006/main">
+  <p:cSld>
+    <p:spTree>
+      <p:nvGrpSpPr>
+        <p:cNvPr id="1" name=""/>
+        <p:cNvGrpSpPr/>
+        <p:nvPr/>
+      </p:nvGrpSpPr>
+      <p:grpSpPr>
+        <a:xfrm>
+          <a:off x="0" y="0"/>
+          <a:ext cx="0" cy="0"/>
+          <a:chOff x="0" y="0"/>
+          <a:chExt cx="0" cy="0"/>
+        </a:xfrm>
+      </p:grpSpPr>
+      <p:grpSp>
+        <p:nvGrpSpPr>
+          <p:cNvPr id="31" name="Groupe 30">
+            <a:extLst>
+              <a:ext uri="{FF2B5EF4-FFF2-40B4-BE49-F238E27FC236}">
+                <a16:creationId xmlns:a16="http://schemas.microsoft.com/office/drawing/2014/main" id="{1B0C2855-FBC1-651A-6A6C-5A66E5699475}"/>
+              </a:ext>
+            </a:extLst>
+          </p:cNvPr>
+          <p:cNvGrpSpPr/>
+          <p:nvPr/>
+        </p:nvGrpSpPr>
+        <p:grpSpPr>
+          <a:xfrm rot="5400000">
+            <a:off x="6840784" y="3761996"/>
+            <a:ext cx="432048" cy="778866"/>
+            <a:chOff x="3998383" y="3002125"/>
+            <a:chExt cx="432048" cy="778866"/>
+          </a:xfrm>
+        </p:grpSpPr>
+        <p:sp>
+          <p:nvSpPr>
+            <p:cNvPr id="49" name="Forme libre : forme 48">
+              <a:extLst>
+                <a:ext uri="{FF2B5EF4-FFF2-40B4-BE49-F238E27FC236}">
+                  <a16:creationId xmlns:a16="http://schemas.microsoft.com/office/drawing/2014/main" id="{C90DDB29-ABD7-6BC0-79DE-81B180730FBF}"/>
+                </a:ext>
+              </a:extLst>
+            </p:cNvPr>
+            <p:cNvSpPr/>
+            <p:nvPr/>
+          </p:nvSpPr>
+          <p:spPr>
+            <a:xfrm>
+              <a:off x="4014976" y="3635065"/>
+              <a:ext cx="415449" cy="145926"/>
+            </a:xfrm>
+            <a:custGeom>
+              <a:avLst/>
+              <a:gdLst>
+                <a:gd name="connsiteX0" fmla="*/ 0 w 400050"/>
+                <a:gd name="connsiteY0" fmla="*/ 6350 h 134622"/>
+                <a:gd name="connsiteX1" fmla="*/ 63500 w 400050"/>
+                <a:gd name="connsiteY1" fmla="*/ 114300 h 134622"/>
+                <a:gd name="connsiteX2" fmla="*/ 203200 w 400050"/>
+                <a:gd name="connsiteY2" fmla="*/ 69850 h 134622"/>
+                <a:gd name="connsiteX3" fmla="*/ 304800 w 400050"/>
+                <a:gd name="connsiteY3" fmla="*/ 133350 h 134622"/>
+                <a:gd name="connsiteX4" fmla="*/ 400050 w 400050"/>
+                <a:gd name="connsiteY4" fmla="*/ 0 h 134622"/>
+              </a:gdLst>
+              <a:ahLst/>
+              <a:cxnLst>
+                <a:cxn ang="0">
+                  <a:pos x="connsiteX0" y="connsiteY0"/>
+                </a:cxn>
+                <a:cxn ang="0">
+                  <a:pos x="connsiteX1" y="connsiteY1"/>
+                </a:cxn>
+                <a:cxn ang="0">
+                  <a:pos x="connsiteX2" y="connsiteY2"/>
+                </a:cxn>
+                <a:cxn ang="0">
+                  <a:pos x="connsiteX3" y="connsiteY3"/>
+                </a:cxn>
+                <a:cxn ang="0">
+                  <a:pos x="connsiteX4" y="connsiteY4"/>
+                </a:cxn>
+              </a:cxnLst>
+              <a:rect l="l" t="t" r="r" b="b"/>
+              <a:pathLst>
+                <a:path w="400050" h="134622">
+                  <a:moveTo>
+                    <a:pt x="0" y="6350"/>
+                  </a:moveTo>
+                  <a:cubicBezTo>
+                    <a:pt x="14816" y="55033"/>
+                    <a:pt x="29633" y="103717"/>
+                    <a:pt x="63500" y="114300"/>
+                  </a:cubicBezTo>
+                  <a:cubicBezTo>
+                    <a:pt x="97367" y="124883"/>
+                    <a:pt x="162983" y="66675"/>
+                    <a:pt x="203200" y="69850"/>
+                  </a:cubicBezTo>
+                  <a:cubicBezTo>
+                    <a:pt x="243417" y="73025"/>
+                    <a:pt x="271992" y="144992"/>
+                    <a:pt x="304800" y="133350"/>
+                  </a:cubicBezTo>
+                  <a:cubicBezTo>
+                    <a:pt x="337608" y="121708"/>
+                    <a:pt x="368829" y="60854"/>
+                    <a:pt x="400050" y="0"/>
+                  </a:cubicBezTo>
+                </a:path>
+              </a:pathLst>
+            </a:custGeom>
+            <a:solidFill>
+              <a:schemeClr val="bg1">
+                <a:lumMod val="85000"/>
+              </a:schemeClr>
+            </a:solidFill>
+            <a:ln w="19050">
+              <a:solidFill>
+                <a:schemeClr val="tx1"/>
+              </a:solidFill>
+            </a:ln>
+          </p:spPr>
+          <p:style>
+            <a:lnRef idx="2">
+              <a:schemeClr val="accent1">
+                <a:shade val="50000"/>
+              </a:schemeClr>
+            </a:lnRef>
+            <a:fillRef idx="1">
+              <a:schemeClr val="accent1"/>
+            </a:fillRef>
+            <a:effectRef idx="0">
+              <a:schemeClr val="accent1"/>
+            </a:effectRef>
+            <a:fontRef idx="minor">
+              <a:schemeClr val="lt1"/>
+            </a:fontRef>
+          </p:style>
+          <p:txBody>
+            <a:bodyPr rtlCol="0" anchor="ctr"/>
+            <a:lstStyle/>
+            <a:p>
+              <a:pPr algn="ctr"/>
+              <a:endParaRPr lang="fr-FR" b="1"/>
+            </a:p>
+          </p:txBody>
+        </p:sp>
+        <p:cxnSp>
+          <p:nvCxnSpPr>
+            <p:cNvPr id="50" name="Connecteur droit 49">
+              <a:extLst>
+                <a:ext uri="{FF2B5EF4-FFF2-40B4-BE49-F238E27FC236}">
+                  <a16:creationId xmlns:a16="http://schemas.microsoft.com/office/drawing/2014/main" id="{AF1FE62E-43DC-F193-AE07-9202FDC05C8A}"/>
+                </a:ext>
+              </a:extLst>
+            </p:cNvPr>
+            <p:cNvCxnSpPr>
+              <a:cxnSpLocks/>
+              <a:stCxn id="5" idx="2"/>
+            </p:cNvCxnSpPr>
+            <p:nvPr/>
+          </p:nvCxnSpPr>
+          <p:spPr>
+            <a:xfrm rot="16200000" flipH="1">
+              <a:off x="3897938" y="3318594"/>
+              <a:ext cx="632939" cy="2"/>
+            </a:xfrm>
+            <a:prstGeom prst="line">
+              <a:avLst/>
+            </a:prstGeom>
+            <a:noFill/>
+            <a:ln w="28575">
+              <a:solidFill>
+                <a:schemeClr val="tx1"/>
+              </a:solidFill>
+            </a:ln>
+          </p:spPr>
+          <p:style>
+            <a:lnRef idx="2">
+              <a:schemeClr val="accent1">
+                <a:shade val="50000"/>
+              </a:schemeClr>
+            </a:lnRef>
+            <a:fillRef idx="1">
+              <a:schemeClr val="accent1"/>
+            </a:fillRef>
+            <a:effectRef idx="0">
+              <a:schemeClr val="accent1"/>
+            </a:effectRef>
+            <a:fontRef idx="minor">
+              <a:schemeClr val="lt1"/>
+            </a:fontRef>
+          </p:style>
+        </p:cxnSp>
+        <p:cxnSp>
+          <p:nvCxnSpPr>
+            <p:cNvPr id="51" name="Connecteur droit 50">
+              <a:extLst>
+                <a:ext uri="{FF2B5EF4-FFF2-40B4-BE49-F238E27FC236}">
+                  <a16:creationId xmlns:a16="http://schemas.microsoft.com/office/drawing/2014/main" id="{A7536D6D-71EC-E5C2-78B8-B02EAC5E2DDE}"/>
+                </a:ext>
+              </a:extLst>
+            </p:cNvPr>
+            <p:cNvCxnSpPr>
+              <a:cxnSpLocks/>
+            </p:cNvCxnSpPr>
+            <p:nvPr/>
+          </p:nvCxnSpPr>
+          <p:spPr>
+            <a:xfrm flipH="1">
+              <a:off x="3998383" y="3638885"/>
+              <a:ext cx="432048" cy="0"/>
+            </a:xfrm>
+            <a:prstGeom prst="line">
+              <a:avLst/>
+            </a:prstGeom>
+            <a:noFill/>
+            <a:ln w="28575">
+              <a:solidFill>
+                <a:schemeClr val="tx1"/>
+              </a:solidFill>
+            </a:ln>
+          </p:spPr>
+          <p:style>
+            <a:lnRef idx="2">
+              <a:schemeClr val="accent1">
+                <a:shade val="50000"/>
+              </a:schemeClr>
+            </a:lnRef>
+            <a:fillRef idx="1">
+              <a:schemeClr val="accent1"/>
+            </a:fillRef>
+            <a:effectRef idx="0">
+              <a:schemeClr val="accent1"/>
+            </a:effectRef>
+            <a:fontRef idx="minor">
+              <a:schemeClr val="lt1"/>
+            </a:fontRef>
+          </p:style>
+        </p:cxnSp>
+      </p:grpSp>
+      <p:sp>
+        <p:nvSpPr>
+          <p:cNvPr id="9" name="ZoneTexte 8">
+            <a:extLst>
+              <a:ext uri="{FF2B5EF4-FFF2-40B4-BE49-F238E27FC236}">
+                <a16:creationId xmlns:a16="http://schemas.microsoft.com/office/drawing/2014/main" id="{069D0BF8-DDC2-F229-7C4A-FA03EC066359}"/>
+              </a:ext>
+            </a:extLst>
+          </p:cNvPr>
+          <p:cNvSpPr txBox="1"/>
+          <p:nvPr/>
+        </p:nvSpPr>
+        <p:spPr>
+          <a:xfrm>
+            <a:off x="6371359" y="3176630"/>
+            <a:ext cx="65" cy="184666"/>
+          </a:xfrm>
+          <a:prstGeom prst="rect">
+            <a:avLst/>
+          </a:prstGeom>
+          <a:noFill/>
+        </p:spPr>
+        <p:txBody>
+          <a:bodyPr wrap="none" lIns="0" tIns="0" rIns="0" bIns="0" rtlCol="0">
+            <a:spAutoFit/>
+          </a:bodyPr>
+          <a:lstStyle/>
+          <a:p>
+            <a:endParaRPr lang="fr-FR" sz="1200" b="1" dirty="0"/>
+          </a:p>
+        </p:txBody>
+      </p:sp>
+      <p:sp>
+        <p:nvSpPr>
+          <p:cNvPr id="10" name="Ellipse 9">
+            <a:extLst>
+              <a:ext uri="{FF2B5EF4-FFF2-40B4-BE49-F238E27FC236}">
+                <a16:creationId xmlns:a16="http://schemas.microsoft.com/office/drawing/2014/main" id="{3B4C3FB9-D713-E464-2165-7123B8C6B7E6}"/>
+              </a:ext>
+            </a:extLst>
+          </p:cNvPr>
+          <p:cNvSpPr/>
+          <p:nvPr/>
+        </p:nvSpPr>
+        <p:spPr>
+          <a:xfrm>
+            <a:off x="6854482" y="3918708"/>
+            <a:ext cx="180000" cy="180000"/>
+          </a:xfrm>
+          <a:prstGeom prst="ellipse">
+            <a:avLst/>
+          </a:prstGeom>
+          <a:noFill/>
+          <a:ln w="19050">
+            <a:solidFill>
+              <a:schemeClr val="tx1"/>
+            </a:solidFill>
+          </a:ln>
+        </p:spPr>
+        <p:style>
+          <a:lnRef idx="2">
+            <a:schemeClr val="accent1">
+              <a:shade val="50000"/>
+            </a:schemeClr>
+          </a:lnRef>
+          <a:fillRef idx="1">
+            <a:schemeClr val="accent1"/>
+          </a:fillRef>
+          <a:effectRef idx="0">
+            <a:schemeClr val="accent1"/>
+          </a:effectRef>
+          <a:fontRef idx="minor">
+            <a:schemeClr val="lt1"/>
+          </a:fontRef>
+        </p:style>
+        <p:txBody>
+          <a:bodyPr rtlCol="0" anchor="ctr"/>
+          <a:lstStyle/>
+          <a:p>
+            <a:pPr algn="ctr"/>
+            <a:r>
+              <a:rPr lang="fr-FR" sz="1050" b="1" dirty="0">
+                <a:solidFill>
+                  <a:schemeClr val="tx1"/>
+                </a:solidFill>
+              </a:rPr>
+              <a:t>0</a:t>
+            </a:r>
+            <a:endParaRPr lang="fr-FR" sz="1400" b="1" dirty="0">
+              <a:solidFill>
+                <a:schemeClr val="tx1"/>
+              </a:solidFill>
+            </a:endParaRPr>
+          </a:p>
+        </p:txBody>
+      </p:sp>
+      <p:sp>
+        <p:nvSpPr>
+          <p:cNvPr id="28" name="Ellipse 27">
+            <a:extLst>
+              <a:ext uri="{FF2B5EF4-FFF2-40B4-BE49-F238E27FC236}">
+                <a16:creationId xmlns:a16="http://schemas.microsoft.com/office/drawing/2014/main" id="{FD159754-8E15-DF17-5077-63C2B06D4FD9}"/>
+              </a:ext>
+            </a:extLst>
+          </p:cNvPr>
+          <p:cNvSpPr/>
+          <p:nvPr/>
+        </p:nvSpPr>
+        <p:spPr>
+          <a:xfrm>
+            <a:off x="7122226" y="3476066"/>
+            <a:ext cx="288000" cy="288000"/>
+          </a:xfrm>
+          <a:prstGeom prst="ellipse">
+            <a:avLst/>
+          </a:prstGeom>
+          <a:noFill/>
+          <a:ln w="19050">
+            <a:solidFill>
+              <a:srgbClr val="00B050"/>
+            </a:solidFill>
+          </a:ln>
+        </p:spPr>
+        <p:style>
+          <a:lnRef idx="2">
+            <a:schemeClr val="accent1">
+              <a:shade val="50000"/>
+            </a:schemeClr>
+          </a:lnRef>
+          <a:fillRef idx="1">
+            <a:schemeClr val="accent1"/>
+          </a:fillRef>
+          <a:effectRef idx="0">
+            <a:schemeClr val="accent1"/>
+          </a:effectRef>
+          <a:fontRef idx="minor">
+            <a:schemeClr val="lt1"/>
+          </a:fontRef>
+        </p:style>
+        <p:txBody>
+          <a:bodyPr lIns="0" tIns="0" rIns="0" bIns="0" rtlCol="0" anchor="ctr"/>
+          <a:lstStyle/>
+          <a:p>
+            <a:pPr algn="ctr"/>
+            <a:r>
+              <a:rPr lang="fr-FR" sz="1050" b="1" dirty="0">
+                <a:solidFill>
+                  <a:schemeClr val="tx1"/>
+                </a:solidFill>
+              </a:rPr>
+              <a:t>J</a:t>
+            </a:r>
+            <a:r>
+              <a:rPr lang="fr-FR" sz="1050" b="1" baseline="-25000" dirty="0">
+                <a:solidFill>
+                  <a:schemeClr val="tx1"/>
+                </a:solidFill>
+              </a:rPr>
+              <a:t>1</a:t>
+            </a:r>
+            <a:endParaRPr lang="fr-FR" sz="1400" b="1" baseline="-25000" dirty="0">
+              <a:solidFill>
+                <a:schemeClr val="tx1"/>
+              </a:solidFill>
+            </a:endParaRPr>
+          </a:p>
+        </p:txBody>
+      </p:sp>
+      <p:sp>
+        <p:nvSpPr>
+          <p:cNvPr id="57" name="Ellipse 56">
+            <a:extLst>
+              <a:ext uri="{FF2B5EF4-FFF2-40B4-BE49-F238E27FC236}">
+                <a16:creationId xmlns:a16="http://schemas.microsoft.com/office/drawing/2014/main" id="{2D0C82A5-DF18-0B1D-27C7-667EDFA36B21}"/>
+              </a:ext>
+            </a:extLst>
+          </p:cNvPr>
+          <p:cNvSpPr/>
+          <p:nvPr/>
+        </p:nvSpPr>
+        <p:spPr>
+          <a:xfrm>
+            <a:off x="6584450" y="5153861"/>
+            <a:ext cx="180000" cy="180000"/>
+          </a:xfrm>
+          <a:prstGeom prst="ellipse">
+            <a:avLst/>
+          </a:prstGeom>
+          <a:noFill/>
+          <a:ln w="19050">
+            <a:solidFill>
+              <a:srgbClr val="0070C0"/>
+            </a:solidFill>
+          </a:ln>
+        </p:spPr>
+        <p:style>
+          <a:lnRef idx="2">
+            <a:schemeClr val="accent1">
+              <a:shade val="50000"/>
+            </a:schemeClr>
+          </a:lnRef>
+          <a:fillRef idx="1">
+            <a:schemeClr val="accent1"/>
+          </a:fillRef>
+          <a:effectRef idx="0">
+            <a:schemeClr val="accent1"/>
+          </a:effectRef>
+          <a:fontRef idx="minor">
+            <a:schemeClr val="lt1"/>
+          </a:fontRef>
+        </p:style>
+        <p:txBody>
+          <a:bodyPr rtlCol="0" anchor="ctr"/>
+          <a:lstStyle/>
+          <a:p>
+            <a:pPr algn="ctr"/>
+            <a:r>
+              <a:rPr lang="fr-FR" sz="1050" b="1" dirty="0">
+                <a:solidFill>
+                  <a:schemeClr val="accent1"/>
+                </a:solidFill>
+              </a:rPr>
+              <a:t>2</a:t>
+            </a:r>
+            <a:endParaRPr lang="fr-FR" sz="1400" b="1" dirty="0">
+              <a:solidFill>
+                <a:schemeClr val="accent1"/>
+              </a:solidFill>
+            </a:endParaRPr>
+          </a:p>
+        </p:txBody>
+      </p:sp>
+      <p:sp>
+        <p:nvSpPr>
+          <p:cNvPr id="58" name="Ellipse 57">
+            <a:extLst>
+              <a:ext uri="{FF2B5EF4-FFF2-40B4-BE49-F238E27FC236}">
+                <a16:creationId xmlns:a16="http://schemas.microsoft.com/office/drawing/2014/main" id="{02126A1B-0750-8867-5E61-38C554EB73FB}"/>
+              </a:ext>
+            </a:extLst>
+          </p:cNvPr>
+          <p:cNvSpPr/>
+          <p:nvPr/>
+        </p:nvSpPr>
+        <p:spPr>
+          <a:xfrm>
+            <a:off x="7446762" y="3530066"/>
+            <a:ext cx="180000" cy="180000"/>
+          </a:xfrm>
+          <a:prstGeom prst="ellipse">
+            <a:avLst/>
+          </a:prstGeom>
+          <a:noFill/>
+          <a:ln w="19050">
+            <a:solidFill>
+              <a:srgbClr val="00B050"/>
+            </a:solidFill>
+          </a:ln>
+        </p:spPr>
+        <p:style>
+          <a:lnRef idx="2">
+            <a:schemeClr val="accent1">
+              <a:shade val="50000"/>
+            </a:schemeClr>
+          </a:lnRef>
+          <a:fillRef idx="1">
+            <a:schemeClr val="accent1"/>
+          </a:fillRef>
+          <a:effectRef idx="0">
+            <a:schemeClr val="accent1"/>
+          </a:effectRef>
+          <a:fontRef idx="minor">
+            <a:schemeClr val="lt1"/>
+          </a:fontRef>
+        </p:style>
+        <p:txBody>
+          <a:bodyPr rtlCol="0" anchor="ctr"/>
+          <a:lstStyle/>
+          <a:p>
+            <a:pPr algn="ctr"/>
+            <a:r>
+              <a:rPr lang="fr-FR" sz="1050" b="1" dirty="0">
+                <a:solidFill>
+                  <a:srgbClr val="00B050"/>
+                </a:solidFill>
+              </a:rPr>
+              <a:t>1</a:t>
+            </a:r>
+            <a:endParaRPr lang="fr-FR" sz="1400" b="1" dirty="0">
+              <a:solidFill>
+                <a:srgbClr val="00B050"/>
+              </a:solidFill>
+            </a:endParaRPr>
+          </a:p>
+        </p:txBody>
+      </p:sp>
+      <mc:AlternateContent xmlns:mc="http://schemas.openxmlformats.org/markup-compatibility/2006">
+        <mc:Choice xmlns:a14="http://schemas.microsoft.com/office/drawing/2010/main" Requires="a14">
+          <p:sp>
+            <p:nvSpPr>
+              <p:cNvPr id="2" name="ZoneTexte 1">
+                <a:extLst>
+                  <a:ext uri="{FF2B5EF4-FFF2-40B4-BE49-F238E27FC236}">
+                    <a16:creationId xmlns:a16="http://schemas.microsoft.com/office/drawing/2014/main" id="{1A987993-18AF-E90D-43E3-EC45C480C4C7}"/>
+                  </a:ext>
+                </a:extLst>
+              </p:cNvPr>
+              <p:cNvSpPr txBox="1"/>
+              <p:nvPr/>
+            </p:nvSpPr>
+            <p:spPr>
+              <a:xfrm>
+                <a:off x="7663298" y="3512344"/>
+                <a:ext cx="219227" cy="215444"/>
+              </a:xfrm>
+              <a:prstGeom prst="rect">
+                <a:avLst/>
+              </a:prstGeom>
+              <a:noFill/>
+            </p:spPr>
+            <p:txBody>
+              <a:bodyPr wrap="none" lIns="0" tIns="0" rIns="0" bIns="0" rtlCol="0">
+                <a:spAutoFit/>
+              </a:bodyPr>
+              <a:lstStyle/>
+              <a:p>
+                <a:pPr/>
+                <a14:m>
+                  <m:oMathPara xmlns:m="http://schemas.openxmlformats.org/officeDocument/2006/math">
+                    <m:oMathParaPr>
+                      <m:jc m:val="centerGroup"/>
+                    </m:oMathParaPr>
+                    <m:oMath xmlns:m="http://schemas.openxmlformats.org/officeDocument/2006/math">
+                      <m:sSub>
+                        <m:sSubPr>
+                          <m:ctrlPr>
+                            <a:rPr lang="fr-FR" sz="1400" b="0" i="1" smtClean="0">
+                              <a:latin typeface="Cambria Math" panose="02040503050406030204" pitchFamily="18" charset="0"/>
+                            </a:rPr>
+                          </m:ctrlPr>
+                        </m:sSubPr>
+                        <m:e>
+                          <m:r>
+                            <a:rPr lang="fr-FR" sz="1400" b="0" i="1" smtClean="0">
+                              <a:latin typeface="Cambria Math" panose="02040503050406030204" pitchFamily="18" charset="0"/>
+                            </a:rPr>
+                            <m:t>𝑍</m:t>
+                          </m:r>
+                        </m:e>
+                        <m:sub>
+                          <m:r>
+                            <a:rPr lang="fr-FR" sz="1400" b="0" i="1" smtClean="0">
+                              <a:latin typeface="Cambria Math" panose="02040503050406030204" pitchFamily="18" charset="0"/>
+                            </a:rPr>
+                            <m:t>1</m:t>
+                          </m:r>
+                        </m:sub>
+                      </m:sSub>
+                    </m:oMath>
+                  </m:oMathPara>
+                </a14:m>
+                <a:endParaRPr lang="fr-FR" sz="1400" dirty="0"/>
+              </a:p>
+            </p:txBody>
+          </p:sp>
+        </mc:Choice>
+        <mc:Fallback>
+          <p:sp>
+            <p:nvSpPr>
+              <p:cNvPr id="2" name="ZoneTexte 1">
+                <a:extLst>
+                  <a:ext uri="{FF2B5EF4-FFF2-40B4-BE49-F238E27FC236}">
+                    <a16:creationId xmlns:a16="http://schemas.microsoft.com/office/drawing/2014/main" id="{1A987993-18AF-E90D-43E3-EC45C480C4C7}"/>
+                  </a:ext>
+                </a:extLst>
+              </p:cNvPr>
+              <p:cNvSpPr txBox="1">
+                <a:spLocks noRot="1" noChangeAspect="1" noMove="1" noResize="1" noEditPoints="1" noAdjustHandles="1" noChangeArrowheads="1" noChangeShapeType="1" noTextEdit="1"/>
+              </p:cNvSpPr>
+              <p:nvPr/>
+            </p:nvSpPr>
+            <p:spPr>
+              <a:xfrm>
+                <a:off x="7663298" y="3512344"/>
+                <a:ext cx="219227" cy="215444"/>
+              </a:xfrm>
+              <a:prstGeom prst="rect">
+                <a:avLst/>
+              </a:prstGeom>
+              <a:blipFill>
+                <a:blip r:embed="rId2"/>
+                <a:stretch>
+                  <a:fillRect l="-19444" r="-2778" b="-11111"/>
+                </a:stretch>
+              </a:blipFill>
+            </p:spPr>
+            <p:txBody>
+              <a:bodyPr/>
+              <a:lstStyle/>
+              <a:p>
+                <a:r>
+                  <a:rPr lang="fr-FR">
+                    <a:noFill/>
+                  </a:rPr>
+                  <a:t> </a:t>
+                </a:r>
+              </a:p>
+            </p:txBody>
+          </p:sp>
+        </mc:Fallback>
+      </mc:AlternateContent>
+      <mc:AlternateContent xmlns:mc="http://schemas.openxmlformats.org/markup-compatibility/2006">
+        <mc:Choice xmlns:a14="http://schemas.microsoft.com/office/drawing/2010/main" Requires="a14">
+          <p:sp>
+            <p:nvSpPr>
+              <p:cNvPr id="3" name="ZoneTexte 2">
+                <a:extLst>
+                  <a:ext uri="{FF2B5EF4-FFF2-40B4-BE49-F238E27FC236}">
+                    <a16:creationId xmlns:a16="http://schemas.microsoft.com/office/drawing/2014/main" id="{A698A0B4-1C99-202C-7064-3E41D6369D9A}"/>
+                  </a:ext>
+                </a:extLst>
+              </p:cNvPr>
+              <p:cNvSpPr txBox="1"/>
+              <p:nvPr/>
+            </p:nvSpPr>
+            <p:spPr>
+              <a:xfrm>
+                <a:off x="6302556" y="5141428"/>
+                <a:ext cx="223394" cy="215444"/>
+              </a:xfrm>
+              <a:prstGeom prst="rect">
+                <a:avLst/>
+              </a:prstGeom>
+              <a:noFill/>
+            </p:spPr>
+            <p:txBody>
+              <a:bodyPr wrap="none" lIns="0" tIns="0" rIns="0" bIns="0" rtlCol="0">
+                <a:spAutoFit/>
+              </a:bodyPr>
+              <a:lstStyle/>
+              <a:p>
+                <a:pPr/>
+                <a14:m>
+                  <m:oMathPara xmlns:m="http://schemas.openxmlformats.org/officeDocument/2006/math">
+                    <m:oMathParaPr>
+                      <m:jc m:val="centerGroup"/>
+                    </m:oMathParaPr>
+                    <m:oMath xmlns:m="http://schemas.openxmlformats.org/officeDocument/2006/math">
+                      <m:sSub>
+                        <m:sSubPr>
+                          <m:ctrlPr>
+                            <a:rPr lang="fr-FR" sz="1400" b="0" i="1" smtClean="0">
+                              <a:latin typeface="Cambria Math" panose="02040503050406030204" pitchFamily="18" charset="0"/>
+                            </a:rPr>
+                          </m:ctrlPr>
+                        </m:sSubPr>
+                        <m:e>
+                          <m:r>
+                            <a:rPr lang="fr-FR" sz="1400" b="0" i="1" smtClean="0">
+                              <a:latin typeface="Cambria Math" panose="02040503050406030204" pitchFamily="18" charset="0"/>
+                            </a:rPr>
+                            <m:t>𝑍</m:t>
+                          </m:r>
+                        </m:e>
+                        <m:sub>
+                          <m:r>
+                            <a:rPr lang="fr-FR" sz="1400" b="0" i="1" smtClean="0">
+                              <a:latin typeface="Cambria Math" panose="02040503050406030204" pitchFamily="18" charset="0"/>
+                            </a:rPr>
+                            <m:t>2</m:t>
+                          </m:r>
+                        </m:sub>
+                      </m:sSub>
+                    </m:oMath>
+                  </m:oMathPara>
+                </a14:m>
+                <a:endParaRPr lang="fr-FR" sz="1400" dirty="0"/>
+              </a:p>
+            </p:txBody>
+          </p:sp>
+        </mc:Choice>
+        <mc:Fallback>
+          <p:sp>
+            <p:nvSpPr>
+              <p:cNvPr id="3" name="ZoneTexte 2">
+                <a:extLst>
+                  <a:ext uri="{FF2B5EF4-FFF2-40B4-BE49-F238E27FC236}">
+                    <a16:creationId xmlns:a16="http://schemas.microsoft.com/office/drawing/2014/main" id="{A698A0B4-1C99-202C-7064-3E41D6369D9A}"/>
+                  </a:ext>
+                </a:extLst>
+              </p:cNvPr>
+              <p:cNvSpPr txBox="1">
+                <a:spLocks noRot="1" noChangeAspect="1" noMove="1" noResize="1" noEditPoints="1" noAdjustHandles="1" noChangeArrowheads="1" noChangeShapeType="1" noTextEdit="1"/>
+              </p:cNvSpPr>
+              <p:nvPr/>
+            </p:nvSpPr>
+            <p:spPr>
+              <a:xfrm>
+                <a:off x="6302556" y="5141428"/>
+                <a:ext cx="223394" cy="215444"/>
+              </a:xfrm>
+              <a:prstGeom prst="rect">
+                <a:avLst/>
+              </a:prstGeom>
+              <a:blipFill>
+                <a:blip r:embed="rId3"/>
+                <a:stretch>
+                  <a:fillRect l="-18919" r="-2703" b="-11111"/>
+                </a:stretch>
+              </a:blipFill>
+            </p:spPr>
+            <p:txBody>
+              <a:bodyPr/>
+              <a:lstStyle/>
+              <a:p>
+                <a:r>
+                  <a:rPr lang="fr-FR">
+                    <a:noFill/>
+                  </a:rPr>
+                  <a:t> </a:t>
+                </a:r>
+              </a:p>
+            </p:txBody>
+          </p:sp>
+        </mc:Fallback>
+      </mc:AlternateContent>
+      <p:sp>
+        <p:nvSpPr>
+          <p:cNvPr id="4" name="Ellipse 3">
+            <a:extLst>
+              <a:ext uri="{FF2B5EF4-FFF2-40B4-BE49-F238E27FC236}">
+                <a16:creationId xmlns:a16="http://schemas.microsoft.com/office/drawing/2014/main" id="{22066F39-1D79-D2C6-3900-3F654E266ADE}"/>
+              </a:ext>
+            </a:extLst>
+          </p:cNvPr>
+          <p:cNvSpPr/>
+          <p:nvPr/>
+        </p:nvSpPr>
+        <p:spPr>
+          <a:xfrm>
+            <a:off x="7176241" y="3791428"/>
+            <a:ext cx="720000" cy="720000"/>
+          </a:xfrm>
+          <a:prstGeom prst="ellipse">
+            <a:avLst/>
+          </a:prstGeom>
+          <a:noFill/>
+          <a:ln w="28575">
+            <a:solidFill>
+              <a:srgbClr val="00B050"/>
+            </a:solidFill>
+          </a:ln>
+        </p:spPr>
+        <p:style>
+          <a:lnRef idx="2">
+            <a:schemeClr val="accent1">
+              <a:shade val="50000"/>
+            </a:schemeClr>
+          </a:lnRef>
+          <a:fillRef idx="1">
+            <a:schemeClr val="accent1"/>
+          </a:fillRef>
+          <a:effectRef idx="0">
+            <a:schemeClr val="accent1"/>
+          </a:effectRef>
+          <a:fontRef idx="minor">
+            <a:schemeClr val="lt1"/>
+          </a:fontRef>
+        </p:style>
+        <p:txBody>
+          <a:bodyPr lIns="0" tIns="0" rIns="0" bIns="0" rtlCol="0" anchor="ctr"/>
+          <a:lstStyle/>
+          <a:p>
+            <a:pPr algn="ctr"/>
+            <a:endParaRPr lang="fr-FR" sz="1400" b="1" baseline="-25000" dirty="0">
+              <a:solidFill>
+                <a:schemeClr val="tx1"/>
+              </a:solidFill>
+            </a:endParaRPr>
+          </a:p>
+        </p:txBody>
+      </p:sp>
+      <p:sp>
+        <p:nvSpPr>
+          <p:cNvPr id="5" name="Ellipse 4">
+            <a:extLst>
+              <a:ext uri="{FF2B5EF4-FFF2-40B4-BE49-F238E27FC236}">
+                <a16:creationId xmlns:a16="http://schemas.microsoft.com/office/drawing/2014/main" id="{7074C208-1684-ACC8-3CBE-6BA63A486D8D}"/>
+              </a:ext>
+            </a:extLst>
+          </p:cNvPr>
+          <p:cNvSpPr/>
+          <p:nvPr/>
+        </p:nvSpPr>
+        <p:spPr>
+          <a:xfrm>
+            <a:off x="7446241" y="4061428"/>
+            <a:ext cx="180000" cy="180000"/>
+          </a:xfrm>
+          <a:prstGeom prst="ellipse">
+            <a:avLst/>
+          </a:prstGeom>
+          <a:noFill/>
+          <a:ln w="28575">
+            <a:solidFill>
+              <a:schemeClr val="tx1"/>
+            </a:solidFill>
+          </a:ln>
+        </p:spPr>
+        <p:style>
+          <a:lnRef idx="2">
+            <a:schemeClr val="accent1">
+              <a:shade val="50000"/>
+            </a:schemeClr>
+          </a:lnRef>
+          <a:fillRef idx="1">
+            <a:schemeClr val="accent1"/>
+          </a:fillRef>
+          <a:effectRef idx="0">
+            <a:schemeClr val="accent1"/>
+          </a:effectRef>
+          <a:fontRef idx="minor">
+            <a:schemeClr val="lt1"/>
+          </a:fontRef>
+        </p:style>
+        <p:txBody>
+          <a:bodyPr lIns="0" tIns="0" rIns="0" bIns="0" rtlCol="0" anchor="ctr"/>
+          <a:lstStyle/>
+          <a:p>
+            <a:pPr algn="ctr"/>
+            <a:endParaRPr lang="fr-FR" sz="1400" b="1" baseline="-25000" dirty="0">
+              <a:solidFill>
+                <a:schemeClr val="tx1"/>
+              </a:solidFill>
+            </a:endParaRPr>
+          </a:p>
+        </p:txBody>
+      </p:sp>
+      <p:sp>
+        <p:nvSpPr>
+          <p:cNvPr id="7" name="Ellipse 6">
+            <a:extLst>
+              <a:ext uri="{FF2B5EF4-FFF2-40B4-BE49-F238E27FC236}">
+                <a16:creationId xmlns:a16="http://schemas.microsoft.com/office/drawing/2014/main" id="{966CAFC0-43D7-59DF-697C-3A842B0EA140}"/>
+              </a:ext>
+            </a:extLst>
+          </p:cNvPr>
+          <p:cNvSpPr/>
+          <p:nvPr/>
+        </p:nvSpPr>
+        <p:spPr>
+          <a:xfrm>
+            <a:off x="6816241" y="4511428"/>
+            <a:ext cx="1440000" cy="1440000"/>
+          </a:xfrm>
+          <a:prstGeom prst="ellipse">
+            <a:avLst/>
+          </a:prstGeom>
+          <a:noFill/>
+          <a:ln w="28575">
+            <a:solidFill>
+              <a:srgbClr val="0070C0"/>
+            </a:solidFill>
+          </a:ln>
+        </p:spPr>
+        <p:style>
+          <a:lnRef idx="2">
+            <a:schemeClr val="accent1">
+              <a:shade val="50000"/>
+            </a:schemeClr>
+          </a:lnRef>
+          <a:fillRef idx="1">
+            <a:schemeClr val="accent1"/>
+          </a:fillRef>
+          <a:effectRef idx="0">
+            <a:schemeClr val="accent1"/>
+          </a:effectRef>
+          <a:fontRef idx="minor">
+            <a:schemeClr val="lt1"/>
+          </a:fontRef>
+        </p:style>
+        <p:txBody>
+          <a:bodyPr lIns="0" tIns="0" rIns="0" bIns="0" rtlCol="0" anchor="ctr"/>
+          <a:lstStyle/>
+          <a:p>
+            <a:pPr algn="ctr"/>
+            <a:endParaRPr lang="fr-FR" sz="1050" b="1" dirty="0">
+              <a:solidFill>
+                <a:schemeClr val="tx1"/>
+              </a:solidFill>
+            </a:endParaRPr>
+          </a:p>
+        </p:txBody>
+      </p:sp>
+      <p:sp>
+        <p:nvSpPr>
+          <p:cNvPr id="8" name="Ellipse 7">
+            <a:extLst>
+              <a:ext uri="{FF2B5EF4-FFF2-40B4-BE49-F238E27FC236}">
+                <a16:creationId xmlns:a16="http://schemas.microsoft.com/office/drawing/2014/main" id="{A7C3EEA9-1D8B-514F-5946-8EAD29C0D4A7}"/>
+              </a:ext>
+            </a:extLst>
+          </p:cNvPr>
+          <p:cNvSpPr/>
+          <p:nvPr/>
+        </p:nvSpPr>
+        <p:spPr>
+          <a:xfrm>
+            <a:off x="7446241" y="5141428"/>
+            <a:ext cx="180000" cy="180000"/>
+          </a:xfrm>
+          <a:prstGeom prst="ellipse">
+            <a:avLst/>
+          </a:prstGeom>
+          <a:noFill/>
+          <a:ln w="28575">
+            <a:solidFill>
+              <a:schemeClr val="tx1"/>
+            </a:solidFill>
+          </a:ln>
+        </p:spPr>
+        <p:style>
+          <a:lnRef idx="2">
+            <a:schemeClr val="accent1">
+              <a:shade val="50000"/>
+            </a:schemeClr>
+          </a:lnRef>
+          <a:fillRef idx="1">
+            <a:schemeClr val="accent1"/>
+          </a:fillRef>
+          <a:effectRef idx="0">
+            <a:schemeClr val="accent1"/>
+          </a:effectRef>
+          <a:fontRef idx="minor">
+            <a:schemeClr val="lt1"/>
+          </a:fontRef>
+        </p:style>
+        <p:txBody>
+          <a:bodyPr lIns="0" tIns="0" rIns="0" bIns="0" rtlCol="0" anchor="ctr"/>
+          <a:lstStyle/>
+          <a:p>
+            <a:pPr algn="ctr"/>
+            <a:endParaRPr lang="fr-FR" sz="1400" b="1" baseline="-25000" dirty="0">
+              <a:solidFill>
+                <a:schemeClr val="tx1"/>
+              </a:solidFill>
+            </a:endParaRPr>
+          </a:p>
+        </p:txBody>
+      </p:sp>
+      <p:cxnSp>
+        <p:nvCxnSpPr>
+          <p:cNvPr id="11" name="Connecteur droit 10">
+            <a:extLst>
+              <a:ext uri="{FF2B5EF4-FFF2-40B4-BE49-F238E27FC236}">
+                <a16:creationId xmlns:a16="http://schemas.microsoft.com/office/drawing/2014/main" id="{201B1FCD-D09B-2C11-5B18-EB4CD069E514}"/>
+              </a:ext>
+            </a:extLst>
+          </p:cNvPr>
+          <p:cNvCxnSpPr>
+            <a:cxnSpLocks/>
+            <a:stCxn id="8" idx="3"/>
+            <a:endCxn id="7" idx="3"/>
+          </p:cNvCxnSpPr>
+          <p:nvPr/>
+        </p:nvCxnSpPr>
+        <p:spPr>
+          <a:xfrm flipH="1">
+            <a:off x="7027124" y="5295068"/>
+            <a:ext cx="445477" cy="445477"/>
+          </a:xfrm>
+          <a:prstGeom prst="line">
+            <a:avLst/>
+          </a:prstGeom>
+          <a:solidFill>
+            <a:srgbClr val="00B050"/>
+          </a:solidFill>
+          <a:ln w="28575">
+            <a:solidFill>
+              <a:srgbClr val="0070C0"/>
+            </a:solidFill>
+          </a:ln>
+        </p:spPr>
+        <p:style>
+          <a:lnRef idx="2">
+            <a:schemeClr val="accent1">
+              <a:shade val="50000"/>
+            </a:schemeClr>
+          </a:lnRef>
+          <a:fillRef idx="1">
+            <a:schemeClr val="accent1"/>
+          </a:fillRef>
+          <a:effectRef idx="0">
+            <a:schemeClr val="accent1"/>
+          </a:effectRef>
+          <a:fontRef idx="minor">
+            <a:schemeClr val="lt1"/>
+          </a:fontRef>
+        </p:style>
+      </p:cxnSp>
+      <p:cxnSp>
+        <p:nvCxnSpPr>
+          <p:cNvPr id="14" name="Connecteur droit 13">
+            <a:extLst>
+              <a:ext uri="{FF2B5EF4-FFF2-40B4-BE49-F238E27FC236}">
+                <a16:creationId xmlns:a16="http://schemas.microsoft.com/office/drawing/2014/main" id="{24E66F0F-F5C2-4EB5-3D1E-D15343FD009F}"/>
+              </a:ext>
+            </a:extLst>
+          </p:cNvPr>
+          <p:cNvCxnSpPr>
+            <a:cxnSpLocks/>
+            <a:stCxn id="5" idx="3"/>
+            <a:endCxn id="4" idx="3"/>
+          </p:cNvCxnSpPr>
+          <p:nvPr/>
+        </p:nvCxnSpPr>
+        <p:spPr>
+          <a:xfrm flipH="1">
+            <a:off x="7281683" y="4215068"/>
+            <a:ext cx="190918" cy="190918"/>
+          </a:xfrm>
+          <a:prstGeom prst="line">
+            <a:avLst/>
+          </a:prstGeom>
+          <a:solidFill>
+            <a:srgbClr val="00B050"/>
+          </a:solidFill>
+          <a:ln w="28575">
+            <a:solidFill>
+              <a:srgbClr val="00B050"/>
+            </a:solidFill>
+          </a:ln>
+        </p:spPr>
+        <p:style>
+          <a:lnRef idx="2">
+            <a:schemeClr val="accent1">
+              <a:shade val="50000"/>
+            </a:schemeClr>
+          </a:lnRef>
+          <a:fillRef idx="1">
+            <a:schemeClr val="accent1"/>
+          </a:fillRef>
+          <a:effectRef idx="0">
+            <a:schemeClr val="accent1"/>
+          </a:effectRef>
+          <a:fontRef idx="minor">
+            <a:schemeClr val="lt1"/>
+          </a:fontRef>
+        </p:style>
+      </p:cxnSp>
+      <p:cxnSp>
+        <p:nvCxnSpPr>
+          <p:cNvPr id="19" name="Connecteur droit 18">
+            <a:extLst>
+              <a:ext uri="{FF2B5EF4-FFF2-40B4-BE49-F238E27FC236}">
+                <a16:creationId xmlns:a16="http://schemas.microsoft.com/office/drawing/2014/main" id="{ACF2E2AB-1A55-BD9F-5953-12DBBD847F9B}"/>
+              </a:ext>
+            </a:extLst>
+          </p:cNvPr>
+          <p:cNvCxnSpPr>
+            <a:cxnSpLocks/>
+            <a:stCxn id="5" idx="4"/>
+            <a:endCxn id="8" idx="0"/>
+          </p:cNvCxnSpPr>
+          <p:nvPr/>
+        </p:nvCxnSpPr>
+        <p:spPr>
+          <a:xfrm>
+            <a:off x="7536241" y="4241428"/>
+            <a:ext cx="0" cy="900000"/>
+          </a:xfrm>
+          <a:prstGeom prst="line">
+            <a:avLst/>
+          </a:prstGeom>
+          <a:noFill/>
+          <a:ln w="28575">
+            <a:solidFill>
+              <a:schemeClr val="tx1"/>
+            </a:solidFill>
+          </a:ln>
+        </p:spPr>
+        <p:style>
+          <a:lnRef idx="2">
+            <a:schemeClr val="accent1">
+              <a:shade val="50000"/>
+            </a:schemeClr>
+          </a:lnRef>
+          <a:fillRef idx="1">
+            <a:schemeClr val="accent1"/>
+          </a:fillRef>
+          <a:effectRef idx="0">
+            <a:schemeClr val="accent1"/>
+          </a:effectRef>
+          <a:fontRef idx="minor">
+            <a:schemeClr val="lt1"/>
+          </a:fontRef>
+        </p:style>
+      </p:cxnSp>
+      <p:sp>
+        <p:nvSpPr>
+          <p:cNvPr id="83" name="Ellipse 82">
+            <a:extLst>
+              <a:ext uri="{FF2B5EF4-FFF2-40B4-BE49-F238E27FC236}">
+                <a16:creationId xmlns:a16="http://schemas.microsoft.com/office/drawing/2014/main" id="{2D3781CD-84FA-F2B5-68CF-7D86D6C9AADE}"/>
+              </a:ext>
+            </a:extLst>
+          </p:cNvPr>
+          <p:cNvSpPr/>
+          <p:nvPr/>
+        </p:nvSpPr>
+        <p:spPr>
+          <a:xfrm>
+            <a:off x="6872613" y="5091469"/>
+            <a:ext cx="288000" cy="288000"/>
+          </a:xfrm>
+          <a:prstGeom prst="ellipse">
+            <a:avLst/>
+          </a:prstGeom>
+          <a:noFill/>
+          <a:ln w="19050">
+            <a:solidFill>
+              <a:srgbClr val="0070C0"/>
+            </a:solidFill>
+          </a:ln>
+        </p:spPr>
+        <p:style>
+          <a:lnRef idx="2">
+            <a:schemeClr val="accent1">
+              <a:shade val="50000"/>
+            </a:schemeClr>
+          </a:lnRef>
+          <a:fillRef idx="1">
+            <a:schemeClr val="accent1"/>
+          </a:fillRef>
+          <a:effectRef idx="0">
+            <a:schemeClr val="accent1"/>
+          </a:effectRef>
+          <a:fontRef idx="minor">
+            <a:schemeClr val="lt1"/>
+          </a:fontRef>
+        </p:style>
+        <p:txBody>
+          <a:bodyPr lIns="0" tIns="0" rIns="0" bIns="0" rtlCol="0" anchor="ctr"/>
+          <a:lstStyle/>
+          <a:p>
+            <a:pPr algn="ctr"/>
+            <a:r>
+              <a:rPr lang="fr-FR" sz="1050" b="1" dirty="0">
+                <a:solidFill>
+                  <a:schemeClr val="tx1"/>
+                </a:solidFill>
+              </a:rPr>
+              <a:t>J</a:t>
+            </a:r>
+            <a:r>
+              <a:rPr lang="fr-FR" sz="1050" b="1" baseline="-25000" dirty="0">
+                <a:solidFill>
+                  <a:schemeClr val="tx1"/>
+                </a:solidFill>
+              </a:rPr>
+              <a:t>2</a:t>
+            </a:r>
+            <a:endParaRPr lang="fr-FR" sz="1400" b="1" baseline="-25000" dirty="0">
+              <a:solidFill>
+                <a:schemeClr val="tx1"/>
+              </a:solidFill>
+            </a:endParaRPr>
+          </a:p>
+        </p:txBody>
+      </p:sp>
+      <p:grpSp>
+        <p:nvGrpSpPr>
+          <p:cNvPr id="6" name="Groupe 5"/>
+          <p:cNvGrpSpPr/>
+          <p:nvPr/>
+        </p:nvGrpSpPr>
+        <p:grpSpPr>
+          <a:xfrm>
+            <a:off x="8045358" y="3506074"/>
+            <a:ext cx="1799824" cy="1799824"/>
+            <a:chOff x="8001869" y="3450528"/>
+            <a:chExt cx="1799824" cy="1799824"/>
+          </a:xfrm>
+        </p:grpSpPr>
+        <p:sp>
+          <p:nvSpPr>
+            <p:cNvPr id="44" name="Ellipse 43">
+              <a:extLst>
+                <a:ext uri="{FF2B5EF4-FFF2-40B4-BE49-F238E27FC236}">
+                  <a16:creationId xmlns:a16="http://schemas.microsoft.com/office/drawing/2014/main" id="{966CAFC0-43D7-59DF-697C-3A842B0EA140}"/>
+                </a:ext>
+              </a:extLst>
+            </p:cNvPr>
+            <p:cNvSpPr/>
+            <p:nvPr/>
+          </p:nvSpPr>
+          <p:spPr>
+            <a:xfrm>
+              <a:off x="8001869" y="3450528"/>
+              <a:ext cx="1799824" cy="1799824"/>
+            </a:xfrm>
+            <a:prstGeom prst="ellipse">
+              <a:avLst/>
+            </a:prstGeom>
+            <a:noFill/>
+            <a:ln w="28575">
+              <a:solidFill>
+                <a:srgbClr val="C00000"/>
+              </a:solidFill>
+            </a:ln>
+          </p:spPr>
+          <p:style>
+            <a:lnRef idx="2">
+              <a:schemeClr val="accent1">
+                <a:shade val="50000"/>
+              </a:schemeClr>
+            </a:lnRef>
+            <a:fillRef idx="1">
+              <a:schemeClr val="accent1"/>
+            </a:fillRef>
+            <a:effectRef idx="0">
+              <a:schemeClr val="accent1"/>
+            </a:effectRef>
+            <a:fontRef idx="minor">
+              <a:schemeClr val="lt1"/>
+            </a:fontRef>
+          </p:style>
+          <p:txBody>
+            <a:bodyPr lIns="0" tIns="0" rIns="0" bIns="0" rtlCol="0" anchor="t" anchorCtr="0"/>
+            <a:lstStyle/>
+            <a:p>
+              <a:pPr algn="ctr"/>
+              <a:endParaRPr lang="fr-FR" sz="2000" b="1" baseline="-25000" dirty="0">
+                <a:solidFill>
+                  <a:schemeClr val="tx1"/>
+                </a:solidFill>
+              </a:endParaRPr>
+            </a:p>
+          </p:txBody>
+        </p:sp>
+        <p:sp>
+          <p:nvSpPr>
+            <p:cNvPr id="45" name="Ellipse 44">
+              <a:extLst>
+                <a:ext uri="{FF2B5EF4-FFF2-40B4-BE49-F238E27FC236}">
+                  <a16:creationId xmlns:a16="http://schemas.microsoft.com/office/drawing/2014/main" id="{7074C208-1684-ACC8-3CBE-6BA63A486D8D}"/>
+                </a:ext>
+              </a:extLst>
+            </p:cNvPr>
+            <p:cNvSpPr/>
+            <p:nvPr/>
+          </p:nvSpPr>
+          <p:spPr>
+            <a:xfrm>
+              <a:off x="8811781" y="4260440"/>
+              <a:ext cx="180000" cy="180000"/>
+            </a:xfrm>
+            <a:prstGeom prst="ellipse">
+              <a:avLst/>
+            </a:prstGeom>
+            <a:noFill/>
+            <a:ln w="28575">
+              <a:solidFill>
+                <a:schemeClr val="tx1"/>
+              </a:solidFill>
+            </a:ln>
+          </p:spPr>
+          <p:style>
+            <a:lnRef idx="2">
+              <a:schemeClr val="accent1">
+                <a:shade val="50000"/>
+              </a:schemeClr>
+            </a:lnRef>
+            <a:fillRef idx="1">
+              <a:schemeClr val="accent1"/>
+            </a:fillRef>
+            <a:effectRef idx="0">
+              <a:schemeClr val="accent1"/>
+            </a:effectRef>
+            <a:fontRef idx="minor">
+              <a:schemeClr val="lt1"/>
+            </a:fontRef>
+          </p:style>
+          <p:txBody>
+            <a:bodyPr lIns="0" tIns="0" rIns="0" bIns="0" rtlCol="0" anchor="ctr"/>
+            <a:lstStyle/>
+            <a:p>
+              <a:pPr algn="ctr"/>
+              <a:endParaRPr lang="fr-FR" sz="1400" b="1" baseline="-25000" dirty="0">
+                <a:solidFill>
+                  <a:schemeClr val="tx1"/>
+                </a:solidFill>
+              </a:endParaRPr>
+            </a:p>
+          </p:txBody>
+        </p:sp>
+      </p:grpSp>
+      <p:cxnSp>
+        <p:nvCxnSpPr>
+          <p:cNvPr id="48" name="Connecteur droit 47">
+            <a:extLst>
+              <a:ext uri="{FF2B5EF4-FFF2-40B4-BE49-F238E27FC236}">
+                <a16:creationId xmlns:a16="http://schemas.microsoft.com/office/drawing/2014/main" id="{201B1FCD-D09B-2C11-5B18-EB4CD069E514}"/>
+              </a:ext>
+            </a:extLst>
+          </p:cNvPr>
+          <p:cNvCxnSpPr>
+            <a:cxnSpLocks/>
+            <a:stCxn id="44" idx="5"/>
+            <a:endCxn id="45" idx="5"/>
+          </p:cNvCxnSpPr>
+          <p:nvPr/>
+        </p:nvCxnSpPr>
+        <p:spPr>
+          <a:xfrm flipH="1" flipV="1">
+            <a:off x="9008910" y="4469626"/>
+            <a:ext cx="572694" cy="572694"/>
+          </a:xfrm>
+          <a:prstGeom prst="line">
+            <a:avLst/>
+          </a:prstGeom>
+          <a:solidFill>
+            <a:srgbClr val="00B050"/>
+          </a:solidFill>
+          <a:ln w="28575">
+            <a:solidFill>
+              <a:srgbClr val="C00000"/>
+            </a:solidFill>
+          </a:ln>
+        </p:spPr>
+        <p:style>
+          <a:lnRef idx="2">
+            <a:schemeClr val="accent1">
+              <a:shade val="50000"/>
+            </a:schemeClr>
+          </a:lnRef>
+          <a:fillRef idx="1">
+            <a:schemeClr val="accent1"/>
+          </a:fillRef>
+          <a:effectRef idx="0">
+            <a:schemeClr val="accent1"/>
+          </a:effectRef>
+          <a:fontRef idx="minor">
+            <a:schemeClr val="lt1"/>
+          </a:fontRef>
+        </p:style>
+      </p:cxnSp>
+      <p:cxnSp>
+        <p:nvCxnSpPr>
+          <p:cNvPr id="52" name="Connecteur droit 51">
+            <a:extLst>
+              <a:ext uri="{FF2B5EF4-FFF2-40B4-BE49-F238E27FC236}">
+                <a16:creationId xmlns:a16="http://schemas.microsoft.com/office/drawing/2014/main" id="{ACF2E2AB-1A55-BD9F-5953-12DBBD847F9B}"/>
+              </a:ext>
+            </a:extLst>
+          </p:cNvPr>
+          <p:cNvCxnSpPr>
+            <a:cxnSpLocks/>
+            <a:stCxn id="5" idx="6"/>
+            <a:endCxn id="45" idx="1"/>
+          </p:cNvCxnSpPr>
+          <p:nvPr/>
+        </p:nvCxnSpPr>
+        <p:spPr>
+          <a:xfrm>
+            <a:off x="7626241" y="4151428"/>
+            <a:ext cx="1255389" cy="190918"/>
+          </a:xfrm>
+          <a:prstGeom prst="line">
+            <a:avLst/>
+          </a:prstGeom>
+          <a:noFill/>
+          <a:ln w="28575">
+            <a:solidFill>
+              <a:schemeClr val="tx1"/>
+            </a:solidFill>
+          </a:ln>
+        </p:spPr>
+        <p:style>
+          <a:lnRef idx="2">
+            <a:schemeClr val="accent1">
+              <a:shade val="50000"/>
+            </a:schemeClr>
+          </a:lnRef>
+          <a:fillRef idx="1">
+            <a:schemeClr val="accent1"/>
+          </a:fillRef>
+          <a:effectRef idx="0">
+            <a:schemeClr val="accent1"/>
+          </a:effectRef>
+          <a:fontRef idx="minor">
+            <a:schemeClr val="lt1"/>
+          </a:fontRef>
+        </p:style>
+      </p:cxnSp>
+      <p:cxnSp>
+        <p:nvCxnSpPr>
+          <p:cNvPr id="53" name="Connecteur droit 52">
+            <a:extLst>
+              <a:ext uri="{FF2B5EF4-FFF2-40B4-BE49-F238E27FC236}">
+                <a16:creationId xmlns:a16="http://schemas.microsoft.com/office/drawing/2014/main" id="{ACF2E2AB-1A55-BD9F-5953-12DBBD847F9B}"/>
+              </a:ext>
+            </a:extLst>
+          </p:cNvPr>
+          <p:cNvCxnSpPr>
+            <a:cxnSpLocks/>
+            <a:stCxn id="8" idx="6"/>
+            <a:endCxn id="45" idx="3"/>
+          </p:cNvCxnSpPr>
+          <p:nvPr/>
+        </p:nvCxnSpPr>
+        <p:spPr>
+          <a:xfrm flipV="1">
+            <a:off x="7626241" y="4469626"/>
+            <a:ext cx="1255389" cy="761802"/>
+          </a:xfrm>
+          <a:prstGeom prst="line">
+            <a:avLst/>
+          </a:prstGeom>
+          <a:noFill/>
+          <a:ln w="28575">
+            <a:solidFill>
+              <a:schemeClr val="tx1"/>
+            </a:solidFill>
+          </a:ln>
+        </p:spPr>
+        <p:style>
+          <a:lnRef idx="2">
+            <a:schemeClr val="accent1">
+              <a:shade val="50000"/>
+            </a:schemeClr>
+          </a:lnRef>
+          <a:fillRef idx="1">
+            <a:schemeClr val="accent1"/>
+          </a:fillRef>
+          <a:effectRef idx="0">
+            <a:schemeClr val="accent1"/>
+          </a:effectRef>
+          <a:fontRef idx="minor">
+            <a:schemeClr val="lt1"/>
+          </a:fontRef>
+        </p:style>
+      </p:cxnSp>
+      <p:sp>
+        <p:nvSpPr>
+          <p:cNvPr id="69" name="Ellipse 68">
+            <a:extLst>
+              <a:ext uri="{FF2B5EF4-FFF2-40B4-BE49-F238E27FC236}">
+                <a16:creationId xmlns:a16="http://schemas.microsoft.com/office/drawing/2014/main" id="{FD159754-8E15-DF17-5077-63C2B06D4FD9}"/>
+              </a:ext>
+            </a:extLst>
+          </p:cNvPr>
+          <p:cNvSpPr/>
+          <p:nvPr/>
+        </p:nvSpPr>
+        <p:spPr>
+          <a:xfrm>
+            <a:off x="8554599" y="3620066"/>
+            <a:ext cx="288000" cy="288000"/>
+          </a:xfrm>
+          <a:prstGeom prst="ellipse">
+            <a:avLst/>
+          </a:prstGeom>
+          <a:noFill/>
+          <a:ln w="19050">
+            <a:solidFill>
+              <a:srgbClr val="C00000"/>
+            </a:solidFill>
+          </a:ln>
+        </p:spPr>
+        <p:style>
+          <a:lnRef idx="2">
+            <a:schemeClr val="accent1">
+              <a:shade val="50000"/>
+            </a:schemeClr>
+          </a:lnRef>
+          <a:fillRef idx="1">
+            <a:schemeClr val="accent1"/>
+          </a:fillRef>
+          <a:effectRef idx="0">
+            <a:schemeClr val="accent1"/>
+          </a:effectRef>
+          <a:fontRef idx="minor">
+            <a:schemeClr val="lt1"/>
+          </a:fontRef>
+        </p:style>
+        <p:txBody>
+          <a:bodyPr lIns="0" tIns="0" rIns="0" bIns="0" rtlCol="0" anchor="ctr"/>
+          <a:lstStyle/>
+          <a:p>
+            <a:pPr algn="ctr"/>
+            <a:r>
+              <a:rPr lang="fr-FR" sz="1050" b="1" dirty="0" smtClean="0">
+                <a:solidFill>
+                  <a:schemeClr val="tx1"/>
+                </a:solidFill>
+              </a:rPr>
+              <a:t>J</a:t>
+            </a:r>
+            <a:r>
+              <a:rPr lang="fr-FR" sz="1050" b="1" baseline="-25000" dirty="0" smtClean="0">
+                <a:solidFill>
+                  <a:schemeClr val="tx1"/>
+                </a:solidFill>
+              </a:rPr>
+              <a:t>3</a:t>
+            </a:r>
+            <a:endParaRPr lang="fr-FR" sz="1400" b="1" baseline="-25000" dirty="0">
+              <a:solidFill>
+                <a:schemeClr val="tx1"/>
+              </a:solidFill>
+            </a:endParaRPr>
+          </a:p>
+        </p:txBody>
+      </p:sp>
+      <p:sp>
+        <p:nvSpPr>
+          <p:cNvPr id="70" name="Ellipse 69">
+            <a:extLst>
+              <a:ext uri="{FF2B5EF4-FFF2-40B4-BE49-F238E27FC236}">
+                <a16:creationId xmlns:a16="http://schemas.microsoft.com/office/drawing/2014/main" id="{02126A1B-0750-8867-5E61-38C554EB73FB}"/>
+              </a:ext>
+            </a:extLst>
+          </p:cNvPr>
+          <p:cNvSpPr/>
+          <p:nvPr/>
+        </p:nvSpPr>
+        <p:spPr>
+          <a:xfrm>
+            <a:off x="8879135" y="3674066"/>
+            <a:ext cx="180000" cy="180000"/>
+          </a:xfrm>
+          <a:prstGeom prst="ellipse">
+            <a:avLst/>
+          </a:prstGeom>
+          <a:noFill/>
+          <a:ln w="19050">
+            <a:solidFill>
+              <a:srgbClr val="C00000"/>
+            </a:solidFill>
+          </a:ln>
+        </p:spPr>
+        <p:style>
+          <a:lnRef idx="2">
+            <a:schemeClr val="accent1">
+              <a:shade val="50000"/>
+            </a:schemeClr>
+          </a:lnRef>
+          <a:fillRef idx="1">
+            <a:schemeClr val="accent1"/>
+          </a:fillRef>
+          <a:effectRef idx="0">
+            <a:schemeClr val="accent1"/>
+          </a:effectRef>
+          <a:fontRef idx="minor">
+            <a:schemeClr val="lt1"/>
+          </a:fontRef>
+        </p:style>
+        <p:txBody>
+          <a:bodyPr rtlCol="0" anchor="ctr"/>
+          <a:lstStyle/>
+          <a:p>
+            <a:pPr algn="ctr"/>
+            <a:r>
+              <a:rPr lang="fr-FR" sz="1050" b="1" dirty="0" smtClean="0">
+                <a:solidFill>
+                  <a:srgbClr val="C00000"/>
+                </a:solidFill>
+              </a:rPr>
+              <a:t>3</a:t>
+            </a:r>
+            <a:endParaRPr lang="fr-FR" sz="1400" b="1" dirty="0">
+              <a:solidFill>
+                <a:srgbClr val="C00000"/>
+              </a:solidFill>
+            </a:endParaRPr>
+          </a:p>
+        </p:txBody>
+      </p:sp>
+      <mc:AlternateContent xmlns:mc="http://schemas.openxmlformats.org/markup-compatibility/2006">
+        <mc:Choice xmlns:a14="http://schemas.microsoft.com/office/drawing/2010/main" Requires="a14">
+          <p:sp>
+            <p:nvSpPr>
+              <p:cNvPr id="73" name="ZoneTexte 72">
+                <a:extLst>
+                  <a:ext uri="{FF2B5EF4-FFF2-40B4-BE49-F238E27FC236}">
+                    <a16:creationId xmlns:a16="http://schemas.microsoft.com/office/drawing/2014/main" id="{1A987993-18AF-E90D-43E3-EC45C480C4C7}"/>
+                  </a:ext>
+                </a:extLst>
+              </p:cNvPr>
+              <p:cNvSpPr txBox="1"/>
+              <p:nvPr/>
+            </p:nvSpPr>
+            <p:spPr>
+              <a:xfrm>
+                <a:off x="9095671" y="3656344"/>
+                <a:ext cx="223394" cy="215444"/>
+              </a:xfrm>
+              <a:prstGeom prst="rect">
+                <a:avLst/>
+              </a:prstGeom>
+              <a:noFill/>
+            </p:spPr>
+            <p:txBody>
+              <a:bodyPr wrap="none" lIns="0" tIns="0" rIns="0" bIns="0" rtlCol="0">
+                <a:spAutoFit/>
+              </a:bodyPr>
+              <a:lstStyle/>
+              <a:p>
+                <a:pPr/>
+                <a14:m>
+                  <m:oMathPara xmlns:m="http://schemas.openxmlformats.org/officeDocument/2006/math">
+                    <m:oMathParaPr>
+                      <m:jc m:val="centerGroup"/>
+                    </m:oMathParaPr>
+                    <m:oMath xmlns:m="http://schemas.openxmlformats.org/officeDocument/2006/math">
+                      <m:sSub>
+                        <m:sSubPr>
+                          <m:ctrlPr>
+                            <a:rPr lang="fr-FR" sz="1400" b="0" i="1" smtClean="0">
+                              <a:latin typeface="Cambria Math" panose="02040503050406030204" pitchFamily="18" charset="0"/>
+                            </a:rPr>
+                          </m:ctrlPr>
+                        </m:sSubPr>
+                        <m:e>
+                          <m:r>
+                            <a:rPr lang="fr-FR" sz="1400" b="0" i="1" smtClean="0">
+                              <a:latin typeface="Cambria Math" panose="02040503050406030204" pitchFamily="18" charset="0"/>
+                            </a:rPr>
+                            <m:t>𝑍</m:t>
+                          </m:r>
+                        </m:e>
+                        <m:sub>
+                          <m:r>
+                            <a:rPr lang="fr-FR" sz="1400" b="0" i="1" smtClean="0">
+                              <a:latin typeface="Cambria Math" panose="02040503050406030204" pitchFamily="18" charset="0"/>
+                            </a:rPr>
+                            <m:t>3</m:t>
+                          </m:r>
+                        </m:sub>
+                      </m:sSub>
+                    </m:oMath>
+                  </m:oMathPara>
+                </a14:m>
+                <a:endParaRPr lang="fr-FR" sz="1400" dirty="0"/>
+              </a:p>
+            </p:txBody>
+          </p:sp>
+        </mc:Choice>
+        <mc:Fallback>
+          <p:sp>
+            <p:nvSpPr>
+              <p:cNvPr id="73" name="ZoneTexte 72">
+                <a:extLst>
+                  <a:ext uri="{FF2B5EF4-FFF2-40B4-BE49-F238E27FC236}">
+                    <a16:creationId xmlns:a16="http://schemas.microsoft.com/office/drawing/2014/main" id="{1A987993-18AF-E90D-43E3-EC45C480C4C7}"/>
+                  </a:ext>
+                </a:extLst>
+              </p:cNvPr>
+              <p:cNvSpPr txBox="1">
+                <a:spLocks noRot="1" noChangeAspect="1" noMove="1" noResize="1" noEditPoints="1" noAdjustHandles="1" noChangeArrowheads="1" noChangeShapeType="1" noTextEdit="1"/>
+              </p:cNvSpPr>
+              <p:nvPr/>
+            </p:nvSpPr>
+            <p:spPr>
+              <a:xfrm>
+                <a:off x="9095671" y="3656344"/>
+                <a:ext cx="223394" cy="215444"/>
+              </a:xfrm>
+              <a:prstGeom prst="rect">
+                <a:avLst/>
+              </a:prstGeom>
+              <a:blipFill>
+                <a:blip r:embed="rId4"/>
+                <a:stretch>
+                  <a:fillRect l="-18919" r="-2703" b="-14286"/>
+                </a:stretch>
+              </a:blipFill>
+            </p:spPr>
+            <p:txBody>
+              <a:bodyPr/>
+              <a:lstStyle/>
+              <a:p>
+                <a:r>
+                  <a:rPr lang="fr-FR">
+                    <a:noFill/>
+                  </a:rPr>
+                  <a:t> </a:t>
+                </a:r>
+              </a:p>
+            </p:txBody>
+          </p:sp>
+        </mc:Fallback>
+      </mc:AlternateContent>
+    </p:spTree>
+    <p:extLst>
+      <p:ext uri="{BB962C8B-B14F-4D97-AF65-F5344CB8AC3E}">
+        <p14:creationId xmlns:p14="http://schemas.microsoft.com/office/powerpoint/2010/main" val="1075412304"/>
+      </p:ext>
+    </p:extLst>
+  </p:cSld>
+  <p:clrMapOvr>
+    <a:masterClrMapping/>
+  </p:clrMapOvr>
+</p:sld>
+</file>
+
+<file path=ppt/slides/slide9.xml><?xml version="1.0" encoding="utf-8"?>
+<p:sld xmlns:a="http://schemas.openxmlformats.org/drawingml/2006/main" xmlns:r="http://schemas.openxmlformats.org/officeDocument/2006/relationships" xmlns:p="http://schemas.openxmlformats.org/presentationml/2006/main">
+  <p:cSld>
+    <p:spTree>
+      <p:nvGrpSpPr>
+        <p:cNvPr id="1" name=""/>
+        <p:cNvGrpSpPr/>
+        <p:nvPr/>
+      </p:nvGrpSpPr>
+      <p:grpSpPr>
+        <a:xfrm>
+          <a:off x="0" y="0"/>
+          <a:ext cx="0" cy="0"/>
+          <a:chOff x="0" y="0"/>
+          <a:chExt cx="0" cy="0"/>
+        </a:xfrm>
+      </p:grpSpPr>
+      <p:sp>
+        <p:nvSpPr>
+          <p:cNvPr id="2" name="Titre 1"/>
+          <p:cNvSpPr>
+            <a:spLocks noGrp="1"/>
+          </p:cNvSpPr>
+          <p:nvPr>
+            <p:ph type="title"/>
+          </p:nvPr>
+        </p:nvSpPr>
+        <p:spPr/>
+        <p:txBody>
+          <a:bodyPr/>
+          <a:lstStyle/>
+          <a:p>
+            <a:endParaRPr lang="fr-FR"/>
+          </a:p>
+        </p:txBody>
+      </p:sp>
+      <p:sp>
+        <p:nvSpPr>
+          <p:cNvPr id="3" name="Espace réservé du contenu 2"/>
+          <p:cNvSpPr>
+            <a:spLocks noGrp="1"/>
+          </p:cNvSpPr>
+          <p:nvPr>
+            <p:ph idx="1"/>
+          </p:nvPr>
+        </p:nvSpPr>
+        <p:spPr/>
+        <p:txBody>
+          <a:bodyPr/>
+          <a:lstStyle/>
+          <a:p>
+            <a:endParaRPr lang="fr-FR"/>
+          </a:p>
+        </p:txBody>
+      </p:sp>
+    </p:spTree>
+    <p:extLst>
+      <p:ext uri="{BB962C8B-B14F-4D97-AF65-F5344CB8AC3E}">
+        <p14:creationId xmlns:p14="http://schemas.microsoft.com/office/powerpoint/2010/main" val="4234872625"/>
+      </p:ext>
+    </p:extLst>
+  </p:cSld>
+  <p:clrMapOvr>
+    <a:masterClrMapping/>
+  </p:clrMapOvr>
+</p:sld>
+</file>
+
 <file path=ppt/theme/theme1.xml><?xml version="1.0" encoding="utf-8"?>
 <a:theme xmlns:a="http://schemas.openxmlformats.org/drawingml/2006/main" name="Thème Office">
   <a:themeElements>

--- a/xx_Figures/Transmetteurs.pptx
+++ b/xx_Figures/Transmetteurs.pptx
@@ -11,9 +11,10 @@
     <p:sldId id="327" r:id="rId5"/>
     <p:sldId id="328" r:id="rId6"/>
     <p:sldId id="329" r:id="rId7"/>
-    <p:sldId id="332" r:id="rId8"/>
-    <p:sldId id="333" r:id="rId9"/>
-    <p:sldId id="331" r:id="rId10"/>
+    <p:sldId id="334" r:id="rId8"/>
+    <p:sldId id="332" r:id="rId9"/>
+    <p:sldId id="333" r:id="rId10"/>
+    <p:sldId id="331" r:id="rId11"/>
   </p:sldIdLst>
   <p:sldSz cx="12192000" cy="6858000"/>
   <p:notesSz cx="6858000" cy="9144000"/>
@@ -3399,6 +3400,36 @@
     <p:extLst>
       <p:ext uri="{BB962C8B-B14F-4D97-AF65-F5344CB8AC3E}">
         <p14:creationId xmlns:p14="http://schemas.microsoft.com/office/powerpoint/2010/main" val="1650618196"/>
+      </p:ext>
+    </p:extLst>
+  </p:cSld>
+  <p:clrMapOvr>
+    <a:masterClrMapping/>
+  </p:clrMapOvr>
+</p:sld>
+</file>
+
+<file path=ppt/slides/slide10.xml><?xml version="1.0" encoding="utf-8"?>
+<p:sld xmlns:a="http://schemas.openxmlformats.org/drawingml/2006/main" xmlns:r="http://schemas.openxmlformats.org/officeDocument/2006/relationships" xmlns:p="http://schemas.openxmlformats.org/presentationml/2006/main">
+  <p:cSld>
+    <p:spTree>
+      <p:nvGrpSpPr>
+        <p:cNvPr id="1" name=""/>
+        <p:cNvGrpSpPr/>
+        <p:nvPr/>
+      </p:nvGrpSpPr>
+      <p:grpSpPr>
+        <a:xfrm>
+          <a:off x="0" y="0"/>
+          <a:ext cx="0" cy="0"/>
+          <a:chOff x="0" y="0"/>
+          <a:chExt cx="0" cy="0"/>
+        </a:xfrm>
+      </p:grpSpPr>
+    </p:spTree>
+    <p:extLst>
+      <p:ext uri="{BB962C8B-B14F-4D97-AF65-F5344CB8AC3E}">
+        <p14:creationId xmlns:p14="http://schemas.microsoft.com/office/powerpoint/2010/main" val="4234872625"/>
       </p:ext>
     </p:extLst>
   </p:cSld>
@@ -14044,6 +14075,2121 @@
           <a:chExt cx="0" cy="0"/>
         </a:xfrm>
       </p:grpSpPr>
+      <p:grpSp>
+        <p:nvGrpSpPr>
+          <p:cNvPr id="31" name="Groupe 30">
+            <a:extLst>
+              <a:ext uri="{FF2B5EF4-FFF2-40B4-BE49-F238E27FC236}">
+                <a16:creationId xmlns:a16="http://schemas.microsoft.com/office/drawing/2014/main" id="{1B0C2855-FBC1-651A-6A6C-5A66E5699475}"/>
+              </a:ext>
+            </a:extLst>
+          </p:cNvPr>
+          <p:cNvGrpSpPr/>
+          <p:nvPr/>
+        </p:nvGrpSpPr>
+        <p:grpSpPr>
+          <a:xfrm rot="5400000">
+            <a:off x="6840784" y="3761996"/>
+            <a:ext cx="432048" cy="778866"/>
+            <a:chOff x="3998383" y="3002125"/>
+            <a:chExt cx="432048" cy="778866"/>
+          </a:xfrm>
+        </p:grpSpPr>
+        <p:sp>
+          <p:nvSpPr>
+            <p:cNvPr id="49" name="Forme libre : forme 48">
+              <a:extLst>
+                <a:ext uri="{FF2B5EF4-FFF2-40B4-BE49-F238E27FC236}">
+                  <a16:creationId xmlns:a16="http://schemas.microsoft.com/office/drawing/2014/main" id="{C90DDB29-ABD7-6BC0-79DE-81B180730FBF}"/>
+                </a:ext>
+              </a:extLst>
+            </p:cNvPr>
+            <p:cNvSpPr/>
+            <p:nvPr/>
+          </p:nvSpPr>
+          <p:spPr>
+            <a:xfrm>
+              <a:off x="4014976" y="3635065"/>
+              <a:ext cx="415449" cy="145926"/>
+            </a:xfrm>
+            <a:custGeom>
+              <a:avLst/>
+              <a:gdLst>
+                <a:gd name="connsiteX0" fmla="*/ 0 w 400050"/>
+                <a:gd name="connsiteY0" fmla="*/ 6350 h 134622"/>
+                <a:gd name="connsiteX1" fmla="*/ 63500 w 400050"/>
+                <a:gd name="connsiteY1" fmla="*/ 114300 h 134622"/>
+                <a:gd name="connsiteX2" fmla="*/ 203200 w 400050"/>
+                <a:gd name="connsiteY2" fmla="*/ 69850 h 134622"/>
+                <a:gd name="connsiteX3" fmla="*/ 304800 w 400050"/>
+                <a:gd name="connsiteY3" fmla="*/ 133350 h 134622"/>
+                <a:gd name="connsiteX4" fmla="*/ 400050 w 400050"/>
+                <a:gd name="connsiteY4" fmla="*/ 0 h 134622"/>
+              </a:gdLst>
+              <a:ahLst/>
+              <a:cxnLst>
+                <a:cxn ang="0">
+                  <a:pos x="connsiteX0" y="connsiteY0"/>
+                </a:cxn>
+                <a:cxn ang="0">
+                  <a:pos x="connsiteX1" y="connsiteY1"/>
+                </a:cxn>
+                <a:cxn ang="0">
+                  <a:pos x="connsiteX2" y="connsiteY2"/>
+                </a:cxn>
+                <a:cxn ang="0">
+                  <a:pos x="connsiteX3" y="connsiteY3"/>
+                </a:cxn>
+                <a:cxn ang="0">
+                  <a:pos x="connsiteX4" y="connsiteY4"/>
+                </a:cxn>
+              </a:cxnLst>
+              <a:rect l="l" t="t" r="r" b="b"/>
+              <a:pathLst>
+                <a:path w="400050" h="134622">
+                  <a:moveTo>
+                    <a:pt x="0" y="6350"/>
+                  </a:moveTo>
+                  <a:cubicBezTo>
+                    <a:pt x="14816" y="55033"/>
+                    <a:pt x="29633" y="103717"/>
+                    <a:pt x="63500" y="114300"/>
+                  </a:cubicBezTo>
+                  <a:cubicBezTo>
+                    <a:pt x="97367" y="124883"/>
+                    <a:pt x="162983" y="66675"/>
+                    <a:pt x="203200" y="69850"/>
+                  </a:cubicBezTo>
+                  <a:cubicBezTo>
+                    <a:pt x="243417" y="73025"/>
+                    <a:pt x="271992" y="144992"/>
+                    <a:pt x="304800" y="133350"/>
+                  </a:cubicBezTo>
+                  <a:cubicBezTo>
+                    <a:pt x="337608" y="121708"/>
+                    <a:pt x="368829" y="60854"/>
+                    <a:pt x="400050" y="0"/>
+                  </a:cubicBezTo>
+                </a:path>
+              </a:pathLst>
+            </a:custGeom>
+            <a:solidFill>
+              <a:schemeClr val="bg1">
+                <a:lumMod val="85000"/>
+              </a:schemeClr>
+            </a:solidFill>
+            <a:ln w="19050">
+              <a:solidFill>
+                <a:schemeClr val="tx1"/>
+              </a:solidFill>
+            </a:ln>
+          </p:spPr>
+          <p:style>
+            <a:lnRef idx="2">
+              <a:schemeClr val="accent1">
+                <a:shade val="50000"/>
+              </a:schemeClr>
+            </a:lnRef>
+            <a:fillRef idx="1">
+              <a:schemeClr val="accent1"/>
+            </a:fillRef>
+            <a:effectRef idx="0">
+              <a:schemeClr val="accent1"/>
+            </a:effectRef>
+            <a:fontRef idx="minor">
+              <a:schemeClr val="lt1"/>
+            </a:fontRef>
+          </p:style>
+          <p:txBody>
+            <a:bodyPr rtlCol="0" anchor="ctr"/>
+            <a:lstStyle/>
+            <a:p>
+              <a:pPr algn="ctr"/>
+              <a:endParaRPr lang="fr-FR" b="1"/>
+            </a:p>
+          </p:txBody>
+        </p:sp>
+        <p:cxnSp>
+          <p:nvCxnSpPr>
+            <p:cNvPr id="50" name="Connecteur droit 49">
+              <a:extLst>
+                <a:ext uri="{FF2B5EF4-FFF2-40B4-BE49-F238E27FC236}">
+                  <a16:creationId xmlns:a16="http://schemas.microsoft.com/office/drawing/2014/main" id="{AF1FE62E-43DC-F193-AE07-9202FDC05C8A}"/>
+                </a:ext>
+              </a:extLst>
+            </p:cNvPr>
+            <p:cNvCxnSpPr>
+              <a:cxnSpLocks/>
+              <a:stCxn id="5" idx="2"/>
+            </p:cNvCxnSpPr>
+            <p:nvPr/>
+          </p:nvCxnSpPr>
+          <p:spPr>
+            <a:xfrm rot="16200000" flipH="1">
+              <a:off x="3897938" y="3318594"/>
+              <a:ext cx="632939" cy="2"/>
+            </a:xfrm>
+            <a:prstGeom prst="line">
+              <a:avLst/>
+            </a:prstGeom>
+            <a:noFill/>
+            <a:ln w="28575">
+              <a:solidFill>
+                <a:schemeClr val="tx1"/>
+              </a:solidFill>
+            </a:ln>
+          </p:spPr>
+          <p:style>
+            <a:lnRef idx="2">
+              <a:schemeClr val="accent1">
+                <a:shade val="50000"/>
+              </a:schemeClr>
+            </a:lnRef>
+            <a:fillRef idx="1">
+              <a:schemeClr val="accent1"/>
+            </a:fillRef>
+            <a:effectRef idx="0">
+              <a:schemeClr val="accent1"/>
+            </a:effectRef>
+            <a:fontRef idx="minor">
+              <a:schemeClr val="lt1"/>
+            </a:fontRef>
+          </p:style>
+        </p:cxnSp>
+        <p:cxnSp>
+          <p:nvCxnSpPr>
+            <p:cNvPr id="51" name="Connecteur droit 50">
+              <a:extLst>
+                <a:ext uri="{FF2B5EF4-FFF2-40B4-BE49-F238E27FC236}">
+                  <a16:creationId xmlns:a16="http://schemas.microsoft.com/office/drawing/2014/main" id="{A7536D6D-71EC-E5C2-78B8-B02EAC5E2DDE}"/>
+                </a:ext>
+              </a:extLst>
+            </p:cNvPr>
+            <p:cNvCxnSpPr>
+              <a:cxnSpLocks/>
+            </p:cNvCxnSpPr>
+            <p:nvPr/>
+          </p:nvCxnSpPr>
+          <p:spPr>
+            <a:xfrm flipH="1">
+              <a:off x="3998383" y="3638885"/>
+              <a:ext cx="432048" cy="0"/>
+            </a:xfrm>
+            <a:prstGeom prst="line">
+              <a:avLst/>
+            </a:prstGeom>
+            <a:noFill/>
+            <a:ln w="28575">
+              <a:solidFill>
+                <a:schemeClr val="tx1"/>
+              </a:solidFill>
+            </a:ln>
+          </p:spPr>
+          <p:style>
+            <a:lnRef idx="2">
+              <a:schemeClr val="accent1">
+                <a:shade val="50000"/>
+              </a:schemeClr>
+            </a:lnRef>
+            <a:fillRef idx="1">
+              <a:schemeClr val="accent1"/>
+            </a:fillRef>
+            <a:effectRef idx="0">
+              <a:schemeClr val="accent1"/>
+            </a:effectRef>
+            <a:fontRef idx="minor">
+              <a:schemeClr val="lt1"/>
+            </a:fontRef>
+          </p:style>
+        </p:cxnSp>
+      </p:grpSp>
+      <p:sp>
+        <p:nvSpPr>
+          <p:cNvPr id="9" name="ZoneTexte 8">
+            <a:extLst>
+              <a:ext uri="{FF2B5EF4-FFF2-40B4-BE49-F238E27FC236}">
+                <a16:creationId xmlns:a16="http://schemas.microsoft.com/office/drawing/2014/main" id="{069D0BF8-DDC2-F229-7C4A-FA03EC066359}"/>
+              </a:ext>
+            </a:extLst>
+          </p:cNvPr>
+          <p:cNvSpPr txBox="1"/>
+          <p:nvPr/>
+        </p:nvSpPr>
+        <p:spPr>
+          <a:xfrm>
+            <a:off x="6371359" y="3176630"/>
+            <a:ext cx="65" cy="184666"/>
+          </a:xfrm>
+          <a:prstGeom prst="rect">
+            <a:avLst/>
+          </a:prstGeom>
+          <a:noFill/>
+        </p:spPr>
+        <p:txBody>
+          <a:bodyPr wrap="none" lIns="0" tIns="0" rIns="0" bIns="0" rtlCol="0">
+            <a:spAutoFit/>
+          </a:bodyPr>
+          <a:lstStyle/>
+          <a:p>
+            <a:endParaRPr lang="fr-FR" sz="1200" b="1" dirty="0"/>
+          </a:p>
+        </p:txBody>
+      </p:sp>
+      <p:sp>
+        <p:nvSpPr>
+          <p:cNvPr id="10" name="Ellipse 9">
+            <a:extLst>
+              <a:ext uri="{FF2B5EF4-FFF2-40B4-BE49-F238E27FC236}">
+                <a16:creationId xmlns:a16="http://schemas.microsoft.com/office/drawing/2014/main" id="{3B4C3FB9-D713-E464-2165-7123B8C6B7E6}"/>
+              </a:ext>
+            </a:extLst>
+          </p:cNvPr>
+          <p:cNvSpPr/>
+          <p:nvPr/>
+        </p:nvSpPr>
+        <p:spPr>
+          <a:xfrm>
+            <a:off x="6854482" y="3918708"/>
+            <a:ext cx="180000" cy="180000"/>
+          </a:xfrm>
+          <a:prstGeom prst="ellipse">
+            <a:avLst/>
+          </a:prstGeom>
+          <a:noFill/>
+          <a:ln w="19050">
+            <a:solidFill>
+              <a:schemeClr val="tx1"/>
+            </a:solidFill>
+          </a:ln>
+        </p:spPr>
+        <p:style>
+          <a:lnRef idx="2">
+            <a:schemeClr val="accent1">
+              <a:shade val="50000"/>
+            </a:schemeClr>
+          </a:lnRef>
+          <a:fillRef idx="1">
+            <a:schemeClr val="accent1"/>
+          </a:fillRef>
+          <a:effectRef idx="0">
+            <a:schemeClr val="accent1"/>
+          </a:effectRef>
+          <a:fontRef idx="minor">
+            <a:schemeClr val="lt1"/>
+          </a:fontRef>
+        </p:style>
+        <p:txBody>
+          <a:bodyPr rtlCol="0" anchor="ctr"/>
+          <a:lstStyle/>
+          <a:p>
+            <a:pPr algn="ctr"/>
+            <a:r>
+              <a:rPr lang="fr-FR" sz="1050" b="1" dirty="0">
+                <a:solidFill>
+                  <a:schemeClr val="tx1"/>
+                </a:solidFill>
+              </a:rPr>
+              <a:t>0</a:t>
+            </a:r>
+            <a:endParaRPr lang="fr-FR" sz="1400" b="1" dirty="0">
+              <a:solidFill>
+                <a:schemeClr val="tx1"/>
+              </a:solidFill>
+            </a:endParaRPr>
+          </a:p>
+        </p:txBody>
+      </p:sp>
+      <p:sp>
+        <p:nvSpPr>
+          <p:cNvPr id="28" name="Ellipse 27">
+            <a:extLst>
+              <a:ext uri="{FF2B5EF4-FFF2-40B4-BE49-F238E27FC236}">
+                <a16:creationId xmlns:a16="http://schemas.microsoft.com/office/drawing/2014/main" id="{FD159754-8E15-DF17-5077-63C2B06D4FD9}"/>
+              </a:ext>
+            </a:extLst>
+          </p:cNvPr>
+          <p:cNvSpPr/>
+          <p:nvPr/>
+        </p:nvSpPr>
+        <p:spPr>
+          <a:xfrm>
+            <a:off x="7394672" y="3454401"/>
+            <a:ext cx="288000" cy="288000"/>
+          </a:xfrm>
+          <a:prstGeom prst="ellipse">
+            <a:avLst/>
+          </a:prstGeom>
+          <a:noFill/>
+          <a:ln w="28575">
+            <a:solidFill>
+              <a:srgbClr val="00B050"/>
+            </a:solidFill>
+          </a:ln>
+        </p:spPr>
+        <p:style>
+          <a:lnRef idx="2">
+            <a:schemeClr val="accent1">
+              <a:shade val="50000"/>
+            </a:schemeClr>
+          </a:lnRef>
+          <a:fillRef idx="1">
+            <a:schemeClr val="accent1"/>
+          </a:fillRef>
+          <a:effectRef idx="0">
+            <a:schemeClr val="accent1"/>
+          </a:effectRef>
+          <a:fontRef idx="minor">
+            <a:schemeClr val="lt1"/>
+          </a:fontRef>
+        </p:style>
+        <p:txBody>
+          <a:bodyPr lIns="0" tIns="0" rIns="0" bIns="0" rtlCol="0" anchor="ctr"/>
+          <a:lstStyle/>
+          <a:p>
+            <a:pPr algn="ctr"/>
+            <a:r>
+              <a:rPr lang="fr-FR" sz="1050" b="1" dirty="0">
+                <a:solidFill>
+                  <a:schemeClr val="tx1"/>
+                </a:solidFill>
+              </a:rPr>
+              <a:t>J</a:t>
+            </a:r>
+            <a:r>
+              <a:rPr lang="fr-FR" sz="1050" b="1" baseline="-25000" dirty="0">
+                <a:solidFill>
+                  <a:schemeClr val="tx1"/>
+                </a:solidFill>
+              </a:rPr>
+              <a:t>1</a:t>
+            </a:r>
+            <a:endParaRPr lang="fr-FR" sz="1400" b="1" baseline="-25000" dirty="0">
+              <a:solidFill>
+                <a:schemeClr val="tx1"/>
+              </a:solidFill>
+            </a:endParaRPr>
+          </a:p>
+        </p:txBody>
+      </p:sp>
+      <p:sp>
+        <p:nvSpPr>
+          <p:cNvPr id="57" name="Ellipse 56">
+            <a:extLst>
+              <a:ext uri="{FF2B5EF4-FFF2-40B4-BE49-F238E27FC236}">
+                <a16:creationId xmlns:a16="http://schemas.microsoft.com/office/drawing/2014/main" id="{2D0C82A5-DF18-0B1D-27C7-667EDFA36B21}"/>
+              </a:ext>
+            </a:extLst>
+          </p:cNvPr>
+          <p:cNvSpPr/>
+          <p:nvPr/>
+        </p:nvSpPr>
+        <p:spPr>
+          <a:xfrm>
+            <a:off x="8327548" y="5141428"/>
+            <a:ext cx="180000" cy="180000"/>
+          </a:xfrm>
+          <a:prstGeom prst="ellipse">
+            <a:avLst/>
+          </a:prstGeom>
+          <a:noFill/>
+          <a:ln w="19050">
+            <a:solidFill>
+              <a:srgbClr val="0070C0"/>
+            </a:solidFill>
+          </a:ln>
+        </p:spPr>
+        <p:style>
+          <a:lnRef idx="2">
+            <a:schemeClr val="accent1">
+              <a:shade val="50000"/>
+            </a:schemeClr>
+          </a:lnRef>
+          <a:fillRef idx="1">
+            <a:schemeClr val="accent1"/>
+          </a:fillRef>
+          <a:effectRef idx="0">
+            <a:schemeClr val="accent1"/>
+          </a:effectRef>
+          <a:fontRef idx="minor">
+            <a:schemeClr val="lt1"/>
+          </a:fontRef>
+        </p:style>
+        <p:txBody>
+          <a:bodyPr rtlCol="0" anchor="ctr"/>
+          <a:lstStyle/>
+          <a:p>
+            <a:pPr algn="ctr"/>
+            <a:r>
+              <a:rPr lang="fr-FR" sz="1050" b="1" dirty="0">
+                <a:solidFill>
+                  <a:schemeClr val="accent1"/>
+                </a:solidFill>
+              </a:rPr>
+              <a:t>2</a:t>
+            </a:r>
+            <a:endParaRPr lang="fr-FR" sz="1400" b="1" dirty="0">
+              <a:solidFill>
+                <a:schemeClr val="accent1"/>
+              </a:solidFill>
+            </a:endParaRPr>
+          </a:p>
+        </p:txBody>
+      </p:sp>
+      <p:sp>
+        <p:nvSpPr>
+          <p:cNvPr id="58" name="Ellipse 57">
+            <a:extLst>
+              <a:ext uri="{FF2B5EF4-FFF2-40B4-BE49-F238E27FC236}">
+                <a16:creationId xmlns:a16="http://schemas.microsoft.com/office/drawing/2014/main" id="{02126A1B-0750-8867-5E61-38C554EB73FB}"/>
+              </a:ext>
+            </a:extLst>
+          </p:cNvPr>
+          <p:cNvSpPr/>
+          <p:nvPr/>
+        </p:nvSpPr>
+        <p:spPr>
+          <a:xfrm>
+            <a:off x="7948000" y="4059004"/>
+            <a:ext cx="180000" cy="180000"/>
+          </a:xfrm>
+          <a:prstGeom prst="ellipse">
+            <a:avLst/>
+          </a:prstGeom>
+          <a:noFill/>
+          <a:ln w="19050">
+            <a:solidFill>
+              <a:srgbClr val="00B050"/>
+            </a:solidFill>
+          </a:ln>
+        </p:spPr>
+        <p:style>
+          <a:lnRef idx="2">
+            <a:schemeClr val="accent1">
+              <a:shade val="50000"/>
+            </a:schemeClr>
+          </a:lnRef>
+          <a:fillRef idx="1">
+            <a:schemeClr val="accent1"/>
+          </a:fillRef>
+          <a:effectRef idx="0">
+            <a:schemeClr val="accent1"/>
+          </a:effectRef>
+          <a:fontRef idx="minor">
+            <a:schemeClr val="lt1"/>
+          </a:fontRef>
+        </p:style>
+        <p:txBody>
+          <a:bodyPr rtlCol="0" anchor="ctr"/>
+          <a:lstStyle/>
+          <a:p>
+            <a:pPr algn="ctr"/>
+            <a:r>
+              <a:rPr lang="fr-FR" sz="1050" b="1" dirty="0">
+                <a:solidFill>
+                  <a:srgbClr val="00B050"/>
+                </a:solidFill>
+              </a:rPr>
+              <a:t>1</a:t>
+            </a:r>
+            <a:endParaRPr lang="fr-FR" sz="1400" b="1" dirty="0">
+              <a:solidFill>
+                <a:srgbClr val="00B050"/>
+              </a:solidFill>
+            </a:endParaRPr>
+          </a:p>
+        </p:txBody>
+      </p:sp>
+      <mc:AlternateContent xmlns:mc="http://schemas.openxmlformats.org/markup-compatibility/2006" xmlns:a14="http://schemas.microsoft.com/office/drawing/2010/main">
+        <mc:Choice Requires="a14">
+          <p:sp>
+            <p:nvSpPr>
+              <p:cNvPr id="2" name="ZoneTexte 1">
+                <a:extLst>
+                  <a:ext uri="{FF2B5EF4-FFF2-40B4-BE49-F238E27FC236}">
+                    <a16:creationId xmlns:a16="http://schemas.microsoft.com/office/drawing/2014/main" id="{1A987993-18AF-E90D-43E3-EC45C480C4C7}"/>
+                  </a:ext>
+                </a:extLst>
+              </p:cNvPr>
+              <p:cNvSpPr txBox="1"/>
+              <p:nvPr/>
+            </p:nvSpPr>
+            <p:spPr>
+              <a:xfrm>
+                <a:off x="8146204" y="4035997"/>
+                <a:ext cx="219227" cy="215444"/>
+              </a:xfrm>
+              <a:prstGeom prst="rect">
+                <a:avLst/>
+              </a:prstGeom>
+              <a:noFill/>
+            </p:spPr>
+            <p:txBody>
+              <a:bodyPr wrap="none" lIns="0" tIns="0" rIns="0" bIns="0" rtlCol="0">
+                <a:spAutoFit/>
+              </a:bodyPr>
+              <a:lstStyle/>
+              <a:p>
+                <a:pPr/>
+                <a14:m>
+                  <m:oMathPara xmlns:m="http://schemas.openxmlformats.org/officeDocument/2006/math">
+                    <m:oMathParaPr>
+                      <m:jc m:val="centerGroup"/>
+                    </m:oMathParaPr>
+                    <m:oMath xmlns:m="http://schemas.openxmlformats.org/officeDocument/2006/math">
+                      <m:sSub>
+                        <m:sSubPr>
+                          <m:ctrlPr>
+                            <a:rPr lang="fr-FR" sz="1400" b="0" i="1" smtClean="0">
+                              <a:latin typeface="Cambria Math" panose="02040503050406030204" pitchFamily="18" charset="0"/>
+                            </a:rPr>
+                          </m:ctrlPr>
+                        </m:sSubPr>
+                        <m:e>
+                          <m:r>
+                            <a:rPr lang="fr-FR" sz="1400" b="0" i="1" smtClean="0">
+                              <a:latin typeface="Cambria Math" panose="02040503050406030204" pitchFamily="18" charset="0"/>
+                            </a:rPr>
+                            <m:t>𝑍</m:t>
+                          </m:r>
+                        </m:e>
+                        <m:sub>
+                          <m:r>
+                            <a:rPr lang="fr-FR" sz="1400" b="0" i="1" smtClean="0">
+                              <a:latin typeface="Cambria Math" panose="02040503050406030204" pitchFamily="18" charset="0"/>
+                            </a:rPr>
+                            <m:t>1</m:t>
+                          </m:r>
+                        </m:sub>
+                      </m:sSub>
+                    </m:oMath>
+                  </m:oMathPara>
+                </a14:m>
+                <a:endParaRPr lang="fr-FR" sz="1400" dirty="0"/>
+              </a:p>
+            </p:txBody>
+          </p:sp>
+        </mc:Choice>
+        <mc:Fallback xmlns="">
+          <p:sp>
+            <p:nvSpPr>
+              <p:cNvPr id="2" name="ZoneTexte 1">
+                <a:extLst>
+                  <a:ext uri="{FF2B5EF4-FFF2-40B4-BE49-F238E27FC236}">
+                    <a16:creationId xmlns:a16="http://schemas.microsoft.com/office/drawing/2014/main" id="{1A987993-18AF-E90D-43E3-EC45C480C4C7}"/>
+                  </a:ext>
+                </a:extLst>
+              </p:cNvPr>
+              <p:cNvSpPr txBox="1">
+                <a:spLocks noRot="1" noChangeAspect="1" noMove="1" noResize="1" noEditPoints="1" noAdjustHandles="1" noChangeArrowheads="1" noChangeShapeType="1" noTextEdit="1"/>
+              </p:cNvSpPr>
+              <p:nvPr/>
+            </p:nvSpPr>
+            <p:spPr>
+              <a:xfrm>
+                <a:off x="8146204" y="4035997"/>
+                <a:ext cx="219227" cy="215444"/>
+              </a:xfrm>
+              <a:prstGeom prst="rect">
+                <a:avLst/>
+              </a:prstGeom>
+              <a:blipFill>
+                <a:blip r:embed="rId2"/>
+                <a:stretch>
+                  <a:fillRect l="-19444" r="-2778" b="-14286"/>
+                </a:stretch>
+              </a:blipFill>
+            </p:spPr>
+            <p:txBody>
+              <a:bodyPr/>
+              <a:lstStyle/>
+              <a:p>
+                <a:r>
+                  <a:rPr lang="fr-FR">
+                    <a:noFill/>
+                  </a:rPr>
+                  <a:t> </a:t>
+                </a:r>
+              </a:p>
+            </p:txBody>
+          </p:sp>
+        </mc:Fallback>
+      </mc:AlternateContent>
+      <mc:AlternateContent xmlns:mc="http://schemas.openxmlformats.org/markup-compatibility/2006" xmlns:a14="http://schemas.microsoft.com/office/drawing/2010/main">
+        <mc:Choice Requires="a14">
+          <p:sp>
+            <p:nvSpPr>
+              <p:cNvPr id="3" name="ZoneTexte 2">
+                <a:extLst>
+                  <a:ext uri="{FF2B5EF4-FFF2-40B4-BE49-F238E27FC236}">
+                    <a16:creationId xmlns:a16="http://schemas.microsoft.com/office/drawing/2014/main" id="{A698A0B4-1C99-202C-7064-3E41D6369D9A}"/>
+                  </a:ext>
+                </a:extLst>
+              </p:cNvPr>
+              <p:cNvSpPr txBox="1"/>
+              <p:nvPr/>
+            </p:nvSpPr>
+            <p:spPr>
+              <a:xfrm>
+                <a:off x="8547013" y="5135078"/>
+                <a:ext cx="223394" cy="215444"/>
+              </a:xfrm>
+              <a:prstGeom prst="rect">
+                <a:avLst/>
+              </a:prstGeom>
+              <a:noFill/>
+            </p:spPr>
+            <p:txBody>
+              <a:bodyPr wrap="none" lIns="0" tIns="0" rIns="0" bIns="0" rtlCol="0">
+                <a:spAutoFit/>
+              </a:bodyPr>
+              <a:lstStyle/>
+              <a:p>
+                <a:pPr/>
+                <a14:m>
+                  <m:oMathPara xmlns:m="http://schemas.openxmlformats.org/officeDocument/2006/math">
+                    <m:oMathParaPr>
+                      <m:jc m:val="centerGroup"/>
+                    </m:oMathParaPr>
+                    <m:oMath xmlns:m="http://schemas.openxmlformats.org/officeDocument/2006/math">
+                      <m:sSub>
+                        <m:sSubPr>
+                          <m:ctrlPr>
+                            <a:rPr lang="fr-FR" sz="1400" b="0" i="1" smtClean="0">
+                              <a:latin typeface="Cambria Math" panose="02040503050406030204" pitchFamily="18" charset="0"/>
+                            </a:rPr>
+                          </m:ctrlPr>
+                        </m:sSubPr>
+                        <m:e>
+                          <m:r>
+                            <a:rPr lang="fr-FR" sz="1400" b="0" i="1" smtClean="0">
+                              <a:latin typeface="Cambria Math" panose="02040503050406030204" pitchFamily="18" charset="0"/>
+                            </a:rPr>
+                            <m:t>𝑍</m:t>
+                          </m:r>
+                        </m:e>
+                        <m:sub>
+                          <m:r>
+                            <a:rPr lang="fr-FR" sz="1400" b="0" i="1" smtClean="0">
+                              <a:latin typeface="Cambria Math" panose="02040503050406030204" pitchFamily="18" charset="0"/>
+                            </a:rPr>
+                            <m:t>2</m:t>
+                          </m:r>
+                        </m:sub>
+                      </m:sSub>
+                    </m:oMath>
+                  </m:oMathPara>
+                </a14:m>
+                <a:endParaRPr lang="fr-FR" sz="1400" dirty="0"/>
+              </a:p>
+            </p:txBody>
+          </p:sp>
+        </mc:Choice>
+        <mc:Fallback xmlns="">
+          <p:sp>
+            <p:nvSpPr>
+              <p:cNvPr id="3" name="ZoneTexte 2">
+                <a:extLst>
+                  <a:ext uri="{FF2B5EF4-FFF2-40B4-BE49-F238E27FC236}">
+                    <a16:creationId xmlns:a16="http://schemas.microsoft.com/office/drawing/2014/main" id="{A698A0B4-1C99-202C-7064-3E41D6369D9A}"/>
+                  </a:ext>
+                </a:extLst>
+              </p:cNvPr>
+              <p:cNvSpPr txBox="1">
+                <a:spLocks noRot="1" noChangeAspect="1" noMove="1" noResize="1" noEditPoints="1" noAdjustHandles="1" noChangeArrowheads="1" noChangeShapeType="1" noTextEdit="1"/>
+              </p:cNvSpPr>
+              <p:nvPr/>
+            </p:nvSpPr>
+            <p:spPr>
+              <a:xfrm>
+                <a:off x="8547013" y="5135078"/>
+                <a:ext cx="223394" cy="215444"/>
+              </a:xfrm>
+              <a:prstGeom prst="rect">
+                <a:avLst/>
+              </a:prstGeom>
+              <a:blipFill>
+                <a:blip r:embed="rId3"/>
+                <a:stretch>
+                  <a:fillRect l="-18919" r="-2703" b="-11111"/>
+                </a:stretch>
+              </a:blipFill>
+            </p:spPr>
+            <p:txBody>
+              <a:bodyPr/>
+              <a:lstStyle/>
+              <a:p>
+                <a:r>
+                  <a:rPr lang="fr-FR">
+                    <a:noFill/>
+                  </a:rPr>
+                  <a:t> </a:t>
+                </a:r>
+              </a:p>
+            </p:txBody>
+          </p:sp>
+        </mc:Fallback>
+      </mc:AlternateContent>
+      <p:sp>
+        <p:nvSpPr>
+          <p:cNvPr id="4" name="Ellipse 3">
+            <a:extLst>
+              <a:ext uri="{FF2B5EF4-FFF2-40B4-BE49-F238E27FC236}">
+                <a16:creationId xmlns:a16="http://schemas.microsoft.com/office/drawing/2014/main" id="{22066F39-1D79-D2C6-3900-3F654E266ADE}"/>
+              </a:ext>
+            </a:extLst>
+          </p:cNvPr>
+          <p:cNvSpPr/>
+          <p:nvPr/>
+        </p:nvSpPr>
+        <p:spPr>
+          <a:xfrm>
+            <a:off x="7176241" y="3791428"/>
+            <a:ext cx="720000" cy="720000"/>
+          </a:xfrm>
+          <a:prstGeom prst="ellipse">
+            <a:avLst/>
+          </a:prstGeom>
+          <a:noFill/>
+          <a:ln w="28575">
+            <a:solidFill>
+              <a:srgbClr val="00B050"/>
+            </a:solidFill>
+          </a:ln>
+        </p:spPr>
+        <p:style>
+          <a:lnRef idx="2">
+            <a:schemeClr val="accent1">
+              <a:shade val="50000"/>
+            </a:schemeClr>
+          </a:lnRef>
+          <a:fillRef idx="1">
+            <a:schemeClr val="accent1"/>
+          </a:fillRef>
+          <a:effectRef idx="0">
+            <a:schemeClr val="accent1"/>
+          </a:effectRef>
+          <a:fontRef idx="minor">
+            <a:schemeClr val="lt1"/>
+          </a:fontRef>
+        </p:style>
+        <p:txBody>
+          <a:bodyPr lIns="0" tIns="0" rIns="0" bIns="0" rtlCol="0" anchor="ctr"/>
+          <a:lstStyle/>
+          <a:p>
+            <a:pPr algn="ctr"/>
+            <a:endParaRPr lang="fr-FR" sz="1400" b="1" baseline="-25000" dirty="0">
+              <a:solidFill>
+                <a:schemeClr val="tx1"/>
+              </a:solidFill>
+            </a:endParaRPr>
+          </a:p>
+        </p:txBody>
+      </p:sp>
+      <p:sp>
+        <p:nvSpPr>
+          <p:cNvPr id="5" name="Ellipse 4">
+            <a:extLst>
+              <a:ext uri="{FF2B5EF4-FFF2-40B4-BE49-F238E27FC236}">
+                <a16:creationId xmlns:a16="http://schemas.microsoft.com/office/drawing/2014/main" id="{7074C208-1684-ACC8-3CBE-6BA63A486D8D}"/>
+              </a:ext>
+            </a:extLst>
+          </p:cNvPr>
+          <p:cNvSpPr/>
+          <p:nvPr/>
+        </p:nvSpPr>
+        <p:spPr>
+          <a:xfrm>
+            <a:off x="7446241" y="4061428"/>
+            <a:ext cx="180000" cy="180000"/>
+          </a:xfrm>
+          <a:prstGeom prst="ellipse">
+            <a:avLst/>
+          </a:prstGeom>
+          <a:noFill/>
+          <a:ln w="28575">
+            <a:solidFill>
+              <a:schemeClr val="tx1"/>
+            </a:solidFill>
+          </a:ln>
+        </p:spPr>
+        <p:style>
+          <a:lnRef idx="2">
+            <a:schemeClr val="accent1">
+              <a:shade val="50000"/>
+            </a:schemeClr>
+          </a:lnRef>
+          <a:fillRef idx="1">
+            <a:schemeClr val="accent1"/>
+          </a:fillRef>
+          <a:effectRef idx="0">
+            <a:schemeClr val="accent1"/>
+          </a:effectRef>
+          <a:fontRef idx="minor">
+            <a:schemeClr val="lt1"/>
+          </a:fontRef>
+        </p:style>
+        <p:txBody>
+          <a:bodyPr lIns="0" tIns="0" rIns="0" bIns="0" rtlCol="0" anchor="ctr"/>
+          <a:lstStyle/>
+          <a:p>
+            <a:pPr algn="ctr"/>
+            <a:endParaRPr lang="fr-FR" sz="1400" b="1" baseline="-25000" dirty="0">
+              <a:solidFill>
+                <a:schemeClr val="tx1"/>
+              </a:solidFill>
+            </a:endParaRPr>
+          </a:p>
+        </p:txBody>
+      </p:sp>
+      <p:sp>
+        <p:nvSpPr>
+          <p:cNvPr id="7" name="Ellipse 6">
+            <a:extLst>
+              <a:ext uri="{FF2B5EF4-FFF2-40B4-BE49-F238E27FC236}">
+                <a16:creationId xmlns:a16="http://schemas.microsoft.com/office/drawing/2014/main" id="{966CAFC0-43D7-59DF-697C-3A842B0EA140}"/>
+              </a:ext>
+            </a:extLst>
+          </p:cNvPr>
+          <p:cNvSpPr/>
+          <p:nvPr/>
+        </p:nvSpPr>
+        <p:spPr>
+          <a:xfrm>
+            <a:off x="6816241" y="4511428"/>
+            <a:ext cx="1440000" cy="1440000"/>
+          </a:xfrm>
+          <a:prstGeom prst="ellipse">
+            <a:avLst/>
+          </a:prstGeom>
+          <a:noFill/>
+          <a:ln w="28575">
+            <a:solidFill>
+              <a:srgbClr val="0070C0"/>
+            </a:solidFill>
+          </a:ln>
+        </p:spPr>
+        <p:style>
+          <a:lnRef idx="2">
+            <a:schemeClr val="accent1">
+              <a:shade val="50000"/>
+            </a:schemeClr>
+          </a:lnRef>
+          <a:fillRef idx="1">
+            <a:schemeClr val="accent1"/>
+          </a:fillRef>
+          <a:effectRef idx="0">
+            <a:schemeClr val="accent1"/>
+          </a:effectRef>
+          <a:fontRef idx="minor">
+            <a:schemeClr val="lt1"/>
+          </a:fontRef>
+        </p:style>
+        <p:txBody>
+          <a:bodyPr lIns="0" tIns="0" rIns="0" bIns="0" rtlCol="0" anchor="ctr"/>
+          <a:lstStyle/>
+          <a:p>
+            <a:pPr algn="ctr"/>
+            <a:endParaRPr lang="fr-FR" sz="1050" b="1" dirty="0">
+              <a:solidFill>
+                <a:schemeClr val="tx1"/>
+              </a:solidFill>
+            </a:endParaRPr>
+          </a:p>
+        </p:txBody>
+      </p:sp>
+      <p:sp>
+        <p:nvSpPr>
+          <p:cNvPr id="8" name="Ellipse 7">
+            <a:extLst>
+              <a:ext uri="{FF2B5EF4-FFF2-40B4-BE49-F238E27FC236}">
+                <a16:creationId xmlns:a16="http://schemas.microsoft.com/office/drawing/2014/main" id="{A7C3EEA9-1D8B-514F-5946-8EAD29C0D4A7}"/>
+              </a:ext>
+            </a:extLst>
+          </p:cNvPr>
+          <p:cNvSpPr/>
+          <p:nvPr/>
+        </p:nvSpPr>
+        <p:spPr>
+          <a:xfrm>
+            <a:off x="7446241" y="5141428"/>
+            <a:ext cx="180000" cy="180000"/>
+          </a:xfrm>
+          <a:prstGeom prst="ellipse">
+            <a:avLst/>
+          </a:prstGeom>
+          <a:noFill/>
+          <a:ln w="28575">
+            <a:solidFill>
+              <a:schemeClr val="tx1"/>
+            </a:solidFill>
+          </a:ln>
+        </p:spPr>
+        <p:style>
+          <a:lnRef idx="2">
+            <a:schemeClr val="accent1">
+              <a:shade val="50000"/>
+            </a:schemeClr>
+          </a:lnRef>
+          <a:fillRef idx="1">
+            <a:schemeClr val="accent1"/>
+          </a:fillRef>
+          <a:effectRef idx="0">
+            <a:schemeClr val="accent1"/>
+          </a:effectRef>
+          <a:fontRef idx="minor">
+            <a:schemeClr val="lt1"/>
+          </a:fontRef>
+        </p:style>
+        <p:txBody>
+          <a:bodyPr lIns="0" tIns="0" rIns="0" bIns="0" rtlCol="0" anchor="ctr"/>
+          <a:lstStyle/>
+          <a:p>
+            <a:pPr algn="ctr"/>
+            <a:endParaRPr lang="fr-FR" sz="1400" b="1" baseline="-25000" dirty="0">
+              <a:solidFill>
+                <a:schemeClr val="tx1"/>
+              </a:solidFill>
+            </a:endParaRPr>
+          </a:p>
+        </p:txBody>
+      </p:sp>
+      <p:cxnSp>
+        <p:nvCxnSpPr>
+          <p:cNvPr id="11" name="Connecteur droit 10">
+            <a:extLst>
+              <a:ext uri="{FF2B5EF4-FFF2-40B4-BE49-F238E27FC236}">
+                <a16:creationId xmlns:a16="http://schemas.microsoft.com/office/drawing/2014/main" id="{201B1FCD-D09B-2C11-5B18-EB4CD069E514}"/>
+              </a:ext>
+            </a:extLst>
+          </p:cNvPr>
+          <p:cNvCxnSpPr>
+            <a:cxnSpLocks/>
+            <a:stCxn id="8" idx="7"/>
+            <a:endCxn id="7" idx="7"/>
+          </p:cNvCxnSpPr>
+          <p:nvPr/>
+        </p:nvCxnSpPr>
+        <p:spPr>
+          <a:xfrm flipV="1">
+            <a:off x="7599881" y="4722311"/>
+            <a:ext cx="445477" cy="445477"/>
+          </a:xfrm>
+          <a:prstGeom prst="line">
+            <a:avLst/>
+          </a:prstGeom>
+          <a:solidFill>
+            <a:srgbClr val="00B050"/>
+          </a:solidFill>
+          <a:ln w="28575">
+            <a:solidFill>
+              <a:srgbClr val="0070C0"/>
+            </a:solidFill>
+          </a:ln>
+        </p:spPr>
+        <p:style>
+          <a:lnRef idx="2">
+            <a:schemeClr val="accent1">
+              <a:shade val="50000"/>
+            </a:schemeClr>
+          </a:lnRef>
+          <a:fillRef idx="1">
+            <a:schemeClr val="accent1"/>
+          </a:fillRef>
+          <a:effectRef idx="0">
+            <a:schemeClr val="accent1"/>
+          </a:effectRef>
+          <a:fontRef idx="minor">
+            <a:schemeClr val="lt1"/>
+          </a:fontRef>
+        </p:style>
+      </p:cxnSp>
+      <p:cxnSp>
+        <p:nvCxnSpPr>
+          <p:cNvPr id="14" name="Connecteur droit 13">
+            <a:extLst>
+              <a:ext uri="{FF2B5EF4-FFF2-40B4-BE49-F238E27FC236}">
+                <a16:creationId xmlns:a16="http://schemas.microsoft.com/office/drawing/2014/main" id="{24E66F0F-F5C2-4EB5-3D1E-D15343FD009F}"/>
+              </a:ext>
+            </a:extLst>
+          </p:cNvPr>
+          <p:cNvCxnSpPr>
+            <a:cxnSpLocks/>
+            <a:stCxn id="5" idx="5"/>
+            <a:endCxn id="4" idx="5"/>
+          </p:cNvCxnSpPr>
+          <p:nvPr/>
+        </p:nvCxnSpPr>
+        <p:spPr>
+          <a:xfrm>
+            <a:off x="7599881" y="4215068"/>
+            <a:ext cx="190918" cy="190918"/>
+          </a:xfrm>
+          <a:prstGeom prst="line">
+            <a:avLst/>
+          </a:prstGeom>
+          <a:solidFill>
+            <a:srgbClr val="00B050"/>
+          </a:solidFill>
+          <a:ln w="28575">
+            <a:solidFill>
+              <a:srgbClr val="00B050"/>
+            </a:solidFill>
+          </a:ln>
+        </p:spPr>
+        <p:style>
+          <a:lnRef idx="2">
+            <a:schemeClr val="accent1">
+              <a:shade val="50000"/>
+            </a:schemeClr>
+          </a:lnRef>
+          <a:fillRef idx="1">
+            <a:schemeClr val="accent1"/>
+          </a:fillRef>
+          <a:effectRef idx="0">
+            <a:schemeClr val="accent1"/>
+          </a:effectRef>
+          <a:fontRef idx="minor">
+            <a:schemeClr val="lt1"/>
+          </a:fontRef>
+        </p:style>
+      </p:cxnSp>
+      <p:cxnSp>
+        <p:nvCxnSpPr>
+          <p:cNvPr id="19" name="Connecteur droit 18">
+            <a:extLst>
+              <a:ext uri="{FF2B5EF4-FFF2-40B4-BE49-F238E27FC236}">
+                <a16:creationId xmlns:a16="http://schemas.microsoft.com/office/drawing/2014/main" id="{ACF2E2AB-1A55-BD9F-5953-12DBBD847F9B}"/>
+              </a:ext>
+            </a:extLst>
+          </p:cNvPr>
+          <p:cNvCxnSpPr>
+            <a:cxnSpLocks/>
+            <a:stCxn id="5" idx="4"/>
+            <a:endCxn id="8" idx="0"/>
+          </p:cNvCxnSpPr>
+          <p:nvPr/>
+        </p:nvCxnSpPr>
+        <p:spPr>
+          <a:xfrm>
+            <a:off x="7536241" y="4241428"/>
+            <a:ext cx="0" cy="900000"/>
+          </a:xfrm>
+          <a:prstGeom prst="line">
+            <a:avLst/>
+          </a:prstGeom>
+          <a:noFill/>
+          <a:ln w="28575">
+            <a:solidFill>
+              <a:schemeClr val="tx1"/>
+            </a:solidFill>
+          </a:ln>
+        </p:spPr>
+        <p:style>
+          <a:lnRef idx="2">
+            <a:schemeClr val="accent1">
+              <a:shade val="50000"/>
+            </a:schemeClr>
+          </a:lnRef>
+          <a:fillRef idx="1">
+            <a:schemeClr val="accent1"/>
+          </a:fillRef>
+          <a:effectRef idx="0">
+            <a:schemeClr val="accent1"/>
+          </a:effectRef>
+          <a:fontRef idx="minor">
+            <a:schemeClr val="lt1"/>
+          </a:fontRef>
+        </p:style>
+      </p:cxnSp>
+      <p:sp>
+        <p:nvSpPr>
+          <p:cNvPr id="72" name="Rectangle 71">
+            <a:extLst>
+              <a:ext uri="{FF2B5EF4-FFF2-40B4-BE49-F238E27FC236}">
+                <a16:creationId xmlns:a16="http://schemas.microsoft.com/office/drawing/2014/main" id="{754F00A9-384A-E377-D850-49A47E2212E7}"/>
+              </a:ext>
+            </a:extLst>
+          </p:cNvPr>
+          <p:cNvSpPr/>
+          <p:nvPr/>
+        </p:nvSpPr>
+        <p:spPr>
+          <a:xfrm>
+            <a:off x="8542000" y="5977535"/>
+            <a:ext cx="360000" cy="180000"/>
+          </a:xfrm>
+          <a:prstGeom prst="rect">
+            <a:avLst/>
+          </a:prstGeom>
+          <a:solidFill>
+            <a:schemeClr val="bg1"/>
+          </a:solidFill>
+          <a:ln w="28575">
+            <a:solidFill>
+              <a:schemeClr val="tx1"/>
+            </a:solidFill>
+          </a:ln>
+        </p:spPr>
+        <p:style>
+          <a:lnRef idx="2">
+            <a:schemeClr val="accent1">
+              <a:shade val="50000"/>
+            </a:schemeClr>
+          </a:lnRef>
+          <a:fillRef idx="1">
+            <a:schemeClr val="accent1"/>
+          </a:fillRef>
+          <a:effectRef idx="0">
+            <a:schemeClr val="accent1"/>
+          </a:effectRef>
+          <a:fontRef idx="minor">
+            <a:schemeClr val="lt1"/>
+          </a:fontRef>
+        </p:style>
+        <p:txBody>
+          <a:bodyPr lIns="0" tIns="0" rIns="0" bIns="0" rtlCol="0" anchor="ctr"/>
+          <a:lstStyle/>
+          <a:p>
+            <a:pPr algn="ctr"/>
+            <a:endParaRPr lang="fr-FR" sz="1400" b="1" baseline="-25000">
+              <a:solidFill>
+                <a:schemeClr val="tx1"/>
+              </a:solidFill>
+            </a:endParaRPr>
+          </a:p>
+        </p:txBody>
+      </p:sp>
+      <p:grpSp>
+        <p:nvGrpSpPr>
+          <p:cNvPr id="80" name="Groupe 79">
+            <a:extLst>
+              <a:ext uri="{FF2B5EF4-FFF2-40B4-BE49-F238E27FC236}">
+                <a16:creationId xmlns:a16="http://schemas.microsoft.com/office/drawing/2014/main" id="{F82BD603-3BF6-FC0A-95B0-EF1D7339CF29}"/>
+              </a:ext>
+            </a:extLst>
+          </p:cNvPr>
+          <p:cNvGrpSpPr/>
+          <p:nvPr/>
+        </p:nvGrpSpPr>
+        <p:grpSpPr>
+          <a:xfrm>
+            <a:off x="8505976" y="6167428"/>
+            <a:ext cx="432048" cy="473862"/>
+            <a:chOff x="3725333" y="2914298"/>
+            <a:chExt cx="432048" cy="473862"/>
+          </a:xfrm>
+        </p:grpSpPr>
+        <p:sp>
+          <p:nvSpPr>
+            <p:cNvPr id="76" name="Forme libre : forme 75">
+              <a:extLst>
+                <a:ext uri="{FF2B5EF4-FFF2-40B4-BE49-F238E27FC236}">
+                  <a16:creationId xmlns:a16="http://schemas.microsoft.com/office/drawing/2014/main" id="{721969FE-48C3-E283-D8DB-F0F6D4AD9800}"/>
+                </a:ext>
+              </a:extLst>
+            </p:cNvPr>
+            <p:cNvSpPr/>
+            <p:nvPr/>
+          </p:nvSpPr>
+          <p:spPr>
+            <a:xfrm>
+              <a:off x="3741926" y="3056403"/>
+              <a:ext cx="415449" cy="145926"/>
+            </a:xfrm>
+            <a:custGeom>
+              <a:avLst/>
+              <a:gdLst>
+                <a:gd name="connsiteX0" fmla="*/ 0 w 400050"/>
+                <a:gd name="connsiteY0" fmla="*/ 6350 h 134622"/>
+                <a:gd name="connsiteX1" fmla="*/ 63500 w 400050"/>
+                <a:gd name="connsiteY1" fmla="*/ 114300 h 134622"/>
+                <a:gd name="connsiteX2" fmla="*/ 203200 w 400050"/>
+                <a:gd name="connsiteY2" fmla="*/ 69850 h 134622"/>
+                <a:gd name="connsiteX3" fmla="*/ 304800 w 400050"/>
+                <a:gd name="connsiteY3" fmla="*/ 133350 h 134622"/>
+                <a:gd name="connsiteX4" fmla="*/ 400050 w 400050"/>
+                <a:gd name="connsiteY4" fmla="*/ 0 h 134622"/>
+              </a:gdLst>
+              <a:ahLst/>
+              <a:cxnLst>
+                <a:cxn ang="0">
+                  <a:pos x="connsiteX0" y="connsiteY0"/>
+                </a:cxn>
+                <a:cxn ang="0">
+                  <a:pos x="connsiteX1" y="connsiteY1"/>
+                </a:cxn>
+                <a:cxn ang="0">
+                  <a:pos x="connsiteX2" y="connsiteY2"/>
+                </a:cxn>
+                <a:cxn ang="0">
+                  <a:pos x="connsiteX3" y="connsiteY3"/>
+                </a:cxn>
+                <a:cxn ang="0">
+                  <a:pos x="connsiteX4" y="connsiteY4"/>
+                </a:cxn>
+              </a:cxnLst>
+              <a:rect l="l" t="t" r="r" b="b"/>
+              <a:pathLst>
+                <a:path w="400050" h="134622">
+                  <a:moveTo>
+                    <a:pt x="0" y="6350"/>
+                  </a:moveTo>
+                  <a:cubicBezTo>
+                    <a:pt x="14816" y="55033"/>
+                    <a:pt x="29633" y="103717"/>
+                    <a:pt x="63500" y="114300"/>
+                  </a:cubicBezTo>
+                  <a:cubicBezTo>
+                    <a:pt x="97367" y="124883"/>
+                    <a:pt x="162983" y="66675"/>
+                    <a:pt x="203200" y="69850"/>
+                  </a:cubicBezTo>
+                  <a:cubicBezTo>
+                    <a:pt x="243417" y="73025"/>
+                    <a:pt x="271992" y="144992"/>
+                    <a:pt x="304800" y="133350"/>
+                  </a:cubicBezTo>
+                  <a:cubicBezTo>
+                    <a:pt x="337608" y="121708"/>
+                    <a:pt x="368829" y="60854"/>
+                    <a:pt x="400050" y="0"/>
+                  </a:cubicBezTo>
+                </a:path>
+              </a:pathLst>
+            </a:custGeom>
+            <a:solidFill>
+              <a:schemeClr val="bg1">
+                <a:lumMod val="85000"/>
+              </a:schemeClr>
+            </a:solidFill>
+            <a:ln w="19050">
+              <a:solidFill>
+                <a:schemeClr val="tx1"/>
+              </a:solidFill>
+            </a:ln>
+          </p:spPr>
+          <p:style>
+            <a:lnRef idx="2">
+              <a:schemeClr val="accent1">
+                <a:shade val="50000"/>
+              </a:schemeClr>
+            </a:lnRef>
+            <a:fillRef idx="1">
+              <a:schemeClr val="accent1"/>
+            </a:fillRef>
+            <a:effectRef idx="0">
+              <a:schemeClr val="accent1"/>
+            </a:effectRef>
+            <a:fontRef idx="minor">
+              <a:schemeClr val="lt1"/>
+            </a:fontRef>
+          </p:style>
+          <p:txBody>
+            <a:bodyPr rtlCol="0" anchor="ctr"/>
+            <a:lstStyle/>
+            <a:p>
+              <a:pPr algn="ctr"/>
+              <a:endParaRPr lang="fr-FR" b="1"/>
+            </a:p>
+          </p:txBody>
+        </p:sp>
+        <p:cxnSp>
+          <p:nvCxnSpPr>
+            <p:cNvPr id="77" name="Connecteur droit 76">
+              <a:extLst>
+                <a:ext uri="{FF2B5EF4-FFF2-40B4-BE49-F238E27FC236}">
+                  <a16:creationId xmlns:a16="http://schemas.microsoft.com/office/drawing/2014/main" id="{21A28B7E-E51C-3DD3-D273-DF311958051B}"/>
+                </a:ext>
+              </a:extLst>
+            </p:cNvPr>
+            <p:cNvCxnSpPr>
+              <a:cxnSpLocks/>
+            </p:cNvCxnSpPr>
+            <p:nvPr/>
+          </p:nvCxnSpPr>
+          <p:spPr>
+            <a:xfrm>
+              <a:off x="3941357" y="2914298"/>
+              <a:ext cx="0" cy="142105"/>
+            </a:xfrm>
+            <a:prstGeom prst="line">
+              <a:avLst/>
+            </a:prstGeom>
+            <a:noFill/>
+            <a:ln w="28575">
+              <a:solidFill>
+                <a:schemeClr val="tx1"/>
+              </a:solidFill>
+            </a:ln>
+          </p:spPr>
+          <p:style>
+            <a:lnRef idx="2">
+              <a:schemeClr val="accent1">
+                <a:shade val="50000"/>
+              </a:schemeClr>
+            </a:lnRef>
+            <a:fillRef idx="1">
+              <a:schemeClr val="accent1"/>
+            </a:fillRef>
+            <a:effectRef idx="0">
+              <a:schemeClr val="accent1"/>
+            </a:effectRef>
+            <a:fontRef idx="minor">
+              <a:schemeClr val="lt1"/>
+            </a:fontRef>
+          </p:style>
+        </p:cxnSp>
+        <p:cxnSp>
+          <p:nvCxnSpPr>
+            <p:cNvPr id="78" name="Connecteur droit 77">
+              <a:extLst>
+                <a:ext uri="{FF2B5EF4-FFF2-40B4-BE49-F238E27FC236}">
+                  <a16:creationId xmlns:a16="http://schemas.microsoft.com/office/drawing/2014/main" id="{E8ACE8AE-95A4-1C36-C412-A0D028DE693D}"/>
+                </a:ext>
+              </a:extLst>
+            </p:cNvPr>
+            <p:cNvCxnSpPr>
+              <a:cxnSpLocks/>
+            </p:cNvCxnSpPr>
+            <p:nvPr/>
+          </p:nvCxnSpPr>
+          <p:spPr>
+            <a:xfrm flipH="1">
+              <a:off x="3725333" y="3060223"/>
+              <a:ext cx="432048" cy="0"/>
+            </a:xfrm>
+            <a:prstGeom prst="line">
+              <a:avLst/>
+            </a:prstGeom>
+            <a:noFill/>
+            <a:ln w="28575">
+              <a:solidFill>
+                <a:schemeClr val="tx1"/>
+              </a:solidFill>
+            </a:ln>
+          </p:spPr>
+          <p:style>
+            <a:lnRef idx="2">
+              <a:schemeClr val="accent1">
+                <a:shade val="50000"/>
+              </a:schemeClr>
+            </a:lnRef>
+            <a:fillRef idx="1">
+              <a:schemeClr val="accent1"/>
+            </a:fillRef>
+            <a:effectRef idx="0">
+              <a:schemeClr val="accent1"/>
+            </a:effectRef>
+            <a:fontRef idx="minor">
+              <a:schemeClr val="lt1"/>
+            </a:fontRef>
+          </p:style>
+        </p:cxnSp>
+        <p:sp>
+          <p:nvSpPr>
+            <p:cNvPr id="79" name="Ellipse 78">
+              <a:extLst>
+                <a:ext uri="{FF2B5EF4-FFF2-40B4-BE49-F238E27FC236}">
+                  <a16:creationId xmlns:a16="http://schemas.microsoft.com/office/drawing/2014/main" id="{53C868B7-EDBD-27EC-02A0-15AB61F95F90}"/>
+                </a:ext>
+              </a:extLst>
+            </p:cNvPr>
+            <p:cNvSpPr/>
+            <p:nvPr/>
+          </p:nvSpPr>
+          <p:spPr>
+            <a:xfrm>
+              <a:off x="3859497" y="3208160"/>
+              <a:ext cx="180000" cy="180000"/>
+            </a:xfrm>
+            <a:prstGeom prst="ellipse">
+              <a:avLst/>
+            </a:prstGeom>
+            <a:noFill/>
+            <a:ln w="19050">
+              <a:solidFill>
+                <a:schemeClr val="tx1"/>
+              </a:solidFill>
+            </a:ln>
+          </p:spPr>
+          <p:style>
+            <a:lnRef idx="2">
+              <a:schemeClr val="accent1">
+                <a:shade val="50000"/>
+              </a:schemeClr>
+            </a:lnRef>
+            <a:fillRef idx="1">
+              <a:schemeClr val="accent1"/>
+            </a:fillRef>
+            <a:effectRef idx="0">
+              <a:schemeClr val="accent1"/>
+            </a:effectRef>
+            <a:fontRef idx="minor">
+              <a:schemeClr val="lt1"/>
+            </a:fontRef>
+          </p:style>
+          <p:txBody>
+            <a:bodyPr rtlCol="0" anchor="ctr"/>
+            <a:lstStyle/>
+            <a:p>
+              <a:pPr algn="ctr"/>
+              <a:r>
+                <a:rPr lang="fr-FR" sz="1050" b="1" dirty="0">
+                  <a:solidFill>
+                    <a:schemeClr val="tx1"/>
+                  </a:solidFill>
+                </a:rPr>
+                <a:t>0</a:t>
+              </a:r>
+              <a:endParaRPr lang="fr-FR" sz="1400" b="1" dirty="0">
+                <a:solidFill>
+                  <a:schemeClr val="tx1"/>
+                </a:solidFill>
+              </a:endParaRPr>
+            </a:p>
+          </p:txBody>
+        </p:sp>
+      </p:grpSp>
+      <p:sp>
+        <p:nvSpPr>
+          <p:cNvPr id="82" name="Ellipse 81">
+            <a:extLst>
+              <a:ext uri="{FF2B5EF4-FFF2-40B4-BE49-F238E27FC236}">
+                <a16:creationId xmlns:a16="http://schemas.microsoft.com/office/drawing/2014/main" id="{3AD0C95C-7A6B-45C8-DD4B-30DAF91E8CE3}"/>
+              </a:ext>
+            </a:extLst>
+          </p:cNvPr>
+          <p:cNvSpPr/>
+          <p:nvPr/>
+        </p:nvSpPr>
+        <p:spPr>
+          <a:xfrm>
+            <a:off x="6685157" y="5959510"/>
+            <a:ext cx="180000" cy="180000"/>
+          </a:xfrm>
+          <a:prstGeom prst="ellipse">
+            <a:avLst/>
+          </a:prstGeom>
+          <a:noFill/>
+          <a:ln w="19050">
+            <a:solidFill>
+              <a:srgbClr val="C00000"/>
+            </a:solidFill>
+          </a:ln>
+        </p:spPr>
+        <p:style>
+          <a:lnRef idx="2">
+            <a:schemeClr val="accent1">
+              <a:shade val="50000"/>
+            </a:schemeClr>
+          </a:lnRef>
+          <a:fillRef idx="1">
+            <a:schemeClr val="accent1"/>
+          </a:fillRef>
+          <a:effectRef idx="0">
+            <a:schemeClr val="accent1"/>
+          </a:effectRef>
+          <a:fontRef idx="minor">
+            <a:schemeClr val="lt1"/>
+          </a:fontRef>
+        </p:style>
+        <p:txBody>
+          <a:bodyPr rtlCol="0" anchor="ctr"/>
+          <a:lstStyle/>
+          <a:p>
+            <a:pPr algn="ctr"/>
+            <a:r>
+              <a:rPr lang="fr-FR" sz="1050" b="1" dirty="0">
+                <a:solidFill>
+                  <a:srgbClr val="C00000"/>
+                </a:solidFill>
+              </a:rPr>
+              <a:t>3</a:t>
+            </a:r>
+            <a:endParaRPr lang="fr-FR" sz="1400" b="1" dirty="0">
+              <a:solidFill>
+                <a:srgbClr val="C00000"/>
+              </a:solidFill>
+            </a:endParaRPr>
+          </a:p>
+        </p:txBody>
+      </p:sp>
+      <p:sp>
+        <p:nvSpPr>
+          <p:cNvPr id="83" name="Ellipse 82">
+            <a:extLst>
+              <a:ext uri="{FF2B5EF4-FFF2-40B4-BE49-F238E27FC236}">
+                <a16:creationId xmlns:a16="http://schemas.microsoft.com/office/drawing/2014/main" id="{2D3781CD-84FA-F2B5-68CF-7D86D6C9AADE}"/>
+              </a:ext>
+            </a:extLst>
+          </p:cNvPr>
+          <p:cNvSpPr/>
+          <p:nvPr/>
+        </p:nvSpPr>
+        <p:spPr>
+          <a:xfrm>
+            <a:off x="6872613" y="5091469"/>
+            <a:ext cx="288000" cy="288000"/>
+          </a:xfrm>
+          <a:prstGeom prst="ellipse">
+            <a:avLst/>
+          </a:prstGeom>
+          <a:noFill/>
+          <a:ln w="28575">
+            <a:solidFill>
+              <a:srgbClr val="0070C0"/>
+            </a:solidFill>
+          </a:ln>
+        </p:spPr>
+        <p:style>
+          <a:lnRef idx="2">
+            <a:schemeClr val="accent1">
+              <a:shade val="50000"/>
+            </a:schemeClr>
+          </a:lnRef>
+          <a:fillRef idx="1">
+            <a:schemeClr val="accent1"/>
+          </a:fillRef>
+          <a:effectRef idx="0">
+            <a:schemeClr val="accent1"/>
+          </a:effectRef>
+          <a:fontRef idx="minor">
+            <a:schemeClr val="lt1"/>
+          </a:fontRef>
+        </p:style>
+        <p:txBody>
+          <a:bodyPr lIns="0" tIns="0" rIns="0" bIns="0" rtlCol="0" anchor="ctr"/>
+          <a:lstStyle/>
+          <a:p>
+            <a:pPr algn="ctr"/>
+            <a:r>
+              <a:rPr lang="fr-FR" sz="1050" b="1" dirty="0">
+                <a:solidFill>
+                  <a:schemeClr val="tx1"/>
+                </a:solidFill>
+              </a:rPr>
+              <a:t>J</a:t>
+            </a:r>
+            <a:r>
+              <a:rPr lang="fr-FR" sz="1050" b="1" baseline="-25000" dirty="0">
+                <a:solidFill>
+                  <a:schemeClr val="tx1"/>
+                </a:solidFill>
+              </a:rPr>
+              <a:t>2</a:t>
+            </a:r>
+            <a:endParaRPr lang="fr-FR" sz="1400" b="1" baseline="-25000" dirty="0">
+              <a:solidFill>
+                <a:schemeClr val="tx1"/>
+              </a:solidFill>
+            </a:endParaRPr>
+          </a:p>
+        </p:txBody>
+      </p:sp>
+      <p:sp>
+        <p:nvSpPr>
+          <p:cNvPr id="44" name="Rectangle 43">
+            <a:extLst>
+              <a:ext uri="{FF2B5EF4-FFF2-40B4-BE49-F238E27FC236}">
+                <a16:creationId xmlns:a16="http://schemas.microsoft.com/office/drawing/2014/main" id="{754F00A9-384A-E377-D850-49A47E2212E7}"/>
+              </a:ext>
+            </a:extLst>
+          </p:cNvPr>
+          <p:cNvSpPr/>
+          <p:nvPr/>
+        </p:nvSpPr>
+        <p:spPr>
+          <a:xfrm>
+            <a:off x="7320241" y="5951428"/>
+            <a:ext cx="432000" cy="216000"/>
+          </a:xfrm>
+          <a:prstGeom prst="rect">
+            <a:avLst/>
+          </a:prstGeom>
+          <a:solidFill>
+            <a:srgbClr val="FFCCCC"/>
+          </a:solidFill>
+          <a:ln w="28575">
+            <a:solidFill>
+              <a:srgbClr val="C00000"/>
+            </a:solidFill>
+          </a:ln>
+        </p:spPr>
+        <p:style>
+          <a:lnRef idx="2">
+            <a:schemeClr val="accent1">
+              <a:shade val="50000"/>
+            </a:schemeClr>
+          </a:lnRef>
+          <a:fillRef idx="1">
+            <a:schemeClr val="accent1"/>
+          </a:fillRef>
+          <a:effectRef idx="0">
+            <a:schemeClr val="accent1"/>
+          </a:effectRef>
+          <a:fontRef idx="minor">
+            <a:schemeClr val="lt1"/>
+          </a:fontRef>
+        </p:style>
+        <p:txBody>
+          <a:bodyPr lIns="0" tIns="0" rIns="0" bIns="0" rtlCol="0" anchor="t" anchorCtr="0"/>
+          <a:lstStyle/>
+          <a:p>
+            <a:pPr algn="ctr"/>
+            <a:endParaRPr lang="fr-FR" sz="2000" b="1" baseline="-25000">
+              <a:solidFill>
+                <a:schemeClr val="tx1"/>
+              </a:solidFill>
+            </a:endParaRPr>
+          </a:p>
+        </p:txBody>
+      </p:sp>
+      <p:sp>
+        <p:nvSpPr>
+          <p:cNvPr id="6" name="Multiplication 5"/>
+          <p:cNvSpPr/>
+          <p:nvPr/>
+        </p:nvSpPr>
+        <p:spPr>
+          <a:xfrm>
+            <a:off x="7420936" y="5945188"/>
+            <a:ext cx="230609" cy="230609"/>
+          </a:xfrm>
+          <a:prstGeom prst="mathMultiply">
+            <a:avLst/>
+          </a:prstGeom>
+          <a:solidFill>
+            <a:srgbClr val="C00000"/>
+          </a:solidFill>
+          <a:ln>
+            <a:noFill/>
+          </a:ln>
+        </p:spPr>
+        <p:style>
+          <a:lnRef idx="2">
+            <a:schemeClr val="accent1">
+              <a:shade val="50000"/>
+            </a:schemeClr>
+          </a:lnRef>
+          <a:fillRef idx="1">
+            <a:schemeClr val="accent1"/>
+          </a:fillRef>
+          <a:effectRef idx="0">
+            <a:schemeClr val="accent1"/>
+          </a:effectRef>
+          <a:fontRef idx="minor">
+            <a:schemeClr val="lt1"/>
+          </a:fontRef>
+        </p:style>
+        <p:txBody>
+          <a:bodyPr rtlCol="0" anchor="ctr"/>
+          <a:lstStyle/>
+          <a:p>
+            <a:pPr algn="ctr"/>
+            <a:endParaRPr lang="fr-FR"/>
+          </a:p>
+        </p:txBody>
+      </p:sp>
+      <p:cxnSp>
+        <p:nvCxnSpPr>
+          <p:cNvPr id="48" name="Connecteur droit 47">
+            <a:extLst>
+              <a:ext uri="{FF2B5EF4-FFF2-40B4-BE49-F238E27FC236}">
+                <a16:creationId xmlns:a16="http://schemas.microsoft.com/office/drawing/2014/main" id="{F231810F-13FD-A91E-A8EA-C87C36022420}"/>
+              </a:ext>
+            </a:extLst>
+          </p:cNvPr>
+          <p:cNvCxnSpPr>
+            <a:cxnSpLocks/>
+          </p:cNvCxnSpPr>
+          <p:nvPr/>
+        </p:nvCxnSpPr>
+        <p:spPr>
+          <a:xfrm>
+            <a:off x="6854482" y="6059428"/>
+            <a:ext cx="465759" cy="0"/>
+          </a:xfrm>
+          <a:prstGeom prst="line">
+            <a:avLst/>
+          </a:prstGeom>
+          <a:solidFill>
+            <a:srgbClr val="00B050"/>
+          </a:solidFill>
+          <a:ln w="28575">
+            <a:solidFill>
+              <a:srgbClr val="C00000"/>
+            </a:solidFill>
+            <a:prstDash val="solid"/>
+          </a:ln>
+        </p:spPr>
+        <p:style>
+          <a:lnRef idx="2">
+            <a:schemeClr val="accent1">
+              <a:shade val="50000"/>
+            </a:schemeClr>
+          </a:lnRef>
+          <a:fillRef idx="1">
+            <a:schemeClr val="accent1"/>
+          </a:fillRef>
+          <a:effectRef idx="0">
+            <a:schemeClr val="accent1"/>
+          </a:effectRef>
+          <a:fontRef idx="minor">
+            <a:schemeClr val="lt1"/>
+          </a:fontRef>
+        </p:style>
+      </p:cxnSp>
+      <p:cxnSp>
+        <p:nvCxnSpPr>
+          <p:cNvPr id="52" name="Connecteur droit 51">
+            <a:extLst>
+              <a:ext uri="{FF2B5EF4-FFF2-40B4-BE49-F238E27FC236}">
+                <a16:creationId xmlns:a16="http://schemas.microsoft.com/office/drawing/2014/main" id="{F231810F-13FD-A91E-A8EA-C87C36022420}"/>
+              </a:ext>
+            </a:extLst>
+          </p:cNvPr>
+          <p:cNvCxnSpPr>
+            <a:cxnSpLocks/>
+          </p:cNvCxnSpPr>
+          <p:nvPr/>
+        </p:nvCxnSpPr>
+        <p:spPr>
+          <a:xfrm>
+            <a:off x="7752241" y="6059428"/>
+            <a:ext cx="1445099" cy="0"/>
+          </a:xfrm>
+          <a:prstGeom prst="line">
+            <a:avLst/>
+          </a:prstGeom>
+          <a:solidFill>
+            <a:srgbClr val="00B050"/>
+          </a:solidFill>
+          <a:ln w="28575">
+            <a:solidFill>
+              <a:srgbClr val="C00000"/>
+            </a:solidFill>
+            <a:prstDash val="solid"/>
+          </a:ln>
+        </p:spPr>
+        <p:style>
+          <a:lnRef idx="2">
+            <a:schemeClr val="accent1">
+              <a:shade val="50000"/>
+            </a:schemeClr>
+          </a:lnRef>
+          <a:fillRef idx="1">
+            <a:schemeClr val="accent1"/>
+          </a:fillRef>
+          <a:effectRef idx="0">
+            <a:schemeClr val="accent1"/>
+          </a:effectRef>
+          <a:fontRef idx="minor">
+            <a:schemeClr val="lt1"/>
+          </a:fontRef>
+        </p:style>
+      </p:cxnSp>
+      <p:cxnSp>
+        <p:nvCxnSpPr>
+          <p:cNvPr id="54" name="Connecteur droit 53">
+            <a:extLst>
+              <a:ext uri="{FF2B5EF4-FFF2-40B4-BE49-F238E27FC236}">
+                <a16:creationId xmlns:a16="http://schemas.microsoft.com/office/drawing/2014/main" id="{F231810F-13FD-A91E-A8EA-C87C36022420}"/>
+              </a:ext>
+            </a:extLst>
+          </p:cNvPr>
+          <p:cNvCxnSpPr>
+            <a:cxnSpLocks/>
+          </p:cNvCxnSpPr>
+          <p:nvPr/>
+        </p:nvCxnSpPr>
+        <p:spPr>
+          <a:xfrm flipV="1">
+            <a:off x="8482410" y="5969915"/>
+            <a:ext cx="371" cy="198262"/>
+          </a:xfrm>
+          <a:prstGeom prst="line">
+            <a:avLst/>
+          </a:prstGeom>
+          <a:solidFill>
+            <a:srgbClr val="00B050"/>
+          </a:solidFill>
+          <a:ln w="28575">
+            <a:solidFill>
+              <a:srgbClr val="C00000"/>
+            </a:solidFill>
+            <a:prstDash val="solid"/>
+          </a:ln>
+        </p:spPr>
+        <p:style>
+          <a:lnRef idx="2">
+            <a:schemeClr val="accent1">
+              <a:shade val="50000"/>
+            </a:schemeClr>
+          </a:lnRef>
+          <a:fillRef idx="1">
+            <a:schemeClr val="accent1"/>
+          </a:fillRef>
+          <a:effectRef idx="0">
+            <a:schemeClr val="accent1"/>
+          </a:effectRef>
+          <a:fontRef idx="minor">
+            <a:schemeClr val="lt1"/>
+          </a:fontRef>
+        </p:style>
+      </p:cxnSp>
+      <p:cxnSp>
+        <p:nvCxnSpPr>
+          <p:cNvPr id="59" name="Connecteur droit 58">
+            <a:extLst>
+              <a:ext uri="{FF2B5EF4-FFF2-40B4-BE49-F238E27FC236}">
+                <a16:creationId xmlns:a16="http://schemas.microsoft.com/office/drawing/2014/main" id="{F231810F-13FD-A91E-A8EA-C87C36022420}"/>
+              </a:ext>
+            </a:extLst>
+          </p:cNvPr>
+          <p:cNvCxnSpPr>
+            <a:cxnSpLocks/>
+          </p:cNvCxnSpPr>
+          <p:nvPr/>
+        </p:nvCxnSpPr>
+        <p:spPr>
+          <a:xfrm flipV="1">
+            <a:off x="8953599" y="5962673"/>
+            <a:ext cx="371" cy="198262"/>
+          </a:xfrm>
+          <a:prstGeom prst="line">
+            <a:avLst/>
+          </a:prstGeom>
+          <a:solidFill>
+            <a:srgbClr val="00B050"/>
+          </a:solidFill>
+          <a:ln w="28575">
+            <a:solidFill>
+              <a:srgbClr val="C00000"/>
+            </a:solidFill>
+            <a:prstDash val="solid"/>
+          </a:ln>
+        </p:spPr>
+        <p:style>
+          <a:lnRef idx="2">
+            <a:schemeClr val="accent1">
+              <a:shade val="50000"/>
+            </a:schemeClr>
+          </a:lnRef>
+          <a:fillRef idx="1">
+            <a:schemeClr val="accent1"/>
+          </a:fillRef>
+          <a:effectRef idx="0">
+            <a:schemeClr val="accent1"/>
+          </a:effectRef>
+          <a:fontRef idx="minor">
+            <a:schemeClr val="lt1"/>
+          </a:fontRef>
+        </p:style>
+      </p:cxnSp>
+      <p:sp>
+        <p:nvSpPr>
+          <p:cNvPr id="69" name="Ellipse 68">
+            <a:extLst>
+              <a:ext uri="{FF2B5EF4-FFF2-40B4-BE49-F238E27FC236}">
+                <a16:creationId xmlns:a16="http://schemas.microsoft.com/office/drawing/2014/main" id="{2D3781CD-84FA-F2B5-68CF-7D86D6C9AADE}"/>
+              </a:ext>
+            </a:extLst>
+          </p:cNvPr>
+          <p:cNvSpPr/>
+          <p:nvPr/>
+        </p:nvSpPr>
+        <p:spPr>
+          <a:xfrm>
+            <a:off x="6407057" y="5657188"/>
+            <a:ext cx="288000" cy="288000"/>
+          </a:xfrm>
+          <a:prstGeom prst="ellipse">
+            <a:avLst/>
+          </a:prstGeom>
+          <a:noFill/>
+          <a:ln w="28575">
+            <a:solidFill>
+              <a:srgbClr val="C00000"/>
+            </a:solidFill>
+          </a:ln>
+        </p:spPr>
+        <p:style>
+          <a:lnRef idx="2">
+            <a:schemeClr val="accent1">
+              <a:shade val="50000"/>
+            </a:schemeClr>
+          </a:lnRef>
+          <a:fillRef idx="1">
+            <a:schemeClr val="accent1"/>
+          </a:fillRef>
+          <a:effectRef idx="0">
+            <a:schemeClr val="accent1"/>
+          </a:effectRef>
+          <a:fontRef idx="minor">
+            <a:schemeClr val="lt1"/>
+          </a:fontRef>
+        </p:style>
+        <p:txBody>
+          <a:bodyPr lIns="0" tIns="0" rIns="0" bIns="0" rtlCol="0" anchor="ctr"/>
+          <a:lstStyle/>
+          <a:p>
+            <a:pPr algn="ctr"/>
+            <a:r>
+              <a:rPr lang="fr-FR" sz="1050" b="1" dirty="0" smtClean="0">
+                <a:solidFill>
+                  <a:schemeClr val="tx1"/>
+                </a:solidFill>
+              </a:rPr>
+              <a:t>J</a:t>
+            </a:r>
+            <a:r>
+              <a:rPr lang="fr-FR" sz="1050" b="1" baseline="-25000" dirty="0" smtClean="0">
+                <a:solidFill>
+                  <a:schemeClr val="tx1"/>
+                </a:solidFill>
+              </a:rPr>
+              <a:t>3</a:t>
+            </a:r>
+            <a:endParaRPr lang="fr-FR" sz="1400" b="1" baseline="-25000" dirty="0">
+              <a:solidFill>
+                <a:schemeClr val="tx1"/>
+              </a:solidFill>
+            </a:endParaRPr>
+          </a:p>
+        </p:txBody>
+      </p:sp>
+      <mc:AlternateContent xmlns:mc="http://schemas.openxmlformats.org/markup-compatibility/2006">
+        <mc:Choice xmlns:a14="http://schemas.microsoft.com/office/drawing/2010/main" Requires="a14">
+          <p:sp>
+            <p:nvSpPr>
+              <p:cNvPr id="70" name="ZoneTexte 69">
+                <a:extLst>
+                  <a:ext uri="{FF2B5EF4-FFF2-40B4-BE49-F238E27FC236}">
+                    <a16:creationId xmlns:a16="http://schemas.microsoft.com/office/drawing/2014/main" id="{A698A0B4-1C99-202C-7064-3E41D6369D9A}"/>
+                  </a:ext>
+                </a:extLst>
+              </p:cNvPr>
+              <p:cNvSpPr txBox="1"/>
+              <p:nvPr/>
+            </p:nvSpPr>
+            <p:spPr>
+              <a:xfrm>
+                <a:off x="6809481" y="6324301"/>
+                <a:ext cx="1389996" cy="430887"/>
+              </a:xfrm>
+              <a:prstGeom prst="rect">
+                <a:avLst/>
+              </a:prstGeom>
+              <a:noFill/>
+            </p:spPr>
+            <p:txBody>
+              <a:bodyPr wrap="none" lIns="0" tIns="0" rIns="0" bIns="0" rtlCol="0">
+                <a:spAutoFit/>
+              </a:bodyPr>
+              <a:lstStyle/>
+              <a:p>
+                <a:pPr algn="ctr"/>
+                <a:r>
+                  <a:rPr lang="fr-FR" sz="1400" dirty="0" smtClean="0"/>
+                  <a:t>Roue et vis sans fin</a:t>
+                </a:r>
+              </a:p>
+              <a:p>
+                <a:pPr algn="ctr"/>
+                <a14:m>
+                  <m:oMath xmlns:m="http://schemas.openxmlformats.org/officeDocument/2006/math">
+                    <m:r>
+                      <a:rPr lang="fr-FR" sz="1400" i="1" dirty="0" smtClean="0">
+                        <a:latin typeface="Cambria Math" panose="02040503050406030204" pitchFamily="18" charset="0"/>
+                      </a:rPr>
+                      <m:t>𝑁</m:t>
+                    </m:r>
+                  </m:oMath>
+                </a14:m>
+                <a:r>
+                  <a:rPr lang="fr-FR" sz="1400" dirty="0" smtClean="0"/>
+                  <a:t> filets</a:t>
+                </a:r>
+                <a:endParaRPr lang="fr-FR" sz="1400" dirty="0"/>
+              </a:p>
+            </p:txBody>
+          </p:sp>
+        </mc:Choice>
+        <mc:Fallback>
+          <p:sp>
+            <p:nvSpPr>
+              <p:cNvPr id="70" name="ZoneTexte 69">
+                <a:extLst>
+                  <a:ext uri="{FF2B5EF4-FFF2-40B4-BE49-F238E27FC236}">
+                    <a16:creationId xmlns:a16="http://schemas.microsoft.com/office/drawing/2014/main" id="{A698A0B4-1C99-202C-7064-3E41D6369D9A}"/>
+                  </a:ext>
+                </a:extLst>
+              </p:cNvPr>
+              <p:cNvSpPr txBox="1">
+                <a:spLocks noRot="1" noChangeAspect="1" noMove="1" noResize="1" noEditPoints="1" noAdjustHandles="1" noChangeArrowheads="1" noChangeShapeType="1" noTextEdit="1"/>
+              </p:cNvSpPr>
+              <p:nvPr/>
+            </p:nvSpPr>
+            <p:spPr>
+              <a:xfrm>
+                <a:off x="6809481" y="6324301"/>
+                <a:ext cx="1389996" cy="430887"/>
+              </a:xfrm>
+              <a:prstGeom prst="rect">
+                <a:avLst/>
+              </a:prstGeom>
+              <a:blipFill>
+                <a:blip r:embed="rId4"/>
+                <a:stretch>
+                  <a:fillRect l="-7456" t="-12676" r="-7456" b="-23944"/>
+                </a:stretch>
+              </a:blipFill>
+            </p:spPr>
+            <p:txBody>
+              <a:bodyPr/>
+              <a:lstStyle/>
+              <a:p>
+                <a:r>
+                  <a:rPr lang="fr-FR">
+                    <a:noFill/>
+                  </a:rPr>
+                  <a:t> </a:t>
+                </a:r>
+              </a:p>
+            </p:txBody>
+          </p:sp>
+        </mc:Fallback>
+      </mc:AlternateContent>
+    </p:spTree>
+    <p:extLst>
+      <p:ext uri="{BB962C8B-B14F-4D97-AF65-F5344CB8AC3E}">
+        <p14:creationId xmlns:p14="http://schemas.microsoft.com/office/powerpoint/2010/main" val="3037214653"/>
+      </p:ext>
+    </p:extLst>
+  </p:cSld>
+  <p:clrMapOvr>
+    <a:masterClrMapping/>
+  </p:clrMapOvr>
+</p:sld>
+</file>
+
+<file path=ppt/slides/slide8.xml><?xml version="1.0" encoding="utf-8"?>
+<p:sld xmlns:a="http://schemas.openxmlformats.org/drawingml/2006/main" xmlns:r="http://schemas.openxmlformats.org/officeDocument/2006/relationships" xmlns:p="http://schemas.openxmlformats.org/presentationml/2006/main">
+  <p:cSld>
+    <p:spTree>
+      <p:nvGrpSpPr>
+        <p:cNvPr id="1" name=""/>
+        <p:cNvGrpSpPr/>
+        <p:nvPr/>
+      </p:nvGrpSpPr>
+      <p:grpSpPr>
+        <a:xfrm>
+          <a:off x="0" y="0"/>
+          <a:ext cx="0" cy="0"/>
+          <a:chOff x="0" y="0"/>
+          <a:chExt cx="0" cy="0"/>
+        </a:xfrm>
+      </p:grpSpPr>
       <p:cxnSp>
         <p:nvCxnSpPr>
           <p:cNvPr id="93" name="Connecteur droit 92">
@@ -16251,7 +18397,7 @@
 </p:sld>
 </file>
 
-<file path=ppt/slides/slide8.xml><?xml version="1.0" encoding="utf-8"?>
+<file path=ppt/slides/slide9.xml><?xml version="1.0" encoding="utf-8"?>
 <p:sld xmlns:a="http://schemas.openxmlformats.org/drawingml/2006/main" xmlns:r="http://schemas.openxmlformats.org/officeDocument/2006/relationships" xmlns:p="http://schemas.openxmlformats.org/presentationml/2006/main">
   <p:cSld>
     <p:spTree>
@@ -16792,8 +18938,8 @@
           </a:p>
         </p:txBody>
       </p:sp>
-      <mc:AlternateContent xmlns:mc="http://schemas.openxmlformats.org/markup-compatibility/2006">
-        <mc:Choice xmlns:a14="http://schemas.microsoft.com/office/drawing/2010/main" Requires="a14">
+      <mc:AlternateContent xmlns:mc="http://schemas.openxmlformats.org/markup-compatibility/2006" xmlns:a14="http://schemas.microsoft.com/office/drawing/2010/main">
+        <mc:Choice Requires="a14">
           <p:sp>
             <p:nvSpPr>
               <p:cNvPr id="2" name="ZoneTexte 1">
@@ -16862,7 +19008,7 @@
             </p:txBody>
           </p:sp>
         </mc:Choice>
-        <mc:Fallback>
+        <mc:Fallback xmlns="">
           <p:sp>
             <p:nvSpPr>
               <p:cNvPr id="2" name="ZoneTexte 1">
@@ -16907,8 +19053,8 @@
           </p:sp>
         </mc:Fallback>
       </mc:AlternateContent>
-      <mc:AlternateContent xmlns:mc="http://schemas.openxmlformats.org/markup-compatibility/2006">
-        <mc:Choice xmlns:a14="http://schemas.microsoft.com/office/drawing/2010/main" Requires="a14">
+      <mc:AlternateContent xmlns:mc="http://schemas.openxmlformats.org/markup-compatibility/2006" xmlns:a14="http://schemas.microsoft.com/office/drawing/2010/main">
+        <mc:Choice Requires="a14">
           <p:sp>
             <p:nvSpPr>
               <p:cNvPr id="3" name="ZoneTexte 2">
@@ -16977,7 +19123,7 @@
             </p:txBody>
           </p:sp>
         </mc:Choice>
-        <mc:Fallback>
+        <mc:Fallback xmlns="">
           <p:sp>
             <p:nvSpPr>
               <p:cNvPr id="3" name="ZoneTexte 2">
@@ -17875,8 +20021,8 @@
           </a:p>
         </p:txBody>
       </p:sp>
-      <mc:AlternateContent xmlns:mc="http://schemas.openxmlformats.org/markup-compatibility/2006">
-        <mc:Choice xmlns:a14="http://schemas.microsoft.com/office/drawing/2010/main" Requires="a14">
+      <mc:AlternateContent xmlns:mc="http://schemas.openxmlformats.org/markup-compatibility/2006" xmlns:a14="http://schemas.microsoft.com/office/drawing/2010/main">
+        <mc:Choice Requires="a14">
           <p:sp>
             <p:nvSpPr>
               <p:cNvPr id="73" name="ZoneTexte 72">
@@ -17945,7 +20091,7 @@
             </p:txBody>
           </p:sp>
         </mc:Choice>
-        <mc:Fallback>
+        <mc:Fallback xmlns="">
           <p:sp>
             <p:nvSpPr>
               <p:cNvPr id="73" name="ZoneTexte 72">
@@ -17994,74 +20140,6 @@
     <p:extLst>
       <p:ext uri="{BB962C8B-B14F-4D97-AF65-F5344CB8AC3E}">
         <p14:creationId xmlns:p14="http://schemas.microsoft.com/office/powerpoint/2010/main" val="1075412304"/>
-      </p:ext>
-    </p:extLst>
-  </p:cSld>
-  <p:clrMapOvr>
-    <a:masterClrMapping/>
-  </p:clrMapOvr>
-</p:sld>
-</file>
-
-<file path=ppt/slides/slide9.xml><?xml version="1.0" encoding="utf-8"?>
-<p:sld xmlns:a="http://schemas.openxmlformats.org/drawingml/2006/main" xmlns:r="http://schemas.openxmlformats.org/officeDocument/2006/relationships" xmlns:p="http://schemas.openxmlformats.org/presentationml/2006/main">
-  <p:cSld>
-    <p:spTree>
-      <p:nvGrpSpPr>
-        <p:cNvPr id="1" name=""/>
-        <p:cNvGrpSpPr/>
-        <p:nvPr/>
-      </p:nvGrpSpPr>
-      <p:grpSpPr>
-        <a:xfrm>
-          <a:off x="0" y="0"/>
-          <a:ext cx="0" cy="0"/>
-          <a:chOff x="0" y="0"/>
-          <a:chExt cx="0" cy="0"/>
-        </a:xfrm>
-      </p:grpSpPr>
-      <p:sp>
-        <p:nvSpPr>
-          <p:cNvPr id="2" name="Titre 1"/>
-          <p:cNvSpPr>
-            <a:spLocks noGrp="1"/>
-          </p:cNvSpPr>
-          <p:nvPr>
-            <p:ph type="title"/>
-          </p:nvPr>
-        </p:nvSpPr>
-        <p:spPr/>
-        <p:txBody>
-          <a:bodyPr/>
-          <a:lstStyle/>
-          <a:p>
-            <a:endParaRPr lang="fr-FR"/>
-          </a:p>
-        </p:txBody>
-      </p:sp>
-      <p:sp>
-        <p:nvSpPr>
-          <p:cNvPr id="3" name="Espace réservé du contenu 2"/>
-          <p:cNvSpPr>
-            <a:spLocks noGrp="1"/>
-          </p:cNvSpPr>
-          <p:nvPr>
-            <p:ph idx="1"/>
-          </p:nvPr>
-        </p:nvSpPr>
-        <p:spPr/>
-        <p:txBody>
-          <a:bodyPr/>
-          <a:lstStyle/>
-          <a:p>
-            <a:endParaRPr lang="fr-FR"/>
-          </a:p>
-        </p:txBody>
-      </p:sp>
-    </p:spTree>
-    <p:extLst>
-      <p:ext uri="{BB962C8B-B14F-4D97-AF65-F5344CB8AC3E}">
-        <p14:creationId xmlns:p14="http://schemas.microsoft.com/office/powerpoint/2010/main" val="4234872625"/>
       </p:ext>
     </p:extLst>
   </p:cSld>
